--- a/docs/Presentation_DellaCasa_Bobillier.pptx
+++ b/docs/Presentation_DellaCasa_Bobillier.pptx
@@ -5,7 +5,7 @@
     <p:sldMasterId id="2147483648" r:id="rId4"/>
   </p:sldMasterIdLst>
   <p:notesMasterIdLst>
-    <p:notesMasterId r:id="rId14"/>
+    <p:notesMasterId r:id="rId15"/>
   </p:notesMasterIdLst>
   <p:sldIdLst>
     <p:sldId id="258" r:id="rId5"/>
@@ -15,8 +15,9 @@
     <p:sldId id="268" r:id="rId9"/>
     <p:sldId id="269" r:id="rId10"/>
     <p:sldId id="270" r:id="rId11"/>
-    <p:sldId id="271" r:id="rId12"/>
-    <p:sldId id="262" r:id="rId13"/>
+    <p:sldId id="272" r:id="rId12"/>
+    <p:sldId id="271" r:id="rId13"/>
+    <p:sldId id="262" r:id="rId14"/>
   </p:sldIdLst>
   <p:sldSz cx="9144000" cy="6858000" type="screen4x3"/>
   <p:notesSz cx="6858000" cy="9144000"/>
@@ -2760,6 +2761,133 @@
 </p:sld>
 </file>
 
+<file path=ppt/slides/slide10.xml><?xml version="1.0" encoding="utf-8"?>
+<p:sld xmlns:a="http://schemas.openxmlformats.org/drawingml/2006/main" xmlns:r="http://schemas.openxmlformats.org/officeDocument/2006/relationships" xmlns:p="http://schemas.openxmlformats.org/presentationml/2006/main">
+  <p:cSld>
+    <p:spTree>
+      <p:nvGrpSpPr>
+        <p:cNvPr id="1" name=""/>
+        <p:cNvGrpSpPr/>
+        <p:nvPr/>
+      </p:nvGrpSpPr>
+      <p:grpSpPr>
+        <a:xfrm>
+          <a:off x="0" y="0"/>
+          <a:ext cx="0" cy="0"/>
+          <a:chOff x="0" y="0"/>
+          <a:chExt cx="0" cy="0"/>
+        </a:xfrm>
+      </p:grpSpPr>
+      <p:sp>
+        <p:nvSpPr>
+          <p:cNvPr id="8" name="Espace réservé du texte 7"/>
+          <p:cNvSpPr>
+            <a:spLocks noGrp="1"/>
+          </p:cNvSpPr>
+          <p:nvPr>
+            <p:ph type="body" sz="quarter" idx="21"/>
+          </p:nvPr>
+        </p:nvSpPr>
+        <p:spPr>
+          <a:xfrm>
+            <a:off x="701999" y="4365104"/>
+            <a:ext cx="7920000" cy="678145"/>
+          </a:xfrm>
+        </p:spPr>
+        <p:txBody>
+          <a:bodyPr/>
+          <a:lstStyle/>
+          <a:p>
+            <a:pPr marL="0" indent="0" algn="ctr">
+              <a:buNone/>
+            </a:pPr>
+            <a:r>
+              <a:rPr lang="fr-CH" sz="3000" dirty="0" smtClean="0"/>
+              <a:t>Des </a:t>
+            </a:r>
+            <a:r>
+              <a:rPr lang="fr-CH" sz="3000" dirty="0"/>
+              <a:t>questions?</a:t>
+            </a:r>
+          </a:p>
+        </p:txBody>
+      </p:sp>
+      <p:sp>
+        <p:nvSpPr>
+          <p:cNvPr id="9" name="Espace réservé du numéro de diapositive 8"/>
+          <p:cNvSpPr>
+            <a:spLocks noGrp="1"/>
+          </p:cNvSpPr>
+          <p:nvPr>
+            <p:ph type="sldNum" sz="quarter" idx="22"/>
+          </p:nvPr>
+        </p:nvSpPr>
+        <p:spPr/>
+        <p:txBody>
+          <a:bodyPr/>
+          <a:lstStyle/>
+          <a:p>
+            <a:fld id="{1B28DAD0-2E7F-0B49-858C-0AF98DF16341}" type="slidenum">
+              <a:rPr lang="en-US" smtClean="0"/>
+              <a:pPr/>
+              <a:t>10</a:t>
+            </a:fld>
+            <a:endParaRPr lang="en-US"/>
+          </a:p>
+        </p:txBody>
+      </p:sp>
+      <p:sp>
+        <p:nvSpPr>
+          <p:cNvPr id="10" name="Espace réservé du texte 9"/>
+          <p:cNvSpPr>
+            <a:spLocks noGrp="1"/>
+          </p:cNvSpPr>
+          <p:nvPr>
+            <p:ph type="body" sz="quarter" idx="13"/>
+          </p:nvPr>
+        </p:nvSpPr>
+        <p:spPr>
+          <a:xfrm>
+            <a:off x="701999" y="728760"/>
+            <a:ext cx="7920000" cy="540000"/>
+          </a:xfrm>
+        </p:spPr>
+        <p:txBody>
+          <a:bodyPr/>
+          <a:lstStyle/>
+          <a:p>
+            <a:pPr algn="ctr"/>
+            <a:r>
+              <a:rPr lang="fr-CH" sz="3200" dirty="0">
+                <a:solidFill>
+                  <a:schemeClr val="tx1"/>
+                </a:solidFill>
+              </a:rPr>
+              <a:t>Merci de votre attention</a:t>
+            </a:r>
+          </a:p>
+        </p:txBody>
+      </p:sp>
+    </p:spTree>
+    <p:extLst>
+      <p:ext uri="{BB962C8B-B14F-4D97-AF65-F5344CB8AC3E}">
+        <p14:creationId xmlns:p14="http://schemas.microsoft.com/office/powerpoint/2010/main" val="1049321436"/>
+      </p:ext>
+    </p:extLst>
+  </p:cSld>
+  <p:clrMapOvr>
+    <a:masterClrMapping/>
+  </p:clrMapOvr>
+  <p:timing>
+    <p:tnLst>
+      <p:par>
+        <p:cTn id="1" dur="indefinite" restart="never" nodeType="tmRoot"/>
+      </p:par>
+    </p:tnLst>
+  </p:timing>
+</p:sld>
+</file>
+
 <file path=ppt/slides/slide2.xml><?xml version="1.0" encoding="utf-8"?>
 <p:sld xmlns:a="http://schemas.openxmlformats.org/drawingml/2006/main" xmlns:r="http://schemas.openxmlformats.org/officeDocument/2006/relationships" xmlns:p="http://schemas.openxmlformats.org/presentationml/2006/main">
   <p:cSld>
@@ -2842,7 +2970,6 @@
               <a:rPr lang="fr-CH" sz="2000" dirty="0" smtClean="0"/>
               <a:t>Projet</a:t>
             </a:r>
-            <a:endParaRPr lang="fr-CH" sz="2000" dirty="0" smtClean="0"/>
           </a:p>
           <a:p>
             <a:pPr marL="285750" indent="-285750">
@@ -2851,11 +2978,7 @@
             </a:pPr>
             <a:r>
               <a:rPr lang="fr-CH" sz="2000" dirty="0" smtClean="0"/>
-              <a:t>Démonstration </a:t>
-            </a:r>
-            <a:r>
-              <a:rPr lang="fr-CH" sz="2000" dirty="0" smtClean="0"/>
-              <a:t>de notre prototype</a:t>
+              <a:t>Démonstration de notre prototype</a:t>
             </a:r>
           </a:p>
           <a:p>
@@ -2992,7 +3115,6 @@
               <a:rPr lang="fr-CH" sz="2000" dirty="0" smtClean="0"/>
               <a:t>Développement d’un outils en ligne de transformation de coordonnées géodésiques Franco - Suisse</a:t>
             </a:r>
-            <a:endParaRPr lang="fr-CH" sz="2000" dirty="0" smtClean="0"/>
           </a:p>
           <a:p>
             <a:pPr marL="342900" indent="-342900">
@@ -3064,7 +3186,7 @@
           <p:cNvPr id="4" name="Espace réservé du texte 3">
             <a:extLst>
               <a:ext uri="{FF2B5EF4-FFF2-40B4-BE49-F238E27FC236}">
-                <a16:creationId xmlns:a16="http://schemas.microsoft.com/office/drawing/2014/main" id="{3C98D178-AF2C-4F51-B210-CE7C0013A3C3}"/>
+                <a16:creationId xmlns:a16="http://schemas.microsoft.com/office/drawing/2014/main" xmlns="" id="{3C98D178-AF2C-4F51-B210-CE7C0013A3C3}"/>
               </a:ext>
             </a:extLst>
           </p:cNvPr>
@@ -3189,6 +3311,50 @@
               <a:buFont typeface="Wingdings" panose="05000000000000000000" pitchFamily="2" charset="2"/>
               <a:buChar char="q"/>
             </a:pPr>
+            <a:r>
+              <a:rPr lang="fr-CH" sz="2000" dirty="0" smtClean="0">
+                <a:hlinkClick r:id="rId3" action="ppaction://hlinkpres?slideindex=1&amp;slidetitle="/>
+              </a:rPr>
+              <a:t>Notre maquette</a:t>
+            </a:r>
+            <a:endParaRPr lang="fr-CH" sz="2000" dirty="0" smtClean="0"/>
+          </a:p>
+          <a:p>
+            <a:pPr marL="342900" indent="-342900">
+              <a:buSzPct val="75000"/>
+              <a:buFont typeface="Wingdings" panose="05000000000000000000" pitchFamily="2" charset="2"/>
+              <a:buChar char="q"/>
+            </a:pPr>
+            <a:endParaRPr lang="fr-CH" sz="2000" dirty="0"/>
+          </a:p>
+          <a:p>
+            <a:pPr marL="342900" indent="-342900">
+              <a:buSzPct val="75000"/>
+              <a:buFont typeface="Wingdings" panose="05000000000000000000" pitchFamily="2" charset="2"/>
+              <a:buChar char="q"/>
+            </a:pPr>
+            <a:endParaRPr lang="fr-CH" sz="2000" dirty="0" smtClean="0"/>
+          </a:p>
+          <a:p>
+            <a:pPr marL="342900" indent="-342900">
+              <a:buSzPct val="75000"/>
+              <a:buFont typeface="Wingdings" panose="05000000000000000000" pitchFamily="2" charset="2"/>
+              <a:buChar char="q"/>
+            </a:pPr>
+            <a:endParaRPr lang="fr-CH" sz="2000" dirty="0"/>
+          </a:p>
+          <a:p>
+            <a:pPr marL="342900" indent="-342900">
+              <a:buSzPct val="75000"/>
+              <a:buFont typeface="Wingdings" panose="05000000000000000000" pitchFamily="2" charset="2"/>
+              <a:buChar char="q"/>
+            </a:pPr>
+            <a:r>
+              <a:rPr lang="fr-CH" sz="2000" dirty="0" smtClean="0">
+                <a:hlinkClick r:id="rId4"/>
+              </a:rPr>
+              <a:t>Notre site internet actuel</a:t>
+            </a:r>
             <a:endParaRPr lang="fr-CH" sz="2000" dirty="0" smtClean="0"/>
           </a:p>
         </p:txBody>
@@ -3222,7 +3388,7 @@
           <p:cNvPr id="4" name="Espace réservé du texte 3">
             <a:extLst>
               <a:ext uri="{FF2B5EF4-FFF2-40B4-BE49-F238E27FC236}">
-                <a16:creationId xmlns:a16="http://schemas.microsoft.com/office/drawing/2014/main" id="{3C98D178-AF2C-4F51-B210-CE7C0013A3C3}"/>
+                <a16:creationId xmlns:a16="http://schemas.microsoft.com/office/drawing/2014/main" xmlns="" id="{3C98D178-AF2C-4F51-B210-CE7C0013A3C3}"/>
               </a:ext>
             </a:extLst>
           </p:cNvPr>
@@ -3542,7 +3708,6 @@
               <a:rPr lang="fr-CH" dirty="0" smtClean="0"/>
               <a:t>ETRS89</a:t>
             </a:r>
-            <a:endParaRPr lang="fr-CH" dirty="0" smtClean="0"/>
           </a:p>
         </p:txBody>
       </p:sp>
@@ -4704,6 +4869,147 @@
       </p:sp>
       <p:pic>
         <p:nvPicPr>
+          <p:cNvPr id="10" name="Image 9"/>
+          <p:cNvPicPr>
+            <a:picLocks noChangeAspect="1"/>
+          </p:cNvPicPr>
+          <p:nvPr/>
+        </p:nvPicPr>
+        <p:blipFill>
+          <a:blip r:embed="rId2">
+            <a:extLst>
+              <a:ext uri="{28A0092B-C50C-407E-A947-70E740481C1C}">
+                <a14:useLocalDpi xmlns:a14="http://schemas.microsoft.com/office/drawing/2010/main" val="0"/>
+              </a:ext>
+            </a:extLst>
+          </a:blip>
+          <a:stretch>
+            <a:fillRect/>
+          </a:stretch>
+        </p:blipFill>
+        <p:spPr>
+          <a:xfrm>
+            <a:off x="33874" y="764704"/>
+            <a:ext cx="8934218" cy="6316095"/>
+          </a:xfrm>
+          <a:prstGeom prst="rect">
+            <a:avLst/>
+          </a:prstGeom>
+        </p:spPr>
+      </p:pic>
+    </p:spTree>
+    <p:extLst>
+      <p:ext uri="{BB962C8B-B14F-4D97-AF65-F5344CB8AC3E}">
+        <p14:creationId xmlns:p14="http://schemas.microsoft.com/office/powerpoint/2010/main" val="3241907549"/>
+      </p:ext>
+    </p:extLst>
+  </p:cSld>
+  <p:clrMapOvr>
+    <a:masterClrMapping/>
+  </p:clrMapOvr>
+  <p:timing>
+    <p:tnLst>
+      <p:par>
+        <p:cTn id="1" dur="indefinite" restart="never" nodeType="tmRoot"/>
+      </p:par>
+    </p:tnLst>
+  </p:timing>
+</p:sld>
+</file>
+
+<file path=ppt/slides/slide8.xml><?xml version="1.0" encoding="utf-8"?>
+<p:sld xmlns:a="http://schemas.openxmlformats.org/drawingml/2006/main" xmlns:r="http://schemas.openxmlformats.org/officeDocument/2006/relationships" xmlns:p="http://schemas.openxmlformats.org/presentationml/2006/main">
+  <p:cSld>
+    <p:spTree>
+      <p:nvGrpSpPr>
+        <p:cNvPr id="1" name=""/>
+        <p:cNvGrpSpPr/>
+        <p:nvPr/>
+      </p:nvGrpSpPr>
+      <p:grpSpPr>
+        <a:xfrm>
+          <a:off x="0" y="0"/>
+          <a:ext cx="0" cy="0"/>
+          <a:chOff x="0" y="0"/>
+          <a:chExt cx="0" cy="0"/>
+        </a:xfrm>
+      </p:grpSpPr>
+      <p:sp>
+        <p:nvSpPr>
+          <p:cNvPr id="2" name="Espace réservé du texte 1"/>
+          <p:cNvSpPr>
+            <a:spLocks noGrp="1"/>
+          </p:cNvSpPr>
+          <p:nvPr>
+            <p:ph type="body" sz="quarter" idx="13"/>
+          </p:nvPr>
+        </p:nvSpPr>
+        <p:spPr/>
+        <p:txBody>
+          <a:bodyPr/>
+          <a:lstStyle/>
+          <a:p>
+            <a:r>
+              <a:rPr lang="fr-CH" sz="3200" dirty="0"/>
+              <a:t>G</a:t>
+            </a:r>
+            <a:r>
+              <a:rPr lang="fr-CH" sz="3200" dirty="0" smtClean="0"/>
+              <a:t>éodésie</a:t>
+            </a:r>
+            <a:endParaRPr lang="fr-CH" sz="3200" dirty="0"/>
+          </a:p>
+        </p:txBody>
+      </p:sp>
+      <p:sp>
+        <p:nvSpPr>
+          <p:cNvPr id="3" name="Espace réservé du texte 2"/>
+          <p:cNvSpPr>
+            <a:spLocks noGrp="1"/>
+          </p:cNvSpPr>
+          <p:nvPr>
+            <p:ph type="body" sz="quarter" idx="14"/>
+          </p:nvPr>
+        </p:nvSpPr>
+        <p:spPr/>
+        <p:txBody>
+          <a:bodyPr/>
+          <a:lstStyle/>
+          <a:p>
+            <a:r>
+              <a:rPr lang="fr-CH" dirty="0" smtClean="0"/>
+              <a:t>Déviation de la verticale</a:t>
+            </a:r>
+            <a:endParaRPr lang="fr-CH" dirty="0"/>
+          </a:p>
+        </p:txBody>
+      </p:sp>
+      <p:sp>
+        <p:nvSpPr>
+          <p:cNvPr id="5" name="Espace réservé du numéro de diapositive 4"/>
+          <p:cNvSpPr>
+            <a:spLocks noGrp="1"/>
+          </p:cNvSpPr>
+          <p:nvPr>
+            <p:ph type="sldNum" sz="quarter" idx="18"/>
+          </p:nvPr>
+        </p:nvSpPr>
+        <p:spPr/>
+        <p:txBody>
+          <a:bodyPr/>
+          <a:lstStyle/>
+          <a:p>
+            <a:fld id="{1B28DAD0-2E7F-0B49-858C-0AF98DF16341}" type="slidenum">
+              <a:rPr lang="en-US" smtClean="0"/>
+              <a:pPr/>
+              <a:t>8</a:t>
+            </a:fld>
+            <a:endParaRPr lang="en-US"/>
+          </a:p>
+        </p:txBody>
+      </p:sp>
+      <p:pic>
+        <p:nvPicPr>
           <p:cNvPr id="4" name="Image 3"/>
           <p:cNvPicPr>
             <a:picLocks noChangeAspect="1"/>
@@ -4731,8 +5037,8 @@
           </a:prstGeom>
         </p:spPr>
       </p:pic>
-      <mc:AlternateContent xmlns:mc="http://schemas.openxmlformats.org/markup-compatibility/2006">
-        <mc:Choice xmlns:a14="http://schemas.microsoft.com/office/drawing/2010/main" Requires="a14">
+      <mc:AlternateContent xmlns:mc="http://schemas.openxmlformats.org/markup-compatibility/2006" xmlns:a14="http://schemas.microsoft.com/office/drawing/2010/main">
+        <mc:Choice Requires="a14">
           <p:sp>
             <p:nvSpPr>
               <p:cNvPr id="24" name="Espace réservé du texte 3"/>
@@ -5312,7 +5618,7 @@
             </p:txBody>
           </p:sp>
         </mc:Choice>
-        <mc:Fallback>
+        <mc:Fallback xmlns="">
           <p:sp>
             <p:nvSpPr>
               <p:cNvPr id="24" name="Espace réservé du texte 3"/>
@@ -5354,7 +5660,7 @@
     </p:spTree>
     <p:extLst>
       <p:ext uri="{BB962C8B-B14F-4D97-AF65-F5344CB8AC3E}">
-        <p14:creationId xmlns:p14="http://schemas.microsoft.com/office/powerpoint/2010/main" val="3241907549"/>
+        <p14:creationId xmlns:p14="http://schemas.microsoft.com/office/powerpoint/2010/main" val="3229658519"/>
       </p:ext>
     </p:extLst>
   </p:cSld>
@@ -5371,7 +5677,7 @@
 </p:sld>
 </file>
 
-<file path=ppt/slides/slide8.xml><?xml version="1.0" encoding="utf-8"?>
+<file path=ppt/slides/slide9.xml><?xml version="1.0" encoding="utf-8"?>
 <p:sld xmlns:a="http://schemas.openxmlformats.org/drawingml/2006/main" xmlns:r="http://schemas.openxmlformats.org/officeDocument/2006/relationships" xmlns:p="http://schemas.openxmlformats.org/presentationml/2006/main">
   <p:cSld>
     <p:spTree>
@@ -5456,7 +5762,7 @@
             <a:fld id="{1B28DAD0-2E7F-0B49-858C-0AF98DF16341}" type="slidenum">
               <a:rPr lang="en-US" smtClean="0"/>
               <a:pPr/>
-              <a:t>8</a:t>
+              <a:t>9</a:t>
             </a:fld>
             <a:endParaRPr lang="en-US"/>
           </a:p>
@@ -5716,14 +6022,11 @@
               <a:buChar char="q"/>
             </a:pPr>
             <a:r>
-              <a:rPr lang="fr-CH" sz="2000" smtClean="0">
+              <a:rPr lang="fr-CH" sz="2000" dirty="0" smtClean="0">
                 <a:sym typeface="Wingdings" panose="05000000000000000000" pitchFamily="2" charset="2"/>
               </a:rPr>
               <a:t>NF02 – RAN 95  dll</a:t>
             </a:r>
-            <a:endParaRPr lang="fr-CH" sz="2000" dirty="0" smtClean="0">
-              <a:sym typeface="Wingdings" panose="05000000000000000000" pitchFamily="2" charset="2"/>
-            </a:endParaRPr>
           </a:p>
         </p:txBody>
       </p:sp>
@@ -5731,133 +6034,6 @@
     <p:extLst>
       <p:ext uri="{BB962C8B-B14F-4D97-AF65-F5344CB8AC3E}">
         <p14:creationId xmlns:p14="http://schemas.microsoft.com/office/powerpoint/2010/main" val="2540776652"/>
-      </p:ext>
-    </p:extLst>
-  </p:cSld>
-  <p:clrMapOvr>
-    <a:masterClrMapping/>
-  </p:clrMapOvr>
-  <p:timing>
-    <p:tnLst>
-      <p:par>
-        <p:cTn id="1" dur="indefinite" restart="never" nodeType="tmRoot"/>
-      </p:par>
-    </p:tnLst>
-  </p:timing>
-</p:sld>
-</file>
-
-<file path=ppt/slides/slide9.xml><?xml version="1.0" encoding="utf-8"?>
-<p:sld xmlns:a="http://schemas.openxmlformats.org/drawingml/2006/main" xmlns:r="http://schemas.openxmlformats.org/officeDocument/2006/relationships" xmlns:p="http://schemas.openxmlformats.org/presentationml/2006/main">
-  <p:cSld>
-    <p:spTree>
-      <p:nvGrpSpPr>
-        <p:cNvPr id="1" name=""/>
-        <p:cNvGrpSpPr/>
-        <p:nvPr/>
-      </p:nvGrpSpPr>
-      <p:grpSpPr>
-        <a:xfrm>
-          <a:off x="0" y="0"/>
-          <a:ext cx="0" cy="0"/>
-          <a:chOff x="0" y="0"/>
-          <a:chExt cx="0" cy="0"/>
-        </a:xfrm>
-      </p:grpSpPr>
-      <p:sp>
-        <p:nvSpPr>
-          <p:cNvPr id="8" name="Espace réservé du texte 7"/>
-          <p:cNvSpPr>
-            <a:spLocks noGrp="1"/>
-          </p:cNvSpPr>
-          <p:nvPr>
-            <p:ph type="body" sz="quarter" idx="21"/>
-          </p:nvPr>
-        </p:nvSpPr>
-        <p:spPr>
-          <a:xfrm>
-            <a:off x="701999" y="4365104"/>
-            <a:ext cx="7920000" cy="678145"/>
-          </a:xfrm>
-        </p:spPr>
-        <p:txBody>
-          <a:bodyPr/>
-          <a:lstStyle/>
-          <a:p>
-            <a:pPr marL="0" indent="0" algn="ctr">
-              <a:buNone/>
-            </a:pPr>
-            <a:r>
-              <a:rPr lang="fr-CH" sz="3000" dirty="0" smtClean="0"/>
-              <a:t>Des </a:t>
-            </a:r>
-            <a:r>
-              <a:rPr lang="fr-CH" sz="3000" dirty="0"/>
-              <a:t>questions?</a:t>
-            </a:r>
-          </a:p>
-        </p:txBody>
-      </p:sp>
-      <p:sp>
-        <p:nvSpPr>
-          <p:cNvPr id="9" name="Espace réservé du numéro de diapositive 8"/>
-          <p:cNvSpPr>
-            <a:spLocks noGrp="1"/>
-          </p:cNvSpPr>
-          <p:nvPr>
-            <p:ph type="sldNum" sz="quarter" idx="22"/>
-          </p:nvPr>
-        </p:nvSpPr>
-        <p:spPr/>
-        <p:txBody>
-          <a:bodyPr/>
-          <a:lstStyle/>
-          <a:p>
-            <a:fld id="{1B28DAD0-2E7F-0B49-858C-0AF98DF16341}" type="slidenum">
-              <a:rPr lang="en-US" smtClean="0"/>
-              <a:pPr/>
-              <a:t>9</a:t>
-            </a:fld>
-            <a:endParaRPr lang="en-US"/>
-          </a:p>
-        </p:txBody>
-      </p:sp>
-      <p:sp>
-        <p:nvSpPr>
-          <p:cNvPr id="10" name="Espace réservé du texte 9"/>
-          <p:cNvSpPr>
-            <a:spLocks noGrp="1"/>
-          </p:cNvSpPr>
-          <p:nvPr>
-            <p:ph type="body" sz="quarter" idx="13"/>
-          </p:nvPr>
-        </p:nvSpPr>
-        <p:spPr>
-          <a:xfrm>
-            <a:off x="701999" y="728760"/>
-            <a:ext cx="7920000" cy="540000"/>
-          </a:xfrm>
-        </p:spPr>
-        <p:txBody>
-          <a:bodyPr/>
-          <a:lstStyle/>
-          <a:p>
-            <a:pPr algn="ctr"/>
-            <a:r>
-              <a:rPr lang="fr-CH" sz="3200" dirty="0">
-                <a:solidFill>
-                  <a:schemeClr val="tx1"/>
-                </a:solidFill>
-              </a:rPr>
-              <a:t>Merci de votre attention</a:t>
-            </a:r>
-          </a:p>
-        </p:txBody>
-      </p:sp>
-    </p:spTree>
-    <p:extLst>
-      <p:ext uri="{BB962C8B-B14F-4D97-AF65-F5344CB8AC3E}">
-        <p14:creationId xmlns:p14="http://schemas.microsoft.com/office/powerpoint/2010/main" val="1049321436"/>
       </p:ext>
     </p:extLst>
   </p:cSld>
@@ -6434,21 +6610,6 @@
 </file>
 
 <file path=customXml/item1.xml><?xml version="1.0" encoding="utf-8"?>
-<?mso-contentType ?>
-<FormTemplates xmlns="http://schemas.microsoft.com/sharepoint/v3/contenttype/forms">
-  <Display>DocumentLibraryForm</Display>
-  <Edit>DocumentLibraryForm</Edit>
-  <New>DocumentLibraryForm</New>
-</FormTemplates>
-</file>
-
-<file path=customXml/item2.xml><?xml version="1.0" encoding="utf-8"?>
-<p:properties xmlns:p="http://schemas.microsoft.com/office/2006/metadata/properties" xmlns:xsi="http://www.w3.org/2001/XMLSchema-instance">
-  <documentManagement/>
-</p:properties>
-</file>
-
-<file path=customXml/item3.xml><?xml version="1.0" encoding="utf-8"?>
 <ct:contentTypeSchema xmlns:ct="http://schemas.microsoft.com/office/2006/metadata/contentType" xmlns:ma="http://schemas.microsoft.com/office/2006/metadata/properties/metaAttributes" ct:_="" ma:_="" ma:contentTypeName="Document" ma:contentTypeID="0x010100B6123DD21B5CBB45824EDD5C2CB91D56" ma:contentTypeVersion="0" ma:contentTypeDescription="Crée un document." ma:contentTypeScope="" ma:versionID="d55aa097934844bd69722fdd4b4728a7">
   <xsd:schema xmlns:xsd="http://www.w3.org/2001/XMLSchema" xmlns:p="http://schemas.microsoft.com/office/2006/metadata/properties" targetNamespace="http://schemas.microsoft.com/office/2006/metadata/properties" ma:root="true" ma:fieldsID="75019ab185b48580fc336df4da24a70b">
     <xsd:element name="properties">
@@ -6497,10 +6658,32 @@
 </ct:contentTypeSchema>
 </file>
 
+<file path=customXml/item2.xml><?xml version="1.0" encoding="utf-8"?>
+<p:properties xmlns:p="http://schemas.microsoft.com/office/2006/metadata/properties" xmlns:xsi="http://www.w3.org/2001/XMLSchema-instance">
+  <documentManagement/>
+</p:properties>
+</file>
+
+<file path=customXml/item3.xml><?xml version="1.0" encoding="utf-8"?>
+<?mso-contentType ?>
+<FormTemplates xmlns="http://schemas.microsoft.com/sharepoint/v3/contenttype/forms">
+  <Display>DocumentLibraryForm</Display>
+  <Edit>DocumentLibraryForm</Edit>
+  <New>DocumentLibraryForm</New>
+</FormTemplates>
+</file>
+
 <file path=customXml/itemProps1.xml><?xml version="1.0" encoding="utf-8"?>
-<ds:datastoreItem xmlns:ds="http://schemas.openxmlformats.org/officeDocument/2006/customXml" ds:itemID="{D9566359-54ED-4185-9739-B7EE564F6ACB}">
+<ds:datastoreItem xmlns:ds="http://schemas.openxmlformats.org/officeDocument/2006/customXml" ds:itemID="{6DD729BB-9CDF-404F-9D88-9DB6E57D6563}">
   <ds:schemaRefs>
-    <ds:schemaRef ds:uri="http://schemas.microsoft.com/sharepoint/v3/contenttype/forms"/>
+    <ds:schemaRef ds:uri="http://schemas.microsoft.com/office/2006/metadata/contentType"/>
+    <ds:schemaRef ds:uri="http://schemas.microsoft.com/office/2006/metadata/properties/metaAttributes"/>
+    <ds:schemaRef ds:uri="http://www.w3.org/2001/XMLSchema"/>
+    <ds:schemaRef ds:uri="http://schemas.microsoft.com/office/2006/metadata/properties"/>
+    <ds:schemaRef ds:uri="http://schemas.openxmlformats.org/package/2006/metadata/core-properties"/>
+    <ds:schemaRef ds:uri="http://purl.org/dc/elements/1.1/"/>
+    <ds:schemaRef ds:uri="http://purl.org/dc/terms/"/>
+    <ds:schemaRef ds:uri="http://schemas.microsoft.com/office/internal/2005/internalDocumentation"/>
   </ds:schemaRefs>
 </ds:datastoreItem>
 </file>
@@ -6514,16 +6697,9 @@
 </file>
 
 <file path=customXml/itemProps3.xml><?xml version="1.0" encoding="utf-8"?>
-<ds:datastoreItem xmlns:ds="http://schemas.openxmlformats.org/officeDocument/2006/customXml" ds:itemID="{6DD729BB-9CDF-404F-9D88-9DB6E57D6563}">
+<ds:datastoreItem xmlns:ds="http://schemas.openxmlformats.org/officeDocument/2006/customXml" ds:itemID="{D9566359-54ED-4185-9739-B7EE564F6ACB}">
   <ds:schemaRefs>
-    <ds:schemaRef ds:uri="http://schemas.microsoft.com/office/2006/metadata/contentType"/>
-    <ds:schemaRef ds:uri="http://schemas.microsoft.com/office/2006/metadata/properties/metaAttributes"/>
-    <ds:schemaRef ds:uri="http://www.w3.org/2001/XMLSchema"/>
-    <ds:schemaRef ds:uri="http://schemas.microsoft.com/office/2006/metadata/properties"/>
-    <ds:schemaRef ds:uri="http://schemas.openxmlformats.org/package/2006/metadata/core-properties"/>
-    <ds:schemaRef ds:uri="http://purl.org/dc/elements/1.1/"/>
-    <ds:schemaRef ds:uri="http://purl.org/dc/terms/"/>
-    <ds:schemaRef ds:uri="http://schemas.microsoft.com/office/internal/2005/internalDocumentation"/>
+    <ds:schemaRef ds:uri="http://schemas.microsoft.com/sharepoint/v3/contenttype/forms"/>
   </ds:schemaRefs>
 </ds:datastoreItem>
 </file>
--- a/docs/Presentation_DellaCasa_Bobillier.pptx
+++ b/docs/Presentation_DellaCasa_Bobillier.pptx
@@ -221,7 +221,7 @@
           <a:p>
             <a:fld id="{4877D8B8-887A-47CA-89AC-25C006592009}" type="datetimeFigureOut">
               <a:rPr lang="fr-CH" smtClean="0"/>
-              <a:t>13.03.2018</a:t>
+              <a:t>14.03.2018</a:t>
             </a:fld>
             <a:endParaRPr lang="fr-CH"/>
           </a:p>
@@ -2663,7 +2663,7 @@
         <p:spPr>
           <a:xfrm>
             <a:off x="702000" y="5229027"/>
-            <a:ext cx="6750320" cy="431428"/>
+            <a:ext cx="7470400" cy="431428"/>
           </a:xfrm>
         </p:spPr>
         <p:txBody>
@@ -2672,7 +2672,39 @@
           <a:p>
             <a:r>
               <a:rPr lang="en-US" dirty="0" smtClean="0"/>
-              <a:t>Della Casa Bruno et Bobillier Quentin, </a:t>
+              <a:t>Hugo </a:t>
+            </a:r>
+            <a:r>
+              <a:rPr lang="en-US" dirty="0" err="1" smtClean="0"/>
+              <a:t>Lecompte</a:t>
+            </a:r>
+            <a:r>
+              <a:rPr lang="en-US" dirty="0" smtClean="0"/>
+              <a:t>, Benoit </a:t>
+            </a:r>
+            <a:r>
+              <a:rPr lang="en-US" dirty="0" err="1" smtClean="0"/>
+              <a:t>Messien</a:t>
+            </a:r>
+            <a:r>
+              <a:rPr lang="en-US" dirty="0" smtClean="0"/>
+              <a:t>, Della </a:t>
+            </a:r>
+            <a:r>
+              <a:rPr lang="en-US" dirty="0" smtClean="0"/>
+              <a:t>Casa Bruno et </a:t>
+            </a:r>
+            <a:r>
+              <a:rPr lang="en-US" dirty="0" err="1" smtClean="0"/>
+              <a:t>Bobillier</a:t>
+            </a:r>
+            <a:r>
+              <a:rPr lang="en-US" dirty="0" smtClean="0"/>
+              <a:t> </a:t>
+            </a:r>
+            <a:r>
+              <a:rPr lang="en-US" dirty="0" smtClean="0"/>
+              <a:t>Quentin </a:t>
             </a:r>
             <a:r>
               <a:rPr lang="fr-CH" dirty="0" smtClean="0"/>
@@ -3186,7 +3218,7 @@
           <p:cNvPr id="4" name="Espace réservé du texte 3">
             <a:extLst>
               <a:ext uri="{FF2B5EF4-FFF2-40B4-BE49-F238E27FC236}">
-                <a16:creationId xmlns:a16="http://schemas.microsoft.com/office/drawing/2014/main" xmlns="" id="{3C98D178-AF2C-4F51-B210-CE7C0013A3C3}"/>
+                <a16:creationId xmlns="" xmlns:a16="http://schemas.microsoft.com/office/drawing/2014/main" id="{3C98D178-AF2C-4F51-B210-CE7C0013A3C3}"/>
               </a:ext>
             </a:extLst>
           </p:cNvPr>
@@ -3388,7 +3420,7 @@
           <p:cNvPr id="4" name="Espace réservé du texte 3">
             <a:extLst>
               <a:ext uri="{FF2B5EF4-FFF2-40B4-BE49-F238E27FC236}">
-                <a16:creationId xmlns:a16="http://schemas.microsoft.com/office/drawing/2014/main" xmlns="" id="{3C98D178-AF2C-4F51-B210-CE7C0013A3C3}"/>
+                <a16:creationId xmlns="" xmlns:a16="http://schemas.microsoft.com/office/drawing/2014/main" id="{3C98D178-AF2C-4F51-B210-CE7C0013A3C3}"/>
               </a:ext>
             </a:extLst>
           </p:cNvPr>
@@ -6610,6 +6642,21 @@
 </file>
 
 <file path=customXml/item1.xml><?xml version="1.0" encoding="utf-8"?>
+<?mso-contentType ?>
+<FormTemplates xmlns="http://schemas.microsoft.com/sharepoint/v3/contenttype/forms">
+  <Display>DocumentLibraryForm</Display>
+  <Edit>DocumentLibraryForm</Edit>
+  <New>DocumentLibraryForm</New>
+</FormTemplates>
+</file>
+
+<file path=customXml/item2.xml><?xml version="1.0" encoding="utf-8"?>
+<p:properties xmlns:p="http://schemas.microsoft.com/office/2006/metadata/properties" xmlns:xsi="http://www.w3.org/2001/XMLSchema-instance">
+  <documentManagement/>
+</p:properties>
+</file>
+
+<file path=customXml/item3.xml><?xml version="1.0" encoding="utf-8"?>
 <ct:contentTypeSchema xmlns:ct="http://schemas.microsoft.com/office/2006/metadata/contentType" xmlns:ma="http://schemas.microsoft.com/office/2006/metadata/properties/metaAttributes" ct:_="" ma:_="" ma:contentTypeName="Document" ma:contentTypeID="0x010100B6123DD21B5CBB45824EDD5C2CB91D56" ma:contentTypeVersion="0" ma:contentTypeDescription="Crée un document." ma:contentTypeScope="" ma:versionID="d55aa097934844bd69722fdd4b4728a7">
   <xsd:schema xmlns:xsd="http://www.w3.org/2001/XMLSchema" xmlns:p="http://schemas.microsoft.com/office/2006/metadata/properties" targetNamespace="http://schemas.microsoft.com/office/2006/metadata/properties" ma:root="true" ma:fieldsID="75019ab185b48580fc336df4da24a70b">
     <xsd:element name="properties">
@@ -6658,32 +6705,10 @@
 </ct:contentTypeSchema>
 </file>
 
-<file path=customXml/item2.xml><?xml version="1.0" encoding="utf-8"?>
-<p:properties xmlns:p="http://schemas.microsoft.com/office/2006/metadata/properties" xmlns:xsi="http://www.w3.org/2001/XMLSchema-instance">
-  <documentManagement/>
-</p:properties>
-</file>
-
-<file path=customXml/item3.xml><?xml version="1.0" encoding="utf-8"?>
-<?mso-contentType ?>
-<FormTemplates xmlns="http://schemas.microsoft.com/sharepoint/v3/contenttype/forms">
-  <Display>DocumentLibraryForm</Display>
-  <Edit>DocumentLibraryForm</Edit>
-  <New>DocumentLibraryForm</New>
-</FormTemplates>
-</file>
-
 <file path=customXml/itemProps1.xml><?xml version="1.0" encoding="utf-8"?>
-<ds:datastoreItem xmlns:ds="http://schemas.openxmlformats.org/officeDocument/2006/customXml" ds:itemID="{6DD729BB-9CDF-404F-9D88-9DB6E57D6563}">
+<ds:datastoreItem xmlns:ds="http://schemas.openxmlformats.org/officeDocument/2006/customXml" ds:itemID="{D9566359-54ED-4185-9739-B7EE564F6ACB}">
   <ds:schemaRefs>
-    <ds:schemaRef ds:uri="http://schemas.microsoft.com/office/2006/metadata/contentType"/>
-    <ds:schemaRef ds:uri="http://schemas.microsoft.com/office/2006/metadata/properties/metaAttributes"/>
-    <ds:schemaRef ds:uri="http://www.w3.org/2001/XMLSchema"/>
-    <ds:schemaRef ds:uri="http://schemas.microsoft.com/office/2006/metadata/properties"/>
-    <ds:schemaRef ds:uri="http://schemas.openxmlformats.org/package/2006/metadata/core-properties"/>
-    <ds:schemaRef ds:uri="http://purl.org/dc/elements/1.1/"/>
-    <ds:schemaRef ds:uri="http://purl.org/dc/terms/"/>
-    <ds:schemaRef ds:uri="http://schemas.microsoft.com/office/internal/2005/internalDocumentation"/>
+    <ds:schemaRef ds:uri="http://schemas.microsoft.com/sharepoint/v3/contenttype/forms"/>
   </ds:schemaRefs>
 </ds:datastoreItem>
 </file>
@@ -6697,9 +6722,16 @@
 </file>
 
 <file path=customXml/itemProps3.xml><?xml version="1.0" encoding="utf-8"?>
-<ds:datastoreItem xmlns:ds="http://schemas.openxmlformats.org/officeDocument/2006/customXml" ds:itemID="{D9566359-54ED-4185-9739-B7EE564F6ACB}">
+<ds:datastoreItem xmlns:ds="http://schemas.openxmlformats.org/officeDocument/2006/customXml" ds:itemID="{6DD729BB-9CDF-404F-9D88-9DB6E57D6563}">
   <ds:schemaRefs>
-    <ds:schemaRef ds:uri="http://schemas.microsoft.com/sharepoint/v3/contenttype/forms"/>
+    <ds:schemaRef ds:uri="http://schemas.microsoft.com/office/2006/metadata/contentType"/>
+    <ds:schemaRef ds:uri="http://schemas.microsoft.com/office/2006/metadata/properties/metaAttributes"/>
+    <ds:schemaRef ds:uri="http://www.w3.org/2001/XMLSchema"/>
+    <ds:schemaRef ds:uri="http://schemas.microsoft.com/office/2006/metadata/properties"/>
+    <ds:schemaRef ds:uri="http://schemas.openxmlformats.org/package/2006/metadata/core-properties"/>
+    <ds:schemaRef ds:uri="http://purl.org/dc/elements/1.1/"/>
+    <ds:schemaRef ds:uri="http://purl.org/dc/terms/"/>
+    <ds:schemaRef ds:uri="http://schemas.microsoft.com/office/internal/2005/internalDocumentation"/>
   </ds:schemaRefs>
 </ds:datastoreItem>
 </file>
--- a/docs/Presentation_DellaCasa_Bobillier.pptx
+++ b/docs/Presentation_DellaCasa_Bobillier.pptx
@@ -2634,7 +2634,7 @@
         </p:nvSpPr>
         <p:spPr>
           <a:xfrm>
-            <a:off x="702000" y="3212976"/>
+            <a:off x="702000" y="2910147"/>
             <a:ext cx="7686424" cy="2016051"/>
           </a:xfrm>
         </p:spPr>
@@ -2662,7 +2662,7 @@
         </p:nvSpPr>
         <p:spPr>
           <a:xfrm>
-            <a:off x="702000" y="5229027"/>
+            <a:off x="702000" y="5013313"/>
             <a:ext cx="7470400" cy="431428"/>
           </a:xfrm>
         </p:spPr>
@@ -2688,11 +2688,7 @@
             </a:r>
             <a:r>
               <a:rPr lang="en-US" dirty="0" smtClean="0"/>
-              <a:t>, Della </a:t>
-            </a:r>
-            <a:r>
-              <a:rPr lang="en-US" dirty="0" smtClean="0"/>
-              <a:t>Casa Bruno et </a:t>
+              <a:t>, Della Casa Bruno et </a:t>
             </a:r>
             <a:r>
               <a:rPr lang="en-US" dirty="0" err="1" smtClean="0"/>
@@ -2700,11 +2696,7 @@
             </a:r>
             <a:r>
               <a:rPr lang="en-US" dirty="0" smtClean="0"/>
-              <a:t> </a:t>
-            </a:r>
-            <a:r>
-              <a:rPr lang="en-US" dirty="0" smtClean="0"/>
-              <a:t>Quentin </a:t>
+              <a:t> Quentin </a:t>
             </a:r>
             <a:r>
               <a:rPr lang="fr-CH" dirty="0" smtClean="0"/>
@@ -2740,7 +2732,7 @@
         </p:blipFill>
         <p:spPr>
           <a:xfrm>
-            <a:off x="1115616" y="332656"/>
+            <a:off x="1115616" y="25355"/>
             <a:ext cx="6588224" cy="4290714"/>
           </a:xfrm>
           <a:prstGeom prst="rect">
@@ -3218,7 +3210,7 @@
           <p:cNvPr id="4" name="Espace réservé du texte 3">
             <a:extLst>
               <a:ext uri="{FF2B5EF4-FFF2-40B4-BE49-F238E27FC236}">
-                <a16:creationId xmlns="" xmlns:a16="http://schemas.microsoft.com/office/drawing/2014/main" id="{3C98D178-AF2C-4F51-B210-CE7C0013A3C3}"/>
+                <a16:creationId xmlns:a16="http://schemas.microsoft.com/office/drawing/2014/main" xmlns="" id="{3C98D178-AF2C-4F51-B210-CE7C0013A3C3}"/>
               </a:ext>
             </a:extLst>
           </p:cNvPr>
@@ -3420,7 +3412,7 @@
           <p:cNvPr id="4" name="Espace réservé du texte 3">
             <a:extLst>
               <a:ext uri="{FF2B5EF4-FFF2-40B4-BE49-F238E27FC236}">
-                <a16:creationId xmlns="" xmlns:a16="http://schemas.microsoft.com/office/drawing/2014/main" id="{3C98D178-AF2C-4F51-B210-CE7C0013A3C3}"/>
+                <a16:creationId xmlns:a16="http://schemas.microsoft.com/office/drawing/2014/main" xmlns="" id="{3C98D178-AF2C-4F51-B210-CE7C0013A3C3}"/>
               </a:ext>
             </a:extLst>
           </p:cNvPr>
@@ -6642,21 +6634,6 @@
 </file>
 
 <file path=customXml/item1.xml><?xml version="1.0" encoding="utf-8"?>
-<?mso-contentType ?>
-<FormTemplates xmlns="http://schemas.microsoft.com/sharepoint/v3/contenttype/forms">
-  <Display>DocumentLibraryForm</Display>
-  <Edit>DocumentLibraryForm</Edit>
-  <New>DocumentLibraryForm</New>
-</FormTemplates>
-</file>
-
-<file path=customXml/item2.xml><?xml version="1.0" encoding="utf-8"?>
-<p:properties xmlns:p="http://schemas.microsoft.com/office/2006/metadata/properties" xmlns:xsi="http://www.w3.org/2001/XMLSchema-instance">
-  <documentManagement/>
-</p:properties>
-</file>
-
-<file path=customXml/item3.xml><?xml version="1.0" encoding="utf-8"?>
 <ct:contentTypeSchema xmlns:ct="http://schemas.microsoft.com/office/2006/metadata/contentType" xmlns:ma="http://schemas.microsoft.com/office/2006/metadata/properties/metaAttributes" ct:_="" ma:_="" ma:contentTypeName="Document" ma:contentTypeID="0x010100B6123DD21B5CBB45824EDD5C2CB91D56" ma:contentTypeVersion="0" ma:contentTypeDescription="Crée un document." ma:contentTypeScope="" ma:versionID="d55aa097934844bd69722fdd4b4728a7">
   <xsd:schema xmlns:xsd="http://www.w3.org/2001/XMLSchema" xmlns:p="http://schemas.microsoft.com/office/2006/metadata/properties" targetNamespace="http://schemas.microsoft.com/office/2006/metadata/properties" ma:root="true" ma:fieldsID="75019ab185b48580fc336df4da24a70b">
     <xsd:element name="properties">
@@ -6705,10 +6682,32 @@
 </ct:contentTypeSchema>
 </file>
 
+<file path=customXml/item2.xml><?xml version="1.0" encoding="utf-8"?>
+<p:properties xmlns:p="http://schemas.microsoft.com/office/2006/metadata/properties" xmlns:xsi="http://www.w3.org/2001/XMLSchema-instance">
+  <documentManagement/>
+</p:properties>
+</file>
+
+<file path=customXml/item3.xml><?xml version="1.0" encoding="utf-8"?>
+<?mso-contentType ?>
+<FormTemplates xmlns="http://schemas.microsoft.com/sharepoint/v3/contenttype/forms">
+  <Display>DocumentLibraryForm</Display>
+  <Edit>DocumentLibraryForm</Edit>
+  <New>DocumentLibraryForm</New>
+</FormTemplates>
+</file>
+
 <file path=customXml/itemProps1.xml><?xml version="1.0" encoding="utf-8"?>
-<ds:datastoreItem xmlns:ds="http://schemas.openxmlformats.org/officeDocument/2006/customXml" ds:itemID="{D9566359-54ED-4185-9739-B7EE564F6ACB}">
+<ds:datastoreItem xmlns:ds="http://schemas.openxmlformats.org/officeDocument/2006/customXml" ds:itemID="{6DD729BB-9CDF-404F-9D88-9DB6E57D6563}">
   <ds:schemaRefs>
-    <ds:schemaRef ds:uri="http://schemas.microsoft.com/sharepoint/v3/contenttype/forms"/>
+    <ds:schemaRef ds:uri="http://schemas.microsoft.com/office/2006/metadata/contentType"/>
+    <ds:schemaRef ds:uri="http://schemas.microsoft.com/office/2006/metadata/properties/metaAttributes"/>
+    <ds:schemaRef ds:uri="http://www.w3.org/2001/XMLSchema"/>
+    <ds:schemaRef ds:uri="http://schemas.microsoft.com/office/2006/metadata/properties"/>
+    <ds:schemaRef ds:uri="http://schemas.openxmlformats.org/package/2006/metadata/core-properties"/>
+    <ds:schemaRef ds:uri="http://purl.org/dc/elements/1.1/"/>
+    <ds:schemaRef ds:uri="http://purl.org/dc/terms/"/>
+    <ds:schemaRef ds:uri="http://schemas.microsoft.com/office/internal/2005/internalDocumentation"/>
   </ds:schemaRefs>
 </ds:datastoreItem>
 </file>
@@ -6722,16 +6721,9 @@
 </file>
 
 <file path=customXml/itemProps3.xml><?xml version="1.0" encoding="utf-8"?>
-<ds:datastoreItem xmlns:ds="http://schemas.openxmlformats.org/officeDocument/2006/customXml" ds:itemID="{6DD729BB-9CDF-404F-9D88-9DB6E57D6563}">
+<ds:datastoreItem xmlns:ds="http://schemas.openxmlformats.org/officeDocument/2006/customXml" ds:itemID="{D9566359-54ED-4185-9739-B7EE564F6ACB}">
   <ds:schemaRefs>
-    <ds:schemaRef ds:uri="http://schemas.microsoft.com/office/2006/metadata/contentType"/>
-    <ds:schemaRef ds:uri="http://schemas.microsoft.com/office/2006/metadata/properties/metaAttributes"/>
-    <ds:schemaRef ds:uri="http://www.w3.org/2001/XMLSchema"/>
-    <ds:schemaRef ds:uri="http://schemas.microsoft.com/office/2006/metadata/properties"/>
-    <ds:schemaRef ds:uri="http://schemas.openxmlformats.org/package/2006/metadata/core-properties"/>
-    <ds:schemaRef ds:uri="http://purl.org/dc/elements/1.1/"/>
-    <ds:schemaRef ds:uri="http://purl.org/dc/terms/"/>
-    <ds:schemaRef ds:uri="http://schemas.microsoft.com/office/internal/2005/internalDocumentation"/>
+    <ds:schemaRef ds:uri="http://schemas.microsoft.com/sharepoint/v3/contenttype/forms"/>
   </ds:schemaRefs>
 </ds:datastoreItem>
 </file>
--- a/docs/Presentation_DellaCasa_Bobillier.pptx
+++ b/docs/Presentation_DellaCasa_Bobillier.pptx
@@ -5,7 +5,7 @@
     <p:sldMasterId id="2147483648" r:id="rId4"/>
   </p:sldMasterIdLst>
   <p:notesMasterIdLst>
-    <p:notesMasterId r:id="rId15"/>
+    <p:notesMasterId r:id="rId17"/>
   </p:notesMasterIdLst>
   <p:sldIdLst>
     <p:sldId id="258" r:id="rId5"/>
@@ -14,10 +14,12 @@
     <p:sldId id="265" r:id="rId8"/>
     <p:sldId id="268" r:id="rId9"/>
     <p:sldId id="269" r:id="rId10"/>
-    <p:sldId id="270" r:id="rId11"/>
-    <p:sldId id="272" r:id="rId12"/>
-    <p:sldId id="271" r:id="rId13"/>
-    <p:sldId id="262" r:id="rId14"/>
+    <p:sldId id="273" r:id="rId11"/>
+    <p:sldId id="274" r:id="rId12"/>
+    <p:sldId id="270" r:id="rId13"/>
+    <p:sldId id="272" r:id="rId14"/>
+    <p:sldId id="271" r:id="rId15"/>
+    <p:sldId id="262" r:id="rId16"/>
   </p:sldIdLst>
   <p:sldSz cx="9144000" cy="6858000" type="screen4x3"/>
   <p:notesSz cx="6858000" cy="9144000"/>
@@ -221,7 +223,7 @@
           <a:p>
             <a:fld id="{4877D8B8-887A-47CA-89AC-25C006592009}" type="datetimeFigureOut">
               <a:rPr lang="fr-CH" smtClean="0"/>
-              <a:t>14.03.2018</a:t>
+              <a:t>15.03.2018</a:t>
             </a:fld>
             <a:endParaRPr lang="fr-CH"/>
           </a:p>
@@ -2804,133 +2806,6 @@
       </p:grpSpPr>
       <p:sp>
         <p:nvSpPr>
-          <p:cNvPr id="8" name="Espace réservé du texte 7"/>
-          <p:cNvSpPr>
-            <a:spLocks noGrp="1"/>
-          </p:cNvSpPr>
-          <p:nvPr>
-            <p:ph type="body" sz="quarter" idx="21"/>
-          </p:nvPr>
-        </p:nvSpPr>
-        <p:spPr>
-          <a:xfrm>
-            <a:off x="701999" y="4365104"/>
-            <a:ext cx="7920000" cy="678145"/>
-          </a:xfrm>
-        </p:spPr>
-        <p:txBody>
-          <a:bodyPr/>
-          <a:lstStyle/>
-          <a:p>
-            <a:pPr marL="0" indent="0" algn="ctr">
-              <a:buNone/>
-            </a:pPr>
-            <a:r>
-              <a:rPr lang="fr-CH" sz="3000" dirty="0" smtClean="0"/>
-              <a:t>Des </a:t>
-            </a:r>
-            <a:r>
-              <a:rPr lang="fr-CH" sz="3000" dirty="0"/>
-              <a:t>questions?</a:t>
-            </a:r>
-          </a:p>
-        </p:txBody>
-      </p:sp>
-      <p:sp>
-        <p:nvSpPr>
-          <p:cNvPr id="9" name="Espace réservé du numéro de diapositive 8"/>
-          <p:cNvSpPr>
-            <a:spLocks noGrp="1"/>
-          </p:cNvSpPr>
-          <p:nvPr>
-            <p:ph type="sldNum" sz="quarter" idx="22"/>
-          </p:nvPr>
-        </p:nvSpPr>
-        <p:spPr/>
-        <p:txBody>
-          <a:bodyPr/>
-          <a:lstStyle/>
-          <a:p>
-            <a:fld id="{1B28DAD0-2E7F-0B49-858C-0AF98DF16341}" type="slidenum">
-              <a:rPr lang="en-US" smtClean="0"/>
-              <a:pPr/>
-              <a:t>10</a:t>
-            </a:fld>
-            <a:endParaRPr lang="en-US"/>
-          </a:p>
-        </p:txBody>
-      </p:sp>
-      <p:sp>
-        <p:nvSpPr>
-          <p:cNvPr id="10" name="Espace réservé du texte 9"/>
-          <p:cNvSpPr>
-            <a:spLocks noGrp="1"/>
-          </p:cNvSpPr>
-          <p:nvPr>
-            <p:ph type="body" sz="quarter" idx="13"/>
-          </p:nvPr>
-        </p:nvSpPr>
-        <p:spPr>
-          <a:xfrm>
-            <a:off x="701999" y="728760"/>
-            <a:ext cx="7920000" cy="540000"/>
-          </a:xfrm>
-        </p:spPr>
-        <p:txBody>
-          <a:bodyPr/>
-          <a:lstStyle/>
-          <a:p>
-            <a:pPr algn="ctr"/>
-            <a:r>
-              <a:rPr lang="fr-CH" sz="3200" dirty="0">
-                <a:solidFill>
-                  <a:schemeClr val="tx1"/>
-                </a:solidFill>
-              </a:rPr>
-              <a:t>Merci de votre attention</a:t>
-            </a:r>
-          </a:p>
-        </p:txBody>
-      </p:sp>
-    </p:spTree>
-    <p:extLst>
-      <p:ext uri="{BB962C8B-B14F-4D97-AF65-F5344CB8AC3E}">
-        <p14:creationId xmlns:p14="http://schemas.microsoft.com/office/powerpoint/2010/main" val="1049321436"/>
-      </p:ext>
-    </p:extLst>
-  </p:cSld>
-  <p:clrMapOvr>
-    <a:masterClrMapping/>
-  </p:clrMapOvr>
-  <p:timing>
-    <p:tnLst>
-      <p:par>
-        <p:cTn id="1" dur="indefinite" restart="never" nodeType="tmRoot"/>
-      </p:par>
-    </p:tnLst>
-  </p:timing>
-</p:sld>
-</file>
-
-<file path=ppt/slides/slide2.xml><?xml version="1.0" encoding="utf-8"?>
-<p:sld xmlns:a="http://schemas.openxmlformats.org/drawingml/2006/main" xmlns:r="http://schemas.openxmlformats.org/officeDocument/2006/relationships" xmlns:p="http://schemas.openxmlformats.org/presentationml/2006/main">
-  <p:cSld>
-    <p:spTree>
-      <p:nvGrpSpPr>
-        <p:cNvPr id="1" name=""/>
-        <p:cNvGrpSpPr/>
-        <p:nvPr/>
-      </p:nvGrpSpPr>
-      <p:grpSpPr>
-        <a:xfrm>
-          <a:off x="0" y="0"/>
-          <a:ext cx="0" cy="0"/>
-          <a:chOff x="0" y="0"/>
-          <a:chExt cx="0" cy="0"/>
-        </a:xfrm>
-      </p:grpSpPr>
-      <p:sp>
-        <p:nvSpPr>
           <p:cNvPr id="2" name="Espace réservé du texte 1"/>
           <p:cNvSpPr>
             <a:spLocks noGrp="1"/>
@@ -2945,10 +2820,14 @@
           <a:lstStyle/>
           <a:p>
             <a:r>
-              <a:rPr lang="fr-CH" dirty="0" smtClean="0"/>
-              <a:t>Sommaire</a:t>
-            </a:r>
-            <a:endParaRPr lang="fr-CH" dirty="0"/>
+              <a:rPr lang="fr-CH" sz="3200" dirty="0"/>
+              <a:t>G</a:t>
+            </a:r>
+            <a:r>
+              <a:rPr lang="fr-CH" sz="3200" dirty="0" smtClean="0"/>
+              <a:t>éodésie</a:t>
+            </a:r>
+            <a:endParaRPr lang="fr-CH" sz="3200" dirty="0"/>
           </a:p>
         </p:txBody>
       </p:sp>
@@ -2967,66 +2846,10 @@
           <a:bodyPr/>
           <a:lstStyle/>
           <a:p>
-            <a:endParaRPr lang="fr-CH"/>
-          </a:p>
-        </p:txBody>
-      </p:sp>
-      <p:sp>
-        <p:nvSpPr>
-          <p:cNvPr id="4" name="Espace réservé du texte 3"/>
-          <p:cNvSpPr>
-            <a:spLocks noGrp="1"/>
-          </p:cNvSpPr>
-          <p:nvPr>
-            <p:ph type="body" sz="quarter" idx="17"/>
-          </p:nvPr>
-        </p:nvSpPr>
-        <p:spPr/>
-        <p:txBody>
-          <a:bodyPr/>
-          <a:lstStyle/>
-          <a:p>
-            <a:pPr marL="285750" indent="-285750">
-              <a:buFont typeface="Wingdings" panose="05000000000000000000" pitchFamily="2" charset="2"/>
-              <a:buChar char="q"/>
-            </a:pPr>
-            <a:r>
-              <a:rPr lang="fr-CH" sz="2000" dirty="0" smtClean="0"/>
-              <a:t>Projet</a:t>
-            </a:r>
-          </a:p>
-          <a:p>
-            <a:pPr marL="285750" indent="-285750">
-              <a:buFont typeface="Wingdings" panose="05000000000000000000" pitchFamily="2" charset="2"/>
-              <a:buChar char="q"/>
-            </a:pPr>
-            <a:r>
-              <a:rPr lang="fr-CH" sz="2000" dirty="0" smtClean="0"/>
-              <a:t>Démonstration de notre prototype</a:t>
-            </a:r>
-          </a:p>
-          <a:p>
-            <a:pPr marL="285750" indent="-285750">
-              <a:buFont typeface="Wingdings" panose="05000000000000000000" pitchFamily="2" charset="2"/>
-              <a:buChar char="q"/>
-            </a:pPr>
-            <a:r>
-              <a:rPr lang="fr-CH" sz="2000" dirty="0" smtClean="0"/>
-              <a:t>Géodésie</a:t>
-            </a:r>
-          </a:p>
-          <a:p>
-            <a:pPr marL="285750" indent="-285750">
-              <a:buFont typeface="Wingdings" panose="05000000000000000000" pitchFamily="2" charset="2"/>
-              <a:buChar char="q"/>
-            </a:pPr>
-            <a:r>
-              <a:rPr lang="fr-CH" sz="2000" dirty="0" smtClean="0"/>
-              <a:t>Conclusion</a:t>
-            </a:r>
-            <a:endParaRPr lang="fr-CH" sz="2000" dirty="0"/>
-          </a:p>
-          <a:p>
+            <a:r>
+              <a:rPr lang="fr-CH" dirty="0" smtClean="0"/>
+              <a:t>Déviation de la verticale</a:t>
+            </a:r>
             <a:endParaRPr lang="fr-CH" dirty="0"/>
           </a:p>
         </p:txBody>
@@ -3049,1984 +2872,7 @@
             <a:fld id="{1B28DAD0-2E7F-0B49-858C-0AF98DF16341}" type="slidenum">
               <a:rPr lang="en-US" smtClean="0"/>
               <a:pPr/>
-              <a:t>2</a:t>
-            </a:fld>
-            <a:endParaRPr lang="en-US"/>
-          </a:p>
-        </p:txBody>
-      </p:sp>
-    </p:spTree>
-    <p:extLst>
-      <p:ext uri="{BB962C8B-B14F-4D97-AF65-F5344CB8AC3E}">
-        <p14:creationId xmlns:p14="http://schemas.microsoft.com/office/powerpoint/2010/main" val="478812426"/>
-      </p:ext>
-    </p:extLst>
-  </p:cSld>
-  <p:clrMapOvr>
-    <a:masterClrMapping/>
-  </p:clrMapOvr>
-  <p:timing>
-    <p:tnLst>
-      <p:par>
-        <p:cTn id="1" dur="indefinite" restart="never" nodeType="tmRoot"/>
-      </p:par>
-    </p:tnLst>
-  </p:timing>
-</p:sld>
-</file>
-
-<file path=ppt/slides/slide3.xml><?xml version="1.0" encoding="utf-8"?>
-<p:sld xmlns:a="http://schemas.openxmlformats.org/drawingml/2006/main" xmlns:r="http://schemas.openxmlformats.org/officeDocument/2006/relationships" xmlns:p="http://schemas.openxmlformats.org/presentationml/2006/main">
-  <p:cSld>
-    <p:spTree>
-      <p:nvGrpSpPr>
-        <p:cNvPr id="1" name=""/>
-        <p:cNvGrpSpPr/>
-        <p:nvPr/>
-      </p:nvGrpSpPr>
-      <p:grpSpPr>
-        <a:xfrm>
-          <a:off x="0" y="0"/>
-          <a:ext cx="0" cy="0"/>
-          <a:chOff x="0" y="0"/>
-          <a:chExt cx="0" cy="0"/>
-        </a:xfrm>
-      </p:grpSpPr>
-      <p:sp>
-        <p:nvSpPr>
-          <p:cNvPr id="8" name="Text Placeholder 7"/>
-          <p:cNvSpPr>
-            <a:spLocks noGrp="1"/>
-          </p:cNvSpPr>
-          <p:nvPr>
-            <p:ph type="body" sz="quarter" idx="13"/>
-          </p:nvPr>
-        </p:nvSpPr>
-        <p:spPr/>
-        <p:txBody>
-          <a:bodyPr/>
-          <a:lstStyle/>
-          <a:p>
-            <a:r>
-              <a:rPr lang="fr-CH" dirty="0" smtClean="0"/>
-              <a:t>Projet</a:t>
-            </a:r>
-            <a:endParaRPr lang="fr-CH" dirty="0"/>
-          </a:p>
-        </p:txBody>
-      </p:sp>
-      <p:sp>
-        <p:nvSpPr>
-          <p:cNvPr id="10" name="Text Placeholder 9"/>
-          <p:cNvSpPr>
-            <a:spLocks noGrp="1"/>
-          </p:cNvSpPr>
-          <p:nvPr>
-            <p:ph type="body" sz="quarter" idx="17"/>
-          </p:nvPr>
-        </p:nvSpPr>
-        <p:spPr/>
-        <p:txBody>
-          <a:bodyPr/>
-          <a:lstStyle/>
-          <a:p>
-            <a:pPr marL="342900" indent="-342900">
-              <a:buSzPct val="70000"/>
-              <a:buFont typeface="Wingdings" panose="05000000000000000000" pitchFamily="2" charset="2"/>
-              <a:buChar char="q"/>
-            </a:pPr>
-            <a:r>
-              <a:rPr lang="fr-CH" sz="2000" dirty="0" smtClean="0"/>
-              <a:t>Développement d’un outils en ligne de transformation de coordonnées géodésiques Franco - Suisse</a:t>
-            </a:r>
-          </a:p>
-          <a:p>
-            <a:pPr marL="342900" indent="-342900">
-              <a:buSzPct val="70000"/>
-              <a:buFont typeface="Wingdings" panose="05000000000000000000" pitchFamily="2" charset="2"/>
-              <a:buChar char="q"/>
-            </a:pPr>
-            <a:r>
-              <a:rPr lang="fr-CH" sz="2000" dirty="0" smtClean="0"/>
-              <a:t>Collaboration entre ENSG et HEIG-VD</a:t>
-            </a:r>
-          </a:p>
-          <a:p>
-            <a:pPr marL="342900" indent="-342900">
-              <a:buSzPct val="70000"/>
-              <a:buFont typeface="Wingdings" panose="05000000000000000000" pitchFamily="2" charset="2"/>
-              <a:buChar char="q"/>
-            </a:pPr>
-            <a:r>
-              <a:rPr lang="fr-CH" sz="2000" dirty="0" smtClean="0"/>
-              <a:t>SIG</a:t>
-            </a:r>
-          </a:p>
-          <a:p>
-            <a:pPr marL="342900" indent="-342900">
-              <a:buSzPct val="70000"/>
-              <a:buFont typeface="Wingdings" panose="05000000000000000000" pitchFamily="2" charset="2"/>
-              <a:buChar char="q"/>
-            </a:pPr>
-            <a:r>
-              <a:rPr lang="fr-CH" sz="2000" dirty="0" smtClean="0"/>
-              <a:t>Géodésie</a:t>
-            </a:r>
-          </a:p>
-          <a:p>
-            <a:pPr>
-              <a:buSzPct val="70000"/>
-            </a:pPr>
-            <a:endParaRPr lang="fr-CH" sz="2000" dirty="0"/>
-          </a:p>
-        </p:txBody>
-      </p:sp>
-      <p:sp>
-        <p:nvSpPr>
-          <p:cNvPr id="2" name="Espace réservé du numéro de diapositive 1"/>
-          <p:cNvSpPr>
-            <a:spLocks noGrp="1"/>
-          </p:cNvSpPr>
-          <p:nvPr>
-            <p:ph type="sldNum" sz="quarter" idx="18"/>
-          </p:nvPr>
-        </p:nvSpPr>
-        <p:spPr/>
-        <p:txBody>
-          <a:bodyPr/>
-          <a:lstStyle/>
-          <a:p>
-            <a:fld id="{1B28DAD0-2E7F-0B49-858C-0AF98DF16341}" type="slidenum">
-              <a:rPr lang="en-US" smtClean="0"/>
-              <a:pPr/>
-              <a:t>3</a:t>
-            </a:fld>
-            <a:endParaRPr lang="en-US"/>
-          </a:p>
-        </p:txBody>
-      </p:sp>
-      <p:sp>
-        <p:nvSpPr>
-          <p:cNvPr id="4" name="Espace réservé du texte 3">
-            <a:extLst>
-              <a:ext uri="{FF2B5EF4-FFF2-40B4-BE49-F238E27FC236}">
-                <a16:creationId xmlns:a16="http://schemas.microsoft.com/office/drawing/2014/main" xmlns="" id="{3C98D178-AF2C-4F51-B210-CE7C0013A3C3}"/>
-              </a:ext>
-            </a:extLst>
-          </p:cNvPr>
-          <p:cNvSpPr>
-            <a:spLocks noGrp="1"/>
-          </p:cNvSpPr>
-          <p:nvPr>
-            <p:ph type="body" sz="quarter" idx="14"/>
-          </p:nvPr>
-        </p:nvSpPr>
-        <p:spPr/>
-        <p:txBody>
-          <a:bodyPr/>
-          <a:lstStyle/>
-          <a:p>
-            <a:endParaRPr lang="fr-CH" dirty="0"/>
-          </a:p>
-        </p:txBody>
-      </p:sp>
-      <p:pic>
-        <p:nvPicPr>
-          <p:cNvPr id="6" name="Image 5"/>
-          <p:cNvPicPr>
-            <a:picLocks noChangeAspect="1"/>
-          </p:cNvPicPr>
-          <p:nvPr/>
-        </p:nvPicPr>
-        <p:blipFill>
-          <a:blip r:embed="rId3">
-            <a:extLst>
-              <a:ext uri="{28A0092B-C50C-407E-A947-70E740481C1C}">
-                <a14:useLocalDpi xmlns:a14="http://schemas.microsoft.com/office/drawing/2010/main" val="0"/>
-              </a:ext>
-            </a:extLst>
-          </a:blip>
-          <a:stretch>
-            <a:fillRect/>
-          </a:stretch>
-        </p:blipFill>
-        <p:spPr>
-          <a:xfrm>
-            <a:off x="4067944" y="3115989"/>
-            <a:ext cx="3316964" cy="2160240"/>
-          </a:xfrm>
-          <a:prstGeom prst="rect">
-            <a:avLst/>
-          </a:prstGeom>
-        </p:spPr>
-      </p:pic>
-    </p:spTree>
-  </p:cSld>
-  <p:clrMapOvr>
-    <a:masterClrMapping/>
-  </p:clrMapOvr>
-  <p:timing>
-    <p:tnLst>
-      <p:par>
-        <p:cTn id="1" dur="indefinite" restart="never" nodeType="tmRoot"/>
-      </p:par>
-    </p:tnLst>
-  </p:timing>
-</p:sld>
-</file>
-
-<file path=ppt/slides/slide4.xml><?xml version="1.0" encoding="utf-8"?>
-<p:sld xmlns:a="http://schemas.openxmlformats.org/drawingml/2006/main" xmlns:r="http://schemas.openxmlformats.org/officeDocument/2006/relationships" xmlns:p="http://schemas.openxmlformats.org/presentationml/2006/main">
-  <p:cSld>
-    <p:spTree>
-      <p:nvGrpSpPr>
-        <p:cNvPr id="1" name=""/>
-        <p:cNvGrpSpPr/>
-        <p:nvPr/>
-      </p:nvGrpSpPr>
-      <p:grpSpPr>
-        <a:xfrm>
-          <a:off x="0" y="0"/>
-          <a:ext cx="0" cy="0"/>
-          <a:chOff x="0" y="0"/>
-          <a:chExt cx="0" cy="0"/>
-        </a:xfrm>
-      </p:grpSpPr>
-      <p:sp>
-        <p:nvSpPr>
-          <p:cNvPr id="8" name="Text Placeholder 7"/>
-          <p:cNvSpPr>
-            <a:spLocks noGrp="1"/>
-          </p:cNvSpPr>
-          <p:nvPr>
-            <p:ph type="body" sz="quarter" idx="13"/>
-          </p:nvPr>
-        </p:nvSpPr>
-        <p:spPr/>
-        <p:txBody>
-          <a:bodyPr/>
-          <a:lstStyle/>
-          <a:p>
-            <a:pPr marL="0" indent="0"/>
-            <a:r>
-              <a:rPr lang="fr-CH" sz="3200" dirty="0"/>
-              <a:t>Démonstration de notre prototype</a:t>
-            </a:r>
-          </a:p>
-        </p:txBody>
-      </p:sp>
-      <p:sp>
-        <p:nvSpPr>
-          <p:cNvPr id="10" name="Text Placeholder 9"/>
-          <p:cNvSpPr>
-            <a:spLocks noGrp="1"/>
-          </p:cNvSpPr>
-          <p:nvPr>
-            <p:ph type="body" sz="quarter" idx="17"/>
-          </p:nvPr>
-        </p:nvSpPr>
-        <p:spPr/>
-        <p:txBody>
-          <a:bodyPr/>
-          <a:lstStyle/>
-          <a:p>
-            <a:pPr marL="342900" indent="-342900">
-              <a:buSzPct val="75000"/>
-              <a:buFont typeface="Wingdings" panose="05000000000000000000" pitchFamily="2" charset="2"/>
-              <a:buChar char="q"/>
-            </a:pPr>
-            <a:r>
-              <a:rPr lang="fr-CH" sz="2000" dirty="0" smtClean="0">
-                <a:hlinkClick r:id="rId3" action="ppaction://hlinkpres?slideindex=1&amp;slidetitle="/>
-              </a:rPr>
-              <a:t>Notre maquette</a:t>
-            </a:r>
-            <a:endParaRPr lang="fr-CH" sz="2000" dirty="0" smtClean="0"/>
-          </a:p>
-          <a:p>
-            <a:pPr marL="342900" indent="-342900">
-              <a:buSzPct val="75000"/>
-              <a:buFont typeface="Wingdings" panose="05000000000000000000" pitchFamily="2" charset="2"/>
-              <a:buChar char="q"/>
-            </a:pPr>
-            <a:endParaRPr lang="fr-CH" sz="2000" dirty="0"/>
-          </a:p>
-          <a:p>
-            <a:pPr marL="342900" indent="-342900">
-              <a:buSzPct val="75000"/>
-              <a:buFont typeface="Wingdings" panose="05000000000000000000" pitchFamily="2" charset="2"/>
-              <a:buChar char="q"/>
-            </a:pPr>
-            <a:endParaRPr lang="fr-CH" sz="2000" dirty="0" smtClean="0"/>
-          </a:p>
-          <a:p>
-            <a:pPr marL="342900" indent="-342900">
-              <a:buSzPct val="75000"/>
-              <a:buFont typeface="Wingdings" panose="05000000000000000000" pitchFamily="2" charset="2"/>
-              <a:buChar char="q"/>
-            </a:pPr>
-            <a:endParaRPr lang="fr-CH" sz="2000" dirty="0"/>
-          </a:p>
-          <a:p>
-            <a:pPr marL="342900" indent="-342900">
-              <a:buSzPct val="75000"/>
-              <a:buFont typeface="Wingdings" panose="05000000000000000000" pitchFamily="2" charset="2"/>
-              <a:buChar char="q"/>
-            </a:pPr>
-            <a:r>
-              <a:rPr lang="fr-CH" sz="2000" dirty="0" smtClean="0">
-                <a:hlinkClick r:id="rId4"/>
-              </a:rPr>
-              <a:t>Notre site internet actuel</a:t>
-            </a:r>
-            <a:endParaRPr lang="fr-CH" sz="2000" dirty="0" smtClean="0"/>
-          </a:p>
-        </p:txBody>
-      </p:sp>
-      <p:sp>
-        <p:nvSpPr>
-          <p:cNvPr id="2" name="Espace réservé du numéro de diapositive 1"/>
-          <p:cNvSpPr>
-            <a:spLocks noGrp="1"/>
-          </p:cNvSpPr>
-          <p:nvPr>
-            <p:ph type="sldNum" sz="quarter" idx="18"/>
-          </p:nvPr>
-        </p:nvSpPr>
-        <p:spPr/>
-        <p:txBody>
-          <a:bodyPr/>
-          <a:lstStyle/>
-          <a:p>
-            <a:fld id="{1B28DAD0-2E7F-0B49-858C-0AF98DF16341}" type="slidenum">
-              <a:rPr lang="en-US" smtClean="0"/>
-              <a:pPr/>
-              <a:t>4</a:t>
-            </a:fld>
-            <a:endParaRPr lang="en-US"/>
-          </a:p>
-        </p:txBody>
-      </p:sp>
-      <p:sp>
-        <p:nvSpPr>
-          <p:cNvPr id="4" name="Espace réservé du texte 3">
-            <a:extLst>
-              <a:ext uri="{FF2B5EF4-FFF2-40B4-BE49-F238E27FC236}">
-                <a16:creationId xmlns:a16="http://schemas.microsoft.com/office/drawing/2014/main" xmlns="" id="{3C98D178-AF2C-4F51-B210-CE7C0013A3C3}"/>
-              </a:ext>
-            </a:extLst>
-          </p:cNvPr>
-          <p:cNvSpPr>
-            <a:spLocks noGrp="1"/>
-          </p:cNvSpPr>
-          <p:nvPr>
-            <p:ph type="body" sz="quarter" idx="14"/>
-          </p:nvPr>
-        </p:nvSpPr>
-        <p:spPr/>
-        <p:txBody>
-          <a:bodyPr/>
-          <a:lstStyle/>
-          <a:p>
-            <a:endParaRPr lang="fr-CH" dirty="0"/>
-          </a:p>
-        </p:txBody>
-      </p:sp>
-    </p:spTree>
-    <p:extLst>
-      <p:ext uri="{BB962C8B-B14F-4D97-AF65-F5344CB8AC3E}">
-        <p14:creationId xmlns:p14="http://schemas.microsoft.com/office/powerpoint/2010/main" val="802121502"/>
-      </p:ext>
-    </p:extLst>
-  </p:cSld>
-  <p:clrMapOvr>
-    <a:masterClrMapping/>
-  </p:clrMapOvr>
-  <p:timing>
-    <p:tnLst>
-      <p:par>
-        <p:cTn id="1" dur="indefinite" restart="never" nodeType="tmRoot"/>
-      </p:par>
-    </p:tnLst>
-  </p:timing>
-</p:sld>
-</file>
-
-<file path=ppt/slides/slide5.xml><?xml version="1.0" encoding="utf-8"?>
-<p:sld xmlns:a="http://schemas.openxmlformats.org/drawingml/2006/main" xmlns:r="http://schemas.openxmlformats.org/officeDocument/2006/relationships" xmlns:p="http://schemas.openxmlformats.org/presentationml/2006/main">
-  <p:cSld>
-    <p:spTree>
-      <p:nvGrpSpPr>
-        <p:cNvPr id="1" name=""/>
-        <p:cNvGrpSpPr/>
-        <p:nvPr/>
-      </p:nvGrpSpPr>
-      <p:grpSpPr>
-        <a:xfrm>
-          <a:off x="0" y="0"/>
-          <a:ext cx="0" cy="0"/>
-          <a:chOff x="0" y="0"/>
-          <a:chExt cx="0" cy="0"/>
-        </a:xfrm>
-      </p:grpSpPr>
-      <p:sp>
-        <p:nvSpPr>
-          <p:cNvPr id="2" name="Espace réservé du texte 1"/>
-          <p:cNvSpPr>
-            <a:spLocks noGrp="1"/>
-          </p:cNvSpPr>
-          <p:nvPr>
-            <p:ph type="body" sz="quarter" idx="13"/>
-          </p:nvPr>
-        </p:nvSpPr>
-        <p:spPr/>
-        <p:txBody>
-          <a:bodyPr/>
-          <a:lstStyle/>
-          <a:p>
-            <a:r>
-              <a:rPr lang="fr-CH" sz="3200" dirty="0"/>
-              <a:t>G</a:t>
-            </a:r>
-            <a:r>
-              <a:rPr lang="fr-CH" sz="3200" dirty="0" smtClean="0"/>
-              <a:t>éodésie</a:t>
-            </a:r>
-            <a:endParaRPr lang="fr-CH" sz="3200" dirty="0"/>
-          </a:p>
-        </p:txBody>
-      </p:sp>
-      <p:sp>
-        <p:nvSpPr>
-          <p:cNvPr id="3" name="Espace réservé du texte 2"/>
-          <p:cNvSpPr>
-            <a:spLocks noGrp="1"/>
-          </p:cNvSpPr>
-          <p:nvPr>
-            <p:ph type="body" sz="quarter" idx="14"/>
-          </p:nvPr>
-        </p:nvSpPr>
-        <p:spPr/>
-        <p:txBody>
-          <a:bodyPr/>
-          <a:lstStyle/>
-          <a:p>
-            <a:endParaRPr lang="fr-CH"/>
-          </a:p>
-        </p:txBody>
-      </p:sp>
-      <p:sp>
-        <p:nvSpPr>
-          <p:cNvPr id="4" name="Espace réservé du texte 3"/>
-          <p:cNvSpPr>
-            <a:spLocks noGrp="1"/>
-          </p:cNvSpPr>
-          <p:nvPr>
-            <p:ph type="body" sz="quarter" idx="17"/>
-          </p:nvPr>
-        </p:nvSpPr>
-        <p:spPr>
-          <a:xfrm>
-            <a:off x="702000" y="1844675"/>
-            <a:ext cx="7920000" cy="504206"/>
-          </a:xfrm>
-        </p:spPr>
-        <p:txBody>
-          <a:bodyPr/>
-          <a:lstStyle/>
-          <a:p>
-            <a:pPr marL="285750" indent="-285750">
-              <a:buFont typeface="Wingdings" panose="05000000000000000000" pitchFamily="2" charset="2"/>
-              <a:buChar char="q"/>
-            </a:pPr>
-            <a:r>
-              <a:rPr lang="fr-CH" dirty="0" smtClean="0"/>
-              <a:t>Transformation Suisse</a:t>
-            </a:r>
-          </a:p>
-        </p:txBody>
-      </p:sp>
-      <p:sp>
-        <p:nvSpPr>
-          <p:cNvPr id="5" name="Espace réservé du numéro de diapositive 4"/>
-          <p:cNvSpPr>
-            <a:spLocks noGrp="1"/>
-          </p:cNvSpPr>
-          <p:nvPr>
-            <p:ph type="sldNum" sz="quarter" idx="18"/>
-          </p:nvPr>
-        </p:nvSpPr>
-        <p:spPr/>
-        <p:txBody>
-          <a:bodyPr/>
-          <a:lstStyle/>
-          <a:p>
-            <a:fld id="{1B28DAD0-2E7F-0B49-858C-0AF98DF16341}" type="slidenum">
-              <a:rPr lang="en-US" smtClean="0"/>
-              <a:pPr/>
-              <a:t>5</a:t>
-            </a:fld>
-            <a:endParaRPr lang="en-US"/>
-          </a:p>
-        </p:txBody>
-      </p:sp>
-      <p:sp>
-        <p:nvSpPr>
-          <p:cNvPr id="6" name="Espace réservé du texte 3"/>
-          <p:cNvSpPr txBox="1">
-            <a:spLocks/>
-          </p:cNvSpPr>
-          <p:nvPr/>
-        </p:nvSpPr>
-        <p:spPr>
-          <a:xfrm>
-            <a:off x="702000" y="2473228"/>
-            <a:ext cx="7920000" cy="504206"/>
-          </a:xfrm>
-          <a:prstGeom prst="rect">
-            <a:avLst/>
-          </a:prstGeom>
-        </p:spPr>
-        <p:txBody>
-          <a:bodyPr lIns="0" tIns="0" rIns="0" bIns="0"/>
-          <a:lstStyle>
-            <a:lvl1pPr marL="0" indent="0" algn="l" defTabSz="457200" rtl="0" eaLnBrk="1" latinLnBrk="0" hangingPunct="1">
-              <a:spcBef>
-                <a:spcPct val="20000"/>
-              </a:spcBef>
-              <a:buFont typeface="Arial"/>
-              <a:buNone/>
-              <a:defRPr sz="1800" kern="1200">
-                <a:solidFill>
-                  <a:schemeClr val="tx1"/>
-                </a:solidFill>
-                <a:latin typeface="+mn-lt"/>
-                <a:ea typeface="+mn-ea"/>
-                <a:cs typeface="+mn-cs"/>
-              </a:defRPr>
-            </a:lvl1pPr>
-            <a:lvl2pPr marL="742950" indent="-285750" algn="l" defTabSz="457200" rtl="0" eaLnBrk="1" latinLnBrk="0" hangingPunct="1">
-              <a:spcBef>
-                <a:spcPct val="20000"/>
-              </a:spcBef>
-              <a:buFont typeface="Arial"/>
-              <a:buChar char="–"/>
-              <a:defRPr sz="1800" kern="1200">
-                <a:solidFill>
-                  <a:schemeClr val="tx1"/>
-                </a:solidFill>
-                <a:latin typeface="+mn-lt"/>
-                <a:ea typeface="+mn-ea"/>
-                <a:cs typeface="+mn-cs"/>
-              </a:defRPr>
-            </a:lvl2pPr>
-            <a:lvl3pPr marL="1143000" indent="-228600" algn="l" defTabSz="457200" rtl="0" eaLnBrk="1" latinLnBrk="0" hangingPunct="1">
-              <a:spcBef>
-                <a:spcPct val="20000"/>
-              </a:spcBef>
-              <a:buFont typeface="Arial"/>
-              <a:buChar char="•"/>
-              <a:defRPr sz="1800" kern="1200">
-                <a:solidFill>
-                  <a:schemeClr val="tx1"/>
-                </a:solidFill>
-                <a:latin typeface="+mn-lt"/>
-                <a:ea typeface="+mn-ea"/>
-                <a:cs typeface="+mn-cs"/>
-              </a:defRPr>
-            </a:lvl3pPr>
-            <a:lvl4pPr marL="1600200" indent="-228600" algn="l" defTabSz="457200" rtl="0" eaLnBrk="1" latinLnBrk="0" hangingPunct="1">
-              <a:spcBef>
-                <a:spcPct val="20000"/>
-              </a:spcBef>
-              <a:buFont typeface="Arial"/>
-              <a:buChar char="–"/>
-              <a:defRPr sz="1800" kern="1200">
-                <a:solidFill>
-                  <a:schemeClr val="tx1"/>
-                </a:solidFill>
-                <a:latin typeface="+mn-lt"/>
-                <a:ea typeface="+mn-ea"/>
-                <a:cs typeface="+mn-cs"/>
-              </a:defRPr>
-            </a:lvl4pPr>
-            <a:lvl5pPr marL="2057400" indent="-228600" algn="l" defTabSz="457200" rtl="0" eaLnBrk="1" latinLnBrk="0" hangingPunct="1">
-              <a:spcBef>
-                <a:spcPct val="20000"/>
-              </a:spcBef>
-              <a:buFont typeface="Arial"/>
-              <a:buChar char="»"/>
-              <a:defRPr sz="1800" kern="1200">
-                <a:solidFill>
-                  <a:schemeClr val="tx1"/>
-                </a:solidFill>
-                <a:latin typeface="+mn-lt"/>
-                <a:ea typeface="+mn-ea"/>
-                <a:cs typeface="+mn-cs"/>
-              </a:defRPr>
-            </a:lvl5pPr>
-            <a:lvl6pPr marL="2514600" indent="-228600" algn="l" defTabSz="457200" rtl="0" eaLnBrk="1" latinLnBrk="0" hangingPunct="1">
-              <a:spcBef>
-                <a:spcPct val="20000"/>
-              </a:spcBef>
-              <a:buFont typeface="Arial"/>
-              <a:buChar char="•"/>
-              <a:defRPr sz="2000" kern="1200">
-                <a:solidFill>
-                  <a:schemeClr val="tx1"/>
-                </a:solidFill>
-                <a:latin typeface="+mn-lt"/>
-                <a:ea typeface="+mn-ea"/>
-                <a:cs typeface="+mn-cs"/>
-              </a:defRPr>
-            </a:lvl6pPr>
-            <a:lvl7pPr marL="2971800" indent="-228600" algn="l" defTabSz="457200" rtl="0" eaLnBrk="1" latinLnBrk="0" hangingPunct="1">
-              <a:spcBef>
-                <a:spcPct val="20000"/>
-              </a:spcBef>
-              <a:buFont typeface="Arial"/>
-              <a:buChar char="•"/>
-              <a:defRPr sz="2000" kern="1200">
-                <a:solidFill>
-                  <a:schemeClr val="tx1"/>
-                </a:solidFill>
-                <a:latin typeface="+mn-lt"/>
-                <a:ea typeface="+mn-ea"/>
-                <a:cs typeface="+mn-cs"/>
-              </a:defRPr>
-            </a:lvl7pPr>
-            <a:lvl8pPr marL="3429000" indent="-228600" algn="l" defTabSz="457200" rtl="0" eaLnBrk="1" latinLnBrk="0" hangingPunct="1">
-              <a:spcBef>
-                <a:spcPct val="20000"/>
-              </a:spcBef>
-              <a:buFont typeface="Arial"/>
-              <a:buChar char="•"/>
-              <a:defRPr sz="2000" kern="1200">
-                <a:solidFill>
-                  <a:schemeClr val="tx1"/>
-                </a:solidFill>
-                <a:latin typeface="+mn-lt"/>
-                <a:ea typeface="+mn-ea"/>
-                <a:cs typeface="+mn-cs"/>
-              </a:defRPr>
-            </a:lvl8pPr>
-            <a:lvl9pPr marL="3886200" indent="-228600" algn="l" defTabSz="457200" rtl="0" eaLnBrk="1" latinLnBrk="0" hangingPunct="1">
-              <a:spcBef>
-                <a:spcPct val="20000"/>
-              </a:spcBef>
-              <a:buFont typeface="Arial"/>
-              <a:buChar char="•"/>
-              <a:defRPr sz="2000" kern="1200">
-                <a:solidFill>
-                  <a:schemeClr val="tx1"/>
-                </a:solidFill>
-                <a:latin typeface="+mn-lt"/>
-                <a:ea typeface="+mn-ea"/>
-                <a:cs typeface="+mn-cs"/>
-              </a:defRPr>
-            </a:lvl9pPr>
-          </a:lstStyle>
-          <a:p>
-            <a:pPr algn="ctr"/>
-            <a:r>
-              <a:rPr lang="fr-CH" dirty="0" smtClean="0"/>
-              <a:t>ETRS89</a:t>
-            </a:r>
-          </a:p>
-        </p:txBody>
-      </p:sp>
-      <p:pic>
-        <p:nvPicPr>
-          <p:cNvPr id="7" name="Image 6"/>
-          <p:cNvPicPr>
-            <a:picLocks noChangeAspect="1"/>
-          </p:cNvPicPr>
-          <p:nvPr/>
-        </p:nvPicPr>
-        <p:blipFill>
-          <a:blip r:embed="rId2">
-            <a:extLst>
-              <a:ext uri="{28A0092B-C50C-407E-A947-70E740481C1C}">
-                <a14:useLocalDpi xmlns:a14="http://schemas.microsoft.com/office/drawing/2010/main" val="0"/>
-              </a:ext>
-            </a:extLst>
-          </a:blip>
-          <a:stretch>
-            <a:fillRect/>
-          </a:stretch>
-        </p:blipFill>
-        <p:spPr>
-          <a:xfrm>
-            <a:off x="2555776" y="3227980"/>
-            <a:ext cx="4289014" cy="2793307"/>
-          </a:xfrm>
-          <a:prstGeom prst="rect">
-            <a:avLst/>
-          </a:prstGeom>
-        </p:spPr>
-      </p:pic>
-      <p:cxnSp>
-        <p:nvCxnSpPr>
-          <p:cNvPr id="9" name="Connecteur droit avec flèche 8"/>
-          <p:cNvCxnSpPr/>
-          <p:nvPr/>
-        </p:nvCxnSpPr>
-        <p:spPr>
-          <a:xfrm flipV="1">
-            <a:off x="3923928" y="2788431"/>
-            <a:ext cx="360040" cy="856593"/>
-          </a:xfrm>
-          <a:prstGeom prst="straightConnector1">
-            <a:avLst/>
-          </a:prstGeom>
-          <a:ln>
-            <a:solidFill>
-              <a:srgbClr val="FF0000"/>
-            </a:solidFill>
-            <a:tailEnd type="triangle"/>
-          </a:ln>
-        </p:spPr>
-        <p:style>
-          <a:lnRef idx="3">
-            <a:schemeClr val="accent2"/>
-          </a:lnRef>
-          <a:fillRef idx="0">
-            <a:schemeClr val="accent2"/>
-          </a:fillRef>
-          <a:effectRef idx="2">
-            <a:schemeClr val="accent2"/>
-          </a:effectRef>
-          <a:fontRef idx="minor">
-            <a:schemeClr val="tx1"/>
-          </a:fontRef>
-        </p:style>
-      </p:cxnSp>
-      <p:cxnSp>
-        <p:nvCxnSpPr>
-          <p:cNvPr id="10" name="Connecteur droit avec flèche 9"/>
-          <p:cNvCxnSpPr/>
-          <p:nvPr/>
-        </p:nvCxnSpPr>
-        <p:spPr>
-          <a:xfrm flipH="1" flipV="1">
-            <a:off x="5028511" y="2788431"/>
-            <a:ext cx="479593" cy="1008993"/>
-          </a:xfrm>
-          <a:prstGeom prst="straightConnector1">
-            <a:avLst/>
-          </a:prstGeom>
-          <a:ln>
-            <a:solidFill>
-              <a:srgbClr val="FF0000"/>
-            </a:solidFill>
-            <a:tailEnd type="triangle"/>
-          </a:ln>
-        </p:spPr>
-        <p:style>
-          <a:lnRef idx="3">
-            <a:schemeClr val="accent2"/>
-          </a:lnRef>
-          <a:fillRef idx="0">
-            <a:schemeClr val="accent2"/>
-          </a:fillRef>
-          <a:effectRef idx="2">
-            <a:schemeClr val="accent2"/>
-          </a:effectRef>
-          <a:fontRef idx="minor">
-            <a:schemeClr val="tx1"/>
-          </a:fontRef>
-        </p:style>
-      </p:cxnSp>
-    </p:spTree>
-    <p:extLst>
-      <p:ext uri="{BB962C8B-B14F-4D97-AF65-F5344CB8AC3E}">
-        <p14:creationId xmlns:p14="http://schemas.microsoft.com/office/powerpoint/2010/main" val="3413284562"/>
-      </p:ext>
-    </p:extLst>
-  </p:cSld>
-  <p:clrMapOvr>
-    <a:masterClrMapping/>
-  </p:clrMapOvr>
-  <p:timing>
-    <p:tnLst>
-      <p:par>
-        <p:cTn id="1" dur="indefinite" restart="never" nodeType="tmRoot"/>
-      </p:par>
-    </p:tnLst>
-  </p:timing>
-</p:sld>
-</file>
-
-<file path=ppt/slides/slide6.xml><?xml version="1.0" encoding="utf-8"?>
-<p:sld xmlns:a="http://schemas.openxmlformats.org/drawingml/2006/main" xmlns:r="http://schemas.openxmlformats.org/officeDocument/2006/relationships" xmlns:p="http://schemas.openxmlformats.org/presentationml/2006/main">
-  <p:cSld>
-    <p:spTree>
-      <p:nvGrpSpPr>
-        <p:cNvPr id="1" name=""/>
-        <p:cNvGrpSpPr/>
-        <p:nvPr/>
-      </p:nvGrpSpPr>
-      <p:grpSpPr>
-        <a:xfrm>
-          <a:off x="0" y="0"/>
-          <a:ext cx="0" cy="0"/>
-          <a:chOff x="0" y="0"/>
-          <a:chExt cx="0" cy="0"/>
-        </a:xfrm>
-      </p:grpSpPr>
-      <p:sp>
-        <p:nvSpPr>
-          <p:cNvPr id="2" name="Espace réservé du texte 1"/>
-          <p:cNvSpPr>
-            <a:spLocks noGrp="1"/>
-          </p:cNvSpPr>
-          <p:nvPr>
-            <p:ph type="body" sz="quarter" idx="13"/>
-          </p:nvPr>
-        </p:nvSpPr>
-        <p:spPr/>
-        <p:txBody>
-          <a:bodyPr/>
-          <a:lstStyle/>
-          <a:p>
-            <a:r>
-              <a:rPr lang="fr-CH" sz="3200" dirty="0"/>
-              <a:t>G</a:t>
-            </a:r>
-            <a:r>
-              <a:rPr lang="fr-CH" sz="3200" dirty="0" smtClean="0"/>
-              <a:t>éodésie</a:t>
-            </a:r>
-            <a:endParaRPr lang="fr-CH" sz="3200" dirty="0"/>
-          </a:p>
-        </p:txBody>
-      </p:sp>
-      <p:sp>
-        <p:nvSpPr>
-          <p:cNvPr id="3" name="Espace réservé du texte 2"/>
-          <p:cNvSpPr>
-            <a:spLocks noGrp="1"/>
-          </p:cNvSpPr>
-          <p:nvPr>
-            <p:ph type="body" sz="quarter" idx="14"/>
-          </p:nvPr>
-        </p:nvSpPr>
-        <p:spPr/>
-        <p:txBody>
-          <a:bodyPr/>
-          <a:lstStyle/>
-          <a:p>
-            <a:r>
-              <a:rPr lang="fr-CH" dirty="0" smtClean="0"/>
-              <a:t>Planimétrie</a:t>
-            </a:r>
-            <a:endParaRPr lang="fr-CH" dirty="0"/>
-          </a:p>
-        </p:txBody>
-      </p:sp>
-      <p:sp>
-        <p:nvSpPr>
-          <p:cNvPr id="5" name="Espace réservé du numéro de diapositive 4"/>
-          <p:cNvSpPr>
-            <a:spLocks noGrp="1"/>
-          </p:cNvSpPr>
-          <p:nvPr>
-            <p:ph type="sldNum" sz="quarter" idx="18"/>
-          </p:nvPr>
-        </p:nvSpPr>
-        <p:spPr/>
-        <p:txBody>
-          <a:bodyPr/>
-          <a:lstStyle/>
-          <a:p>
-            <a:fld id="{1B28DAD0-2E7F-0B49-858C-0AF98DF16341}" type="slidenum">
-              <a:rPr lang="en-US" smtClean="0"/>
-              <a:pPr/>
-              <a:t>6</a:t>
-            </a:fld>
-            <a:endParaRPr lang="en-US"/>
-          </a:p>
-        </p:txBody>
-      </p:sp>
-      <p:pic>
-        <p:nvPicPr>
-          <p:cNvPr id="6" name="Image 5"/>
-          <p:cNvPicPr>
-            <a:picLocks noChangeAspect="1"/>
-          </p:cNvPicPr>
-          <p:nvPr/>
-        </p:nvPicPr>
-        <p:blipFill rotWithShape="1">
-          <a:blip r:embed="rId2">
-            <a:extLst>
-              <a:ext uri="{28A0092B-C50C-407E-A947-70E740481C1C}">
-                <a14:useLocalDpi xmlns:a14="http://schemas.microsoft.com/office/drawing/2010/main" val="0"/>
-              </a:ext>
-            </a:extLst>
-          </a:blip>
-          <a:srcRect t="4392"/>
-          <a:stretch/>
-        </p:blipFill>
-        <p:spPr>
-          <a:xfrm>
-            <a:off x="179512" y="2708920"/>
-            <a:ext cx="4308146" cy="3396205"/>
-          </a:xfrm>
-          <a:prstGeom prst="rect">
-            <a:avLst/>
-          </a:prstGeom>
-        </p:spPr>
-      </p:pic>
-      <p:sp>
-        <p:nvSpPr>
-          <p:cNvPr id="7" name="ZoneTexte 6"/>
-          <p:cNvSpPr txBox="1"/>
-          <p:nvPr/>
-        </p:nvSpPr>
-        <p:spPr>
-          <a:xfrm>
-            <a:off x="1043608" y="2207240"/>
-            <a:ext cx="2736304" cy="356384"/>
-          </a:xfrm>
-          <a:prstGeom prst="rect">
-            <a:avLst/>
-          </a:prstGeom>
-          <a:ln w="19050">
-            <a:solidFill>
-              <a:schemeClr val="tx1"/>
-            </a:solidFill>
-          </a:ln>
-        </p:spPr>
-        <p:txBody>
-          <a:bodyPr wrap="square" rtlCol="0" anchor="b">
-            <a:normAutofit/>
-          </a:bodyPr>
-          <a:lstStyle/>
-          <a:p>
-            <a:pPr marL="0" marR="0" indent="0" defTabSz="457200" rtl="0" eaLnBrk="1" fontAlgn="auto" latinLnBrk="0" hangingPunct="1">
-              <a:lnSpc>
-                <a:spcPct val="100000"/>
-              </a:lnSpc>
-              <a:spcBef>
-                <a:spcPct val="0"/>
-              </a:spcBef>
-              <a:spcAft>
-                <a:spcPts val="0"/>
-              </a:spcAft>
-              <a:buClrTx/>
-              <a:buSzTx/>
-              <a:buFontTx/>
-              <a:buNone/>
-              <a:tabLst/>
-            </a:pPr>
-            <a:r>
-              <a:rPr kumimoji="0" lang="fr-CH" sz="1200" b="0" i="0" u="none" strike="noStrike" kern="1200" cap="none" spc="0" normalizeH="0" baseline="0" noProof="0" dirty="0" smtClean="0">
-                <a:ln>
-                  <a:noFill/>
-                </a:ln>
-                <a:effectLst/>
-                <a:uLnTx/>
-                <a:uFillTx/>
-                <a:latin typeface="Arial "/>
-                <a:ea typeface="+mj-ea"/>
-                <a:cs typeface="Arial "/>
-              </a:rPr>
-              <a:t>Coordonnées géographique</a:t>
-            </a:r>
-            <a:r>
-              <a:rPr kumimoji="0" lang="fr-CH" sz="1200" b="0" i="0" u="none" strike="noStrike" kern="1200" cap="none" spc="0" normalizeH="0" noProof="0" dirty="0" smtClean="0">
-                <a:ln>
-                  <a:noFill/>
-                </a:ln>
-                <a:effectLst/>
-                <a:uLnTx/>
-                <a:uFillTx/>
-                <a:latin typeface="Arial "/>
-                <a:ea typeface="+mj-ea"/>
-                <a:cs typeface="Arial "/>
-              </a:rPr>
-              <a:t> WGS84</a:t>
-            </a:r>
-            <a:endParaRPr kumimoji="0" lang="fr-CH" sz="1200" b="0" i="0" u="none" strike="noStrike" kern="1200" cap="none" spc="0" normalizeH="0" baseline="0" noProof="0" dirty="0" smtClean="0">
-              <a:ln>
-                <a:noFill/>
-              </a:ln>
-              <a:effectLst/>
-              <a:uLnTx/>
-              <a:uFillTx/>
-              <a:latin typeface="Arial "/>
-              <a:ea typeface="+mj-ea"/>
-              <a:cs typeface="Arial "/>
-            </a:endParaRPr>
-          </a:p>
-        </p:txBody>
-      </p:sp>
-      <p:cxnSp>
-        <p:nvCxnSpPr>
-          <p:cNvPr id="10" name="Connecteur droit avec flèche 9"/>
-          <p:cNvCxnSpPr>
-            <a:stCxn id="7" idx="2"/>
-          </p:cNvCxnSpPr>
-          <p:nvPr/>
-        </p:nvCxnSpPr>
-        <p:spPr>
-          <a:xfrm>
-            <a:off x="2411760" y="2563624"/>
-            <a:ext cx="0" cy="231146"/>
-          </a:xfrm>
-          <a:prstGeom prst="straightConnector1">
-            <a:avLst/>
-          </a:prstGeom>
-          <a:ln>
-            <a:headEnd type="triangle"/>
-            <a:tailEnd type="triangle"/>
-          </a:ln>
-        </p:spPr>
-        <p:style>
-          <a:lnRef idx="1">
-            <a:schemeClr val="dk1"/>
-          </a:lnRef>
-          <a:fillRef idx="0">
-            <a:schemeClr val="dk1"/>
-          </a:fillRef>
-          <a:effectRef idx="0">
-            <a:schemeClr val="dk1"/>
-          </a:effectRef>
-          <a:fontRef idx="minor">
-            <a:schemeClr val="tx1"/>
-          </a:fontRef>
-        </p:style>
-      </p:cxnSp>
-      <p:sp>
-        <p:nvSpPr>
-          <p:cNvPr id="11" name="Ellipse 10"/>
-          <p:cNvSpPr/>
-          <p:nvPr/>
-        </p:nvSpPr>
-        <p:spPr>
-          <a:xfrm>
-            <a:off x="3923928" y="2563624"/>
-            <a:ext cx="216024" cy="231146"/>
-          </a:xfrm>
-          <a:prstGeom prst="ellipse">
-            <a:avLst/>
-          </a:prstGeom>
-          <a:solidFill>
-            <a:schemeClr val="bg1"/>
-          </a:solidFill>
-          <a:ln>
-            <a:solidFill>
-              <a:schemeClr val="bg1"/>
-            </a:solidFill>
-          </a:ln>
-        </p:spPr>
-        <p:style>
-          <a:lnRef idx="1">
-            <a:schemeClr val="accent1"/>
-          </a:lnRef>
-          <a:fillRef idx="3">
-            <a:schemeClr val="accent1"/>
-          </a:fillRef>
-          <a:effectRef idx="2">
-            <a:schemeClr val="accent1"/>
-          </a:effectRef>
-          <a:fontRef idx="minor">
-            <a:schemeClr val="lt1"/>
-          </a:fontRef>
-        </p:style>
-        <p:txBody>
-          <a:bodyPr rtlCol="0" anchor="ctr"/>
-          <a:lstStyle/>
-          <a:p>
-            <a:pPr algn="ctr"/>
-            <a:r>
-              <a:rPr lang="fr-CH" dirty="0" smtClean="0">
-                <a:solidFill>
-                  <a:srgbClr val="FF0000"/>
-                </a:solidFill>
-              </a:rPr>
-              <a:t>1</a:t>
-            </a:r>
-            <a:endParaRPr lang="fr-CH" dirty="0">
-              <a:solidFill>
-                <a:srgbClr val="FF0000"/>
-              </a:solidFill>
-            </a:endParaRPr>
-          </a:p>
-        </p:txBody>
-      </p:sp>
-      <p:sp>
-        <p:nvSpPr>
-          <p:cNvPr id="12" name="Ellipse 11"/>
-          <p:cNvSpPr/>
-          <p:nvPr/>
-        </p:nvSpPr>
-        <p:spPr>
-          <a:xfrm>
-            <a:off x="3923928" y="3173224"/>
-            <a:ext cx="216024" cy="231146"/>
-          </a:xfrm>
-          <a:prstGeom prst="ellipse">
-            <a:avLst/>
-          </a:prstGeom>
-          <a:solidFill>
-            <a:schemeClr val="bg1"/>
-          </a:solidFill>
-          <a:ln>
-            <a:solidFill>
-              <a:schemeClr val="bg1"/>
-            </a:solidFill>
-          </a:ln>
-        </p:spPr>
-        <p:style>
-          <a:lnRef idx="1">
-            <a:schemeClr val="accent1"/>
-          </a:lnRef>
-          <a:fillRef idx="3">
-            <a:schemeClr val="accent1"/>
-          </a:fillRef>
-          <a:effectRef idx="2">
-            <a:schemeClr val="accent1"/>
-          </a:effectRef>
-          <a:fontRef idx="minor">
-            <a:schemeClr val="lt1"/>
-          </a:fontRef>
-        </p:style>
-        <p:txBody>
-          <a:bodyPr rtlCol="0" anchor="ctr"/>
-          <a:lstStyle/>
-          <a:p>
-            <a:pPr algn="ctr"/>
-            <a:r>
-              <a:rPr lang="fr-CH" dirty="0" smtClean="0">
-                <a:solidFill>
-                  <a:srgbClr val="FF0000"/>
-                </a:solidFill>
-              </a:rPr>
-              <a:t>2</a:t>
-            </a:r>
-            <a:endParaRPr lang="fr-CH" dirty="0">
-              <a:solidFill>
-                <a:srgbClr val="FF0000"/>
-              </a:solidFill>
-            </a:endParaRPr>
-          </a:p>
-        </p:txBody>
-      </p:sp>
-      <p:sp>
-        <p:nvSpPr>
-          <p:cNvPr id="13" name="Ellipse 12"/>
-          <p:cNvSpPr/>
-          <p:nvPr/>
-        </p:nvSpPr>
-        <p:spPr>
-          <a:xfrm>
-            <a:off x="3924325" y="3914001"/>
-            <a:ext cx="216024" cy="231146"/>
-          </a:xfrm>
-          <a:prstGeom prst="ellipse">
-            <a:avLst/>
-          </a:prstGeom>
-          <a:solidFill>
-            <a:schemeClr val="bg1"/>
-          </a:solidFill>
-          <a:ln>
-            <a:solidFill>
-              <a:schemeClr val="bg1"/>
-            </a:solidFill>
-          </a:ln>
-        </p:spPr>
-        <p:style>
-          <a:lnRef idx="1">
-            <a:schemeClr val="accent1"/>
-          </a:lnRef>
-          <a:fillRef idx="3">
-            <a:schemeClr val="accent1"/>
-          </a:fillRef>
-          <a:effectRef idx="2">
-            <a:schemeClr val="accent1"/>
-          </a:effectRef>
-          <a:fontRef idx="minor">
-            <a:schemeClr val="lt1"/>
-          </a:fontRef>
-        </p:style>
-        <p:txBody>
-          <a:bodyPr rtlCol="0" anchor="ctr"/>
-          <a:lstStyle/>
-          <a:p>
-            <a:pPr algn="ctr"/>
-            <a:r>
-              <a:rPr lang="fr-CH" dirty="0" smtClean="0">
-                <a:solidFill>
-                  <a:srgbClr val="FF0000"/>
-                </a:solidFill>
-              </a:rPr>
-              <a:t>3</a:t>
-            </a:r>
-            <a:endParaRPr lang="fr-CH" dirty="0">
-              <a:solidFill>
-                <a:srgbClr val="FF0000"/>
-              </a:solidFill>
-            </a:endParaRPr>
-          </a:p>
-        </p:txBody>
-      </p:sp>
-      <p:sp>
-        <p:nvSpPr>
-          <p:cNvPr id="16" name="Ellipse 15"/>
-          <p:cNvSpPr/>
-          <p:nvPr/>
-        </p:nvSpPr>
-        <p:spPr>
-          <a:xfrm>
-            <a:off x="3923928" y="4562945"/>
-            <a:ext cx="216024" cy="231146"/>
-          </a:xfrm>
-          <a:prstGeom prst="ellipse">
-            <a:avLst/>
-          </a:prstGeom>
-          <a:solidFill>
-            <a:schemeClr val="bg1"/>
-          </a:solidFill>
-          <a:ln>
-            <a:solidFill>
-              <a:schemeClr val="bg1"/>
-            </a:solidFill>
-          </a:ln>
-        </p:spPr>
-        <p:style>
-          <a:lnRef idx="1">
-            <a:schemeClr val="accent1"/>
-          </a:lnRef>
-          <a:fillRef idx="3">
-            <a:schemeClr val="accent1"/>
-          </a:fillRef>
-          <a:effectRef idx="2">
-            <a:schemeClr val="accent1"/>
-          </a:effectRef>
-          <a:fontRef idx="minor">
-            <a:schemeClr val="lt1"/>
-          </a:fontRef>
-        </p:style>
-        <p:txBody>
-          <a:bodyPr rtlCol="0" anchor="ctr"/>
-          <a:lstStyle/>
-          <a:p>
-            <a:pPr algn="ctr"/>
-            <a:r>
-              <a:rPr lang="fr-CH" dirty="0" smtClean="0">
-                <a:solidFill>
-                  <a:srgbClr val="FF0000"/>
-                </a:solidFill>
-              </a:rPr>
-              <a:t>4</a:t>
-            </a:r>
-            <a:endParaRPr lang="fr-CH" dirty="0">
-              <a:solidFill>
-                <a:srgbClr val="FF0000"/>
-              </a:solidFill>
-            </a:endParaRPr>
-          </a:p>
-        </p:txBody>
-      </p:sp>
-      <p:sp>
-        <p:nvSpPr>
-          <p:cNvPr id="17" name="Ellipse 16"/>
-          <p:cNvSpPr/>
-          <p:nvPr/>
-        </p:nvSpPr>
-        <p:spPr>
-          <a:xfrm>
-            <a:off x="3924325" y="5283027"/>
-            <a:ext cx="216024" cy="231146"/>
-          </a:xfrm>
-          <a:prstGeom prst="ellipse">
-            <a:avLst/>
-          </a:prstGeom>
-          <a:solidFill>
-            <a:schemeClr val="bg1"/>
-          </a:solidFill>
-          <a:ln>
-            <a:solidFill>
-              <a:schemeClr val="bg1"/>
-            </a:solidFill>
-          </a:ln>
-        </p:spPr>
-        <p:style>
-          <a:lnRef idx="1">
-            <a:schemeClr val="accent1"/>
-          </a:lnRef>
-          <a:fillRef idx="3">
-            <a:schemeClr val="accent1"/>
-          </a:fillRef>
-          <a:effectRef idx="2">
-            <a:schemeClr val="accent1"/>
-          </a:effectRef>
-          <a:fontRef idx="minor">
-            <a:schemeClr val="lt1"/>
-          </a:fontRef>
-        </p:style>
-        <p:txBody>
-          <a:bodyPr rtlCol="0" anchor="ctr"/>
-          <a:lstStyle/>
-          <a:p>
-            <a:pPr algn="ctr"/>
-            <a:r>
-              <a:rPr lang="fr-CH" dirty="0" smtClean="0">
-                <a:solidFill>
-                  <a:srgbClr val="FF0000"/>
-                </a:solidFill>
-              </a:rPr>
-              <a:t>5</a:t>
-            </a:r>
-            <a:endParaRPr lang="fr-CH" dirty="0">
-              <a:solidFill>
-                <a:srgbClr val="FF0000"/>
-              </a:solidFill>
-            </a:endParaRPr>
-          </a:p>
-        </p:txBody>
-      </p:sp>
-      <p:sp>
-        <p:nvSpPr>
-          <p:cNvPr id="18" name="Ellipse 17"/>
-          <p:cNvSpPr/>
-          <p:nvPr/>
-        </p:nvSpPr>
-        <p:spPr>
-          <a:xfrm>
-            <a:off x="4204803" y="2408161"/>
-            <a:ext cx="709726" cy="542072"/>
-          </a:xfrm>
-          <a:prstGeom prst="ellipse">
-            <a:avLst/>
-          </a:prstGeom>
-          <a:solidFill>
-            <a:schemeClr val="bg1"/>
-          </a:solidFill>
-          <a:ln>
-            <a:solidFill>
-              <a:schemeClr val="bg1"/>
-            </a:solidFill>
-          </a:ln>
-        </p:spPr>
-        <p:style>
-          <a:lnRef idx="1">
-            <a:schemeClr val="accent1"/>
-          </a:lnRef>
-          <a:fillRef idx="3">
-            <a:schemeClr val="accent1"/>
-          </a:fillRef>
-          <a:effectRef idx="2">
-            <a:schemeClr val="accent1"/>
-          </a:effectRef>
-          <a:fontRef idx="minor">
-            <a:schemeClr val="lt1"/>
-          </a:fontRef>
-        </p:style>
-        <p:txBody>
-          <a:bodyPr rtlCol="0" anchor="ctr"/>
-          <a:lstStyle/>
-          <a:p>
-            <a:pPr algn="ctr"/>
-            <a:r>
-              <a:rPr lang="fr-CH" dirty="0" smtClean="0">
-                <a:solidFill>
-                  <a:srgbClr val="FF0000"/>
-                </a:solidFill>
-              </a:rPr>
               <a:t>10</a:t>
-            </a:r>
-            <a:endParaRPr lang="fr-CH" dirty="0">
-              <a:solidFill>
-                <a:srgbClr val="FF0000"/>
-              </a:solidFill>
-            </a:endParaRPr>
-          </a:p>
-        </p:txBody>
-      </p:sp>
-      <p:sp>
-        <p:nvSpPr>
-          <p:cNvPr id="19" name="Ellipse 18"/>
-          <p:cNvSpPr/>
-          <p:nvPr/>
-        </p:nvSpPr>
-        <p:spPr>
-          <a:xfrm>
-            <a:off x="4316273" y="3173224"/>
-            <a:ext cx="216024" cy="231146"/>
-          </a:xfrm>
-          <a:prstGeom prst="ellipse">
-            <a:avLst/>
-          </a:prstGeom>
-          <a:solidFill>
-            <a:schemeClr val="bg1"/>
-          </a:solidFill>
-          <a:ln>
-            <a:solidFill>
-              <a:schemeClr val="bg1"/>
-            </a:solidFill>
-          </a:ln>
-        </p:spPr>
-        <p:style>
-          <a:lnRef idx="1">
-            <a:schemeClr val="accent1"/>
-          </a:lnRef>
-          <a:fillRef idx="3">
-            <a:schemeClr val="accent1"/>
-          </a:fillRef>
-          <a:effectRef idx="2">
-            <a:schemeClr val="accent1"/>
-          </a:effectRef>
-          <a:fontRef idx="minor">
-            <a:schemeClr val="lt1"/>
-          </a:fontRef>
-        </p:style>
-        <p:txBody>
-          <a:bodyPr rtlCol="0" anchor="ctr"/>
-          <a:lstStyle/>
-          <a:p>
-            <a:pPr algn="ctr"/>
-            <a:r>
-              <a:rPr lang="fr-CH" dirty="0">
-                <a:solidFill>
-                  <a:srgbClr val="FF0000"/>
-                </a:solidFill>
-              </a:rPr>
-              <a:t>9</a:t>
-            </a:r>
-          </a:p>
-        </p:txBody>
-      </p:sp>
-      <p:sp>
-        <p:nvSpPr>
-          <p:cNvPr id="20" name="Ellipse 19"/>
-          <p:cNvSpPr/>
-          <p:nvPr/>
-        </p:nvSpPr>
-        <p:spPr>
-          <a:xfrm>
-            <a:off x="4316670" y="3914001"/>
-            <a:ext cx="216024" cy="231146"/>
-          </a:xfrm>
-          <a:prstGeom prst="ellipse">
-            <a:avLst/>
-          </a:prstGeom>
-          <a:solidFill>
-            <a:schemeClr val="bg1"/>
-          </a:solidFill>
-          <a:ln>
-            <a:solidFill>
-              <a:schemeClr val="bg1"/>
-            </a:solidFill>
-          </a:ln>
-        </p:spPr>
-        <p:style>
-          <a:lnRef idx="1">
-            <a:schemeClr val="accent1"/>
-          </a:lnRef>
-          <a:fillRef idx="3">
-            <a:schemeClr val="accent1"/>
-          </a:fillRef>
-          <a:effectRef idx="2">
-            <a:schemeClr val="accent1"/>
-          </a:effectRef>
-          <a:fontRef idx="minor">
-            <a:schemeClr val="lt1"/>
-          </a:fontRef>
-        </p:style>
-        <p:txBody>
-          <a:bodyPr rtlCol="0" anchor="ctr"/>
-          <a:lstStyle/>
-          <a:p>
-            <a:pPr algn="ctr"/>
-            <a:r>
-              <a:rPr lang="fr-CH" dirty="0" smtClean="0">
-                <a:solidFill>
-                  <a:srgbClr val="FF0000"/>
-                </a:solidFill>
-              </a:rPr>
-              <a:t>8</a:t>
-            </a:r>
-            <a:endParaRPr lang="fr-CH" dirty="0">
-              <a:solidFill>
-                <a:srgbClr val="FF0000"/>
-              </a:solidFill>
-            </a:endParaRPr>
-          </a:p>
-        </p:txBody>
-      </p:sp>
-      <p:sp>
-        <p:nvSpPr>
-          <p:cNvPr id="21" name="Ellipse 20"/>
-          <p:cNvSpPr/>
-          <p:nvPr/>
-        </p:nvSpPr>
-        <p:spPr>
-          <a:xfrm>
-            <a:off x="4316273" y="4562945"/>
-            <a:ext cx="216024" cy="231146"/>
-          </a:xfrm>
-          <a:prstGeom prst="ellipse">
-            <a:avLst/>
-          </a:prstGeom>
-          <a:solidFill>
-            <a:schemeClr val="bg1"/>
-          </a:solidFill>
-          <a:ln>
-            <a:solidFill>
-              <a:schemeClr val="bg1"/>
-            </a:solidFill>
-          </a:ln>
-        </p:spPr>
-        <p:style>
-          <a:lnRef idx="1">
-            <a:schemeClr val="accent1"/>
-          </a:lnRef>
-          <a:fillRef idx="3">
-            <a:schemeClr val="accent1"/>
-          </a:fillRef>
-          <a:effectRef idx="2">
-            <a:schemeClr val="accent1"/>
-          </a:effectRef>
-          <a:fontRef idx="minor">
-            <a:schemeClr val="lt1"/>
-          </a:fontRef>
-        </p:style>
-        <p:txBody>
-          <a:bodyPr rtlCol="0" anchor="ctr"/>
-          <a:lstStyle/>
-          <a:p>
-            <a:pPr algn="ctr"/>
-            <a:r>
-              <a:rPr lang="fr-CH" dirty="0" smtClean="0">
-                <a:solidFill>
-                  <a:srgbClr val="FF0000"/>
-                </a:solidFill>
-              </a:rPr>
-              <a:t>7</a:t>
-            </a:r>
-            <a:endParaRPr lang="fr-CH" dirty="0">
-              <a:solidFill>
-                <a:srgbClr val="FF0000"/>
-              </a:solidFill>
-            </a:endParaRPr>
-          </a:p>
-        </p:txBody>
-      </p:sp>
-      <p:sp>
-        <p:nvSpPr>
-          <p:cNvPr id="22" name="Ellipse 21"/>
-          <p:cNvSpPr/>
-          <p:nvPr/>
-        </p:nvSpPr>
-        <p:spPr>
-          <a:xfrm>
-            <a:off x="4316670" y="5283027"/>
-            <a:ext cx="216024" cy="231146"/>
-          </a:xfrm>
-          <a:prstGeom prst="ellipse">
-            <a:avLst/>
-          </a:prstGeom>
-          <a:solidFill>
-            <a:schemeClr val="bg1"/>
-          </a:solidFill>
-          <a:ln>
-            <a:solidFill>
-              <a:schemeClr val="bg1"/>
-            </a:solidFill>
-          </a:ln>
-        </p:spPr>
-        <p:style>
-          <a:lnRef idx="1">
-            <a:schemeClr val="accent1"/>
-          </a:lnRef>
-          <a:fillRef idx="3">
-            <a:schemeClr val="accent1"/>
-          </a:fillRef>
-          <a:effectRef idx="2">
-            <a:schemeClr val="accent1"/>
-          </a:effectRef>
-          <a:fontRef idx="minor">
-            <a:schemeClr val="lt1"/>
-          </a:fontRef>
-        </p:style>
-        <p:txBody>
-          <a:bodyPr rtlCol="0" anchor="ctr"/>
-          <a:lstStyle/>
-          <a:p>
-            <a:pPr algn="ctr"/>
-            <a:r>
-              <a:rPr lang="fr-CH" dirty="0" smtClean="0">
-                <a:solidFill>
-                  <a:srgbClr val="FF0000"/>
-                </a:solidFill>
-              </a:rPr>
-              <a:t>6</a:t>
-            </a:r>
-            <a:endParaRPr lang="fr-CH" dirty="0">
-              <a:solidFill>
-                <a:srgbClr val="FF0000"/>
-              </a:solidFill>
-            </a:endParaRPr>
-          </a:p>
-        </p:txBody>
-      </p:sp>
-      <p:sp>
-        <p:nvSpPr>
-          <p:cNvPr id="23" name="Espace réservé du texte 3"/>
-          <p:cNvSpPr>
-            <a:spLocks noGrp="1"/>
-          </p:cNvSpPr>
-          <p:nvPr>
-            <p:ph type="body" sz="quarter" idx="17"/>
-          </p:nvPr>
-        </p:nvSpPr>
-        <p:spPr>
-          <a:xfrm>
-            <a:off x="5071034" y="2382872"/>
-            <a:ext cx="3563888" cy="3454007"/>
-          </a:xfrm>
-        </p:spPr>
-        <p:txBody>
-          <a:bodyPr/>
-          <a:lstStyle/>
-          <a:p>
-            <a:pPr marL="285750" indent="-285750">
-              <a:buFont typeface="Wingdings" panose="05000000000000000000" pitchFamily="2" charset="2"/>
-              <a:buChar char="à"/>
-            </a:pPr>
-            <a:r>
-              <a:rPr lang="fr-CH" dirty="0" smtClean="0">
-                <a:sym typeface="Wingdings" panose="05000000000000000000" pitchFamily="2" charset="2"/>
-              </a:rPr>
-              <a:t>WGS84 ~ </a:t>
-            </a:r>
-            <a:r>
-              <a:rPr lang="fr-CH" dirty="0" smtClean="0"/>
-              <a:t>ETRS89 = CHTRS95</a:t>
-            </a:r>
-          </a:p>
-          <a:p>
-            <a:pPr marL="285750" indent="-285750">
-              <a:buFont typeface="Wingdings" panose="05000000000000000000" pitchFamily="2" charset="2"/>
-              <a:buChar char="à"/>
-            </a:pPr>
-            <a:endParaRPr lang="fr-CH" dirty="0"/>
-          </a:p>
-          <a:p>
-            <a:pPr marL="285750" indent="-285750">
-              <a:buFont typeface="Wingdings" panose="05000000000000000000" pitchFamily="2" charset="2"/>
-              <a:buChar char="à"/>
-            </a:pPr>
-            <a:endParaRPr lang="fr-CH" dirty="0" smtClean="0"/>
-          </a:p>
-          <a:p>
-            <a:pPr marL="285750" indent="-285750">
-              <a:buFont typeface="Wingdings" panose="05000000000000000000" pitchFamily="2" charset="2"/>
-              <a:buChar char="à"/>
-            </a:pPr>
-            <a:endParaRPr lang="fr-CH" dirty="0"/>
-          </a:p>
-          <a:p>
-            <a:pPr marL="285750" indent="-285750">
-              <a:buFont typeface="Wingdings" panose="05000000000000000000" pitchFamily="2" charset="2"/>
-              <a:buChar char="à"/>
-            </a:pPr>
-            <a:endParaRPr lang="fr-CH" dirty="0" smtClean="0"/>
-          </a:p>
-          <a:p>
-            <a:pPr marL="285750" indent="-285750">
-              <a:buFont typeface="Wingdings" panose="05000000000000000000" pitchFamily="2" charset="2"/>
-              <a:buChar char="à"/>
-            </a:pPr>
-            <a:endParaRPr lang="fr-CH" dirty="0"/>
-          </a:p>
-          <a:p>
-            <a:pPr marL="285750" indent="-285750">
-              <a:buFont typeface="Wingdings" panose="05000000000000000000" pitchFamily="2" charset="2"/>
-              <a:buChar char="à"/>
-            </a:pPr>
-            <a:endParaRPr lang="fr-CH" dirty="0" smtClean="0"/>
-          </a:p>
-          <a:p>
-            <a:pPr marL="285750" indent="-285750">
-              <a:buFont typeface="Wingdings" panose="05000000000000000000" pitchFamily="2" charset="2"/>
-              <a:buChar char="à"/>
-            </a:pPr>
-            <a:endParaRPr lang="fr-CH" dirty="0"/>
-          </a:p>
-          <a:p>
-            <a:pPr marL="285750" indent="-285750">
-              <a:buFont typeface="Wingdings" panose="05000000000000000000" pitchFamily="2" charset="2"/>
-              <a:buChar char="à"/>
-            </a:pPr>
-            <a:endParaRPr lang="fr-CH" dirty="0" smtClean="0"/>
-          </a:p>
-          <a:p>
-            <a:pPr marL="285750" indent="-285750">
-              <a:buFont typeface="Wingdings" panose="05000000000000000000" pitchFamily="2" charset="2"/>
-              <a:buChar char="à"/>
-            </a:pPr>
-            <a:r>
-              <a:rPr lang="fr-CH" dirty="0" smtClean="0"/>
-              <a:t>dll de </a:t>
-            </a:r>
-            <a:r>
-              <a:rPr lang="fr-CH" dirty="0" err="1" smtClean="0"/>
-              <a:t>Swisstopo</a:t>
-            </a:r>
-            <a:endParaRPr lang="fr-CH" dirty="0" smtClean="0"/>
-          </a:p>
-        </p:txBody>
-      </p:sp>
-    </p:spTree>
-    <p:extLst>
-      <p:ext uri="{BB962C8B-B14F-4D97-AF65-F5344CB8AC3E}">
-        <p14:creationId xmlns:p14="http://schemas.microsoft.com/office/powerpoint/2010/main" val="624836348"/>
-      </p:ext>
-    </p:extLst>
-  </p:cSld>
-  <p:clrMapOvr>
-    <a:masterClrMapping/>
-  </p:clrMapOvr>
-  <p:timing>
-    <p:tnLst>
-      <p:par>
-        <p:cTn id="1" dur="indefinite" restart="never" nodeType="tmRoot"/>
-      </p:par>
-    </p:tnLst>
-  </p:timing>
-</p:sld>
-</file>
-
-<file path=ppt/slides/slide7.xml><?xml version="1.0" encoding="utf-8"?>
-<p:sld xmlns:a="http://schemas.openxmlformats.org/drawingml/2006/main" xmlns:r="http://schemas.openxmlformats.org/officeDocument/2006/relationships" xmlns:p="http://schemas.openxmlformats.org/presentationml/2006/main">
-  <p:cSld>
-    <p:spTree>
-      <p:nvGrpSpPr>
-        <p:cNvPr id="1" name=""/>
-        <p:cNvGrpSpPr/>
-        <p:nvPr/>
-      </p:nvGrpSpPr>
-      <p:grpSpPr>
-        <a:xfrm>
-          <a:off x="0" y="0"/>
-          <a:ext cx="0" cy="0"/>
-          <a:chOff x="0" y="0"/>
-          <a:chExt cx="0" cy="0"/>
-        </a:xfrm>
-      </p:grpSpPr>
-      <p:sp>
-        <p:nvSpPr>
-          <p:cNvPr id="2" name="Espace réservé du texte 1"/>
-          <p:cNvSpPr>
-            <a:spLocks noGrp="1"/>
-          </p:cNvSpPr>
-          <p:nvPr>
-            <p:ph type="body" sz="quarter" idx="13"/>
-          </p:nvPr>
-        </p:nvSpPr>
-        <p:spPr/>
-        <p:txBody>
-          <a:bodyPr/>
-          <a:lstStyle/>
-          <a:p>
-            <a:r>
-              <a:rPr lang="fr-CH" sz="3200" dirty="0"/>
-              <a:t>G</a:t>
-            </a:r>
-            <a:r>
-              <a:rPr lang="fr-CH" sz="3200" dirty="0" smtClean="0"/>
-              <a:t>éodésie</a:t>
-            </a:r>
-            <a:endParaRPr lang="fr-CH" sz="3200" dirty="0"/>
-          </a:p>
-        </p:txBody>
-      </p:sp>
-      <p:sp>
-        <p:nvSpPr>
-          <p:cNvPr id="3" name="Espace réservé du texte 2"/>
-          <p:cNvSpPr>
-            <a:spLocks noGrp="1"/>
-          </p:cNvSpPr>
-          <p:nvPr>
-            <p:ph type="body" sz="quarter" idx="14"/>
-          </p:nvPr>
-        </p:nvSpPr>
-        <p:spPr/>
-        <p:txBody>
-          <a:bodyPr/>
-          <a:lstStyle/>
-          <a:p>
-            <a:r>
-              <a:rPr lang="fr-CH" dirty="0" smtClean="0"/>
-              <a:t>Déviation de la verticale</a:t>
-            </a:r>
-            <a:endParaRPr lang="fr-CH" dirty="0"/>
-          </a:p>
-        </p:txBody>
-      </p:sp>
-      <p:sp>
-        <p:nvSpPr>
-          <p:cNvPr id="5" name="Espace réservé du numéro de diapositive 4"/>
-          <p:cNvSpPr>
-            <a:spLocks noGrp="1"/>
-          </p:cNvSpPr>
-          <p:nvPr>
-            <p:ph type="sldNum" sz="quarter" idx="18"/>
-          </p:nvPr>
-        </p:nvSpPr>
-        <p:spPr/>
-        <p:txBody>
-          <a:bodyPr/>
-          <a:lstStyle/>
-          <a:p>
-            <a:fld id="{1B28DAD0-2E7F-0B49-858C-0AF98DF16341}" type="slidenum">
-              <a:rPr lang="en-US" smtClean="0"/>
-              <a:pPr/>
-              <a:t>7</a:t>
-            </a:fld>
-            <a:endParaRPr lang="en-US"/>
-          </a:p>
-        </p:txBody>
-      </p:sp>
-      <p:pic>
-        <p:nvPicPr>
-          <p:cNvPr id="10" name="Image 9"/>
-          <p:cNvPicPr>
-            <a:picLocks noChangeAspect="1"/>
-          </p:cNvPicPr>
-          <p:nvPr/>
-        </p:nvPicPr>
-        <p:blipFill>
-          <a:blip r:embed="rId2">
-            <a:extLst>
-              <a:ext uri="{28A0092B-C50C-407E-A947-70E740481C1C}">
-                <a14:useLocalDpi xmlns:a14="http://schemas.microsoft.com/office/drawing/2010/main" val="0"/>
-              </a:ext>
-            </a:extLst>
-          </a:blip>
-          <a:stretch>
-            <a:fillRect/>
-          </a:stretch>
-        </p:blipFill>
-        <p:spPr>
-          <a:xfrm>
-            <a:off x="33874" y="764704"/>
-            <a:ext cx="8934218" cy="6316095"/>
-          </a:xfrm>
-          <a:prstGeom prst="rect">
-            <a:avLst/>
-          </a:prstGeom>
-        </p:spPr>
-      </p:pic>
-    </p:spTree>
-    <p:extLst>
-      <p:ext uri="{BB962C8B-B14F-4D97-AF65-F5344CB8AC3E}">
-        <p14:creationId xmlns:p14="http://schemas.microsoft.com/office/powerpoint/2010/main" val="3241907549"/>
-      </p:ext>
-    </p:extLst>
-  </p:cSld>
-  <p:clrMapOvr>
-    <a:masterClrMapping/>
-  </p:clrMapOvr>
-  <p:timing>
-    <p:tnLst>
-      <p:par>
-        <p:cTn id="1" dur="indefinite" restart="never" nodeType="tmRoot"/>
-      </p:par>
-    </p:tnLst>
-  </p:timing>
-</p:sld>
-</file>
-
-<file path=ppt/slides/slide8.xml><?xml version="1.0" encoding="utf-8"?>
-<p:sld xmlns:a="http://schemas.openxmlformats.org/drawingml/2006/main" xmlns:r="http://schemas.openxmlformats.org/officeDocument/2006/relationships" xmlns:p="http://schemas.openxmlformats.org/presentationml/2006/main">
-  <p:cSld>
-    <p:spTree>
-      <p:nvGrpSpPr>
-        <p:cNvPr id="1" name=""/>
-        <p:cNvGrpSpPr/>
-        <p:nvPr/>
-      </p:nvGrpSpPr>
-      <p:grpSpPr>
-        <a:xfrm>
-          <a:off x="0" y="0"/>
-          <a:ext cx="0" cy="0"/>
-          <a:chOff x="0" y="0"/>
-          <a:chExt cx="0" cy="0"/>
-        </a:xfrm>
-      </p:grpSpPr>
-      <p:sp>
-        <p:nvSpPr>
-          <p:cNvPr id="2" name="Espace réservé du texte 1"/>
-          <p:cNvSpPr>
-            <a:spLocks noGrp="1"/>
-          </p:cNvSpPr>
-          <p:nvPr>
-            <p:ph type="body" sz="quarter" idx="13"/>
-          </p:nvPr>
-        </p:nvSpPr>
-        <p:spPr/>
-        <p:txBody>
-          <a:bodyPr/>
-          <a:lstStyle/>
-          <a:p>
-            <a:r>
-              <a:rPr lang="fr-CH" sz="3200" dirty="0"/>
-              <a:t>G</a:t>
-            </a:r>
-            <a:r>
-              <a:rPr lang="fr-CH" sz="3200" dirty="0" smtClean="0"/>
-              <a:t>éodésie</a:t>
-            </a:r>
-            <a:endParaRPr lang="fr-CH" sz="3200" dirty="0"/>
-          </a:p>
-        </p:txBody>
-      </p:sp>
-      <p:sp>
-        <p:nvSpPr>
-          <p:cNvPr id="3" name="Espace réservé du texte 2"/>
-          <p:cNvSpPr>
-            <a:spLocks noGrp="1"/>
-          </p:cNvSpPr>
-          <p:nvPr>
-            <p:ph type="body" sz="quarter" idx="14"/>
-          </p:nvPr>
-        </p:nvSpPr>
-        <p:spPr/>
-        <p:txBody>
-          <a:bodyPr/>
-          <a:lstStyle/>
-          <a:p>
-            <a:r>
-              <a:rPr lang="fr-CH" dirty="0" smtClean="0"/>
-              <a:t>Déviation de la verticale</a:t>
-            </a:r>
-            <a:endParaRPr lang="fr-CH" dirty="0"/>
-          </a:p>
-        </p:txBody>
-      </p:sp>
-      <p:sp>
-        <p:nvSpPr>
-          <p:cNvPr id="5" name="Espace réservé du numéro de diapositive 4"/>
-          <p:cNvSpPr>
-            <a:spLocks noGrp="1"/>
-          </p:cNvSpPr>
-          <p:nvPr>
-            <p:ph type="sldNum" sz="quarter" idx="18"/>
-          </p:nvPr>
-        </p:nvSpPr>
-        <p:spPr/>
-        <p:txBody>
-          <a:bodyPr/>
-          <a:lstStyle/>
-          <a:p>
-            <a:fld id="{1B28DAD0-2E7F-0B49-858C-0AF98DF16341}" type="slidenum">
-              <a:rPr lang="en-US" smtClean="0"/>
-              <a:pPr/>
-              <a:t>8</a:t>
             </a:fld>
             <a:endParaRPr lang="en-US"/>
           </a:p>
@@ -5701,7 +3547,7 @@
 </p:sld>
 </file>
 
-<file path=ppt/slides/slide9.xml><?xml version="1.0" encoding="utf-8"?>
+<file path=ppt/slides/slide11.xml><?xml version="1.0" encoding="utf-8"?>
 <p:sld xmlns:a="http://schemas.openxmlformats.org/drawingml/2006/main" xmlns:r="http://schemas.openxmlformats.org/officeDocument/2006/relationships" xmlns:p="http://schemas.openxmlformats.org/presentationml/2006/main">
   <p:cSld>
     <p:spTree>
@@ -5786,7 +3632,7 @@
             <a:fld id="{1B28DAD0-2E7F-0B49-858C-0AF98DF16341}" type="slidenum">
               <a:rPr lang="en-US" smtClean="0"/>
               <a:pPr/>
-              <a:t>9</a:t>
+              <a:t>11</a:t>
             </a:fld>
             <a:endParaRPr lang="en-US"/>
           </a:p>
@@ -6058,6 +3904,4132 @@
     <p:extLst>
       <p:ext uri="{BB962C8B-B14F-4D97-AF65-F5344CB8AC3E}">
         <p14:creationId xmlns:p14="http://schemas.microsoft.com/office/powerpoint/2010/main" val="2540776652"/>
+      </p:ext>
+    </p:extLst>
+  </p:cSld>
+  <p:clrMapOvr>
+    <a:masterClrMapping/>
+  </p:clrMapOvr>
+  <p:timing>
+    <p:tnLst>
+      <p:par>
+        <p:cTn id="1" dur="indefinite" restart="never" nodeType="tmRoot"/>
+      </p:par>
+    </p:tnLst>
+  </p:timing>
+</p:sld>
+</file>
+
+<file path=ppt/slides/slide12.xml><?xml version="1.0" encoding="utf-8"?>
+<p:sld xmlns:a="http://schemas.openxmlformats.org/drawingml/2006/main" xmlns:r="http://schemas.openxmlformats.org/officeDocument/2006/relationships" xmlns:p="http://schemas.openxmlformats.org/presentationml/2006/main">
+  <p:cSld>
+    <p:spTree>
+      <p:nvGrpSpPr>
+        <p:cNvPr id="1" name=""/>
+        <p:cNvGrpSpPr/>
+        <p:nvPr/>
+      </p:nvGrpSpPr>
+      <p:grpSpPr>
+        <a:xfrm>
+          <a:off x="0" y="0"/>
+          <a:ext cx="0" cy="0"/>
+          <a:chOff x="0" y="0"/>
+          <a:chExt cx="0" cy="0"/>
+        </a:xfrm>
+      </p:grpSpPr>
+      <p:sp>
+        <p:nvSpPr>
+          <p:cNvPr id="8" name="Espace réservé du texte 7"/>
+          <p:cNvSpPr>
+            <a:spLocks noGrp="1"/>
+          </p:cNvSpPr>
+          <p:nvPr>
+            <p:ph type="body" sz="quarter" idx="21"/>
+          </p:nvPr>
+        </p:nvSpPr>
+        <p:spPr>
+          <a:xfrm>
+            <a:off x="701999" y="4365104"/>
+            <a:ext cx="7920000" cy="678145"/>
+          </a:xfrm>
+        </p:spPr>
+        <p:txBody>
+          <a:bodyPr/>
+          <a:lstStyle/>
+          <a:p>
+            <a:pPr marL="0" indent="0" algn="ctr">
+              <a:buNone/>
+            </a:pPr>
+            <a:r>
+              <a:rPr lang="fr-CH" sz="3000" dirty="0" smtClean="0"/>
+              <a:t>Des </a:t>
+            </a:r>
+            <a:r>
+              <a:rPr lang="fr-CH" sz="3000" dirty="0"/>
+              <a:t>questions?</a:t>
+            </a:r>
+          </a:p>
+        </p:txBody>
+      </p:sp>
+      <p:sp>
+        <p:nvSpPr>
+          <p:cNvPr id="9" name="Espace réservé du numéro de diapositive 8"/>
+          <p:cNvSpPr>
+            <a:spLocks noGrp="1"/>
+          </p:cNvSpPr>
+          <p:nvPr>
+            <p:ph type="sldNum" sz="quarter" idx="22"/>
+          </p:nvPr>
+        </p:nvSpPr>
+        <p:spPr/>
+        <p:txBody>
+          <a:bodyPr/>
+          <a:lstStyle/>
+          <a:p>
+            <a:fld id="{1B28DAD0-2E7F-0B49-858C-0AF98DF16341}" type="slidenum">
+              <a:rPr lang="en-US" smtClean="0"/>
+              <a:pPr/>
+              <a:t>12</a:t>
+            </a:fld>
+            <a:endParaRPr lang="en-US"/>
+          </a:p>
+        </p:txBody>
+      </p:sp>
+      <p:sp>
+        <p:nvSpPr>
+          <p:cNvPr id="10" name="Espace réservé du texte 9"/>
+          <p:cNvSpPr>
+            <a:spLocks noGrp="1"/>
+          </p:cNvSpPr>
+          <p:nvPr>
+            <p:ph type="body" sz="quarter" idx="13"/>
+          </p:nvPr>
+        </p:nvSpPr>
+        <p:spPr>
+          <a:xfrm>
+            <a:off x="701999" y="728760"/>
+            <a:ext cx="7920000" cy="540000"/>
+          </a:xfrm>
+        </p:spPr>
+        <p:txBody>
+          <a:bodyPr/>
+          <a:lstStyle/>
+          <a:p>
+            <a:pPr algn="ctr"/>
+            <a:r>
+              <a:rPr lang="fr-CH" sz="3200" dirty="0">
+                <a:solidFill>
+                  <a:schemeClr val="tx1"/>
+                </a:solidFill>
+              </a:rPr>
+              <a:t>Merci de votre attention</a:t>
+            </a:r>
+          </a:p>
+        </p:txBody>
+      </p:sp>
+    </p:spTree>
+    <p:extLst>
+      <p:ext uri="{BB962C8B-B14F-4D97-AF65-F5344CB8AC3E}">
+        <p14:creationId xmlns:p14="http://schemas.microsoft.com/office/powerpoint/2010/main" val="1049321436"/>
+      </p:ext>
+    </p:extLst>
+  </p:cSld>
+  <p:clrMapOvr>
+    <a:masterClrMapping/>
+  </p:clrMapOvr>
+  <p:timing>
+    <p:tnLst>
+      <p:par>
+        <p:cTn id="1" dur="indefinite" restart="never" nodeType="tmRoot"/>
+      </p:par>
+    </p:tnLst>
+  </p:timing>
+</p:sld>
+</file>
+
+<file path=ppt/slides/slide2.xml><?xml version="1.0" encoding="utf-8"?>
+<p:sld xmlns:a="http://schemas.openxmlformats.org/drawingml/2006/main" xmlns:r="http://schemas.openxmlformats.org/officeDocument/2006/relationships" xmlns:p="http://schemas.openxmlformats.org/presentationml/2006/main">
+  <p:cSld>
+    <p:spTree>
+      <p:nvGrpSpPr>
+        <p:cNvPr id="1" name=""/>
+        <p:cNvGrpSpPr/>
+        <p:nvPr/>
+      </p:nvGrpSpPr>
+      <p:grpSpPr>
+        <a:xfrm>
+          <a:off x="0" y="0"/>
+          <a:ext cx="0" cy="0"/>
+          <a:chOff x="0" y="0"/>
+          <a:chExt cx="0" cy="0"/>
+        </a:xfrm>
+      </p:grpSpPr>
+      <p:sp>
+        <p:nvSpPr>
+          <p:cNvPr id="2" name="Espace réservé du texte 1"/>
+          <p:cNvSpPr>
+            <a:spLocks noGrp="1"/>
+          </p:cNvSpPr>
+          <p:nvPr>
+            <p:ph type="body" sz="quarter" idx="13"/>
+          </p:nvPr>
+        </p:nvSpPr>
+        <p:spPr/>
+        <p:txBody>
+          <a:bodyPr/>
+          <a:lstStyle/>
+          <a:p>
+            <a:r>
+              <a:rPr lang="fr-CH" dirty="0" smtClean="0"/>
+              <a:t>Sommaire</a:t>
+            </a:r>
+            <a:endParaRPr lang="fr-CH" dirty="0"/>
+          </a:p>
+        </p:txBody>
+      </p:sp>
+      <p:sp>
+        <p:nvSpPr>
+          <p:cNvPr id="3" name="Espace réservé du texte 2"/>
+          <p:cNvSpPr>
+            <a:spLocks noGrp="1"/>
+          </p:cNvSpPr>
+          <p:nvPr>
+            <p:ph type="body" sz="quarter" idx="14"/>
+          </p:nvPr>
+        </p:nvSpPr>
+        <p:spPr/>
+        <p:txBody>
+          <a:bodyPr/>
+          <a:lstStyle/>
+          <a:p>
+            <a:endParaRPr lang="fr-CH"/>
+          </a:p>
+        </p:txBody>
+      </p:sp>
+      <p:sp>
+        <p:nvSpPr>
+          <p:cNvPr id="4" name="Espace réservé du texte 3"/>
+          <p:cNvSpPr>
+            <a:spLocks noGrp="1"/>
+          </p:cNvSpPr>
+          <p:nvPr>
+            <p:ph type="body" sz="quarter" idx="17"/>
+          </p:nvPr>
+        </p:nvSpPr>
+        <p:spPr/>
+        <p:txBody>
+          <a:bodyPr/>
+          <a:lstStyle/>
+          <a:p>
+            <a:pPr marL="285750" indent="-285750">
+              <a:buFont typeface="Wingdings" panose="05000000000000000000" pitchFamily="2" charset="2"/>
+              <a:buChar char="q"/>
+            </a:pPr>
+            <a:r>
+              <a:rPr lang="fr-CH" sz="2000" dirty="0" smtClean="0"/>
+              <a:t>Projet</a:t>
+            </a:r>
+          </a:p>
+          <a:p>
+            <a:pPr marL="285750" indent="-285750">
+              <a:buFont typeface="Wingdings" panose="05000000000000000000" pitchFamily="2" charset="2"/>
+              <a:buChar char="q"/>
+            </a:pPr>
+            <a:r>
+              <a:rPr lang="fr-CH" sz="2000" dirty="0" smtClean="0"/>
+              <a:t>Démonstration de notre prototype</a:t>
+            </a:r>
+          </a:p>
+          <a:p>
+            <a:pPr marL="285750" indent="-285750">
+              <a:buFont typeface="Wingdings" panose="05000000000000000000" pitchFamily="2" charset="2"/>
+              <a:buChar char="q"/>
+            </a:pPr>
+            <a:r>
+              <a:rPr lang="fr-CH" sz="2000" dirty="0" smtClean="0"/>
+              <a:t>Géodésie</a:t>
+            </a:r>
+          </a:p>
+          <a:p>
+            <a:pPr marL="285750" indent="-285750">
+              <a:buFont typeface="Wingdings" panose="05000000000000000000" pitchFamily="2" charset="2"/>
+              <a:buChar char="q"/>
+            </a:pPr>
+            <a:r>
+              <a:rPr lang="fr-CH" sz="2000" dirty="0" smtClean="0"/>
+              <a:t>Conclusion</a:t>
+            </a:r>
+            <a:endParaRPr lang="fr-CH" sz="2000" dirty="0"/>
+          </a:p>
+          <a:p>
+            <a:endParaRPr lang="fr-CH" dirty="0"/>
+          </a:p>
+        </p:txBody>
+      </p:sp>
+      <p:sp>
+        <p:nvSpPr>
+          <p:cNvPr id="5" name="Espace réservé du numéro de diapositive 4"/>
+          <p:cNvSpPr>
+            <a:spLocks noGrp="1"/>
+          </p:cNvSpPr>
+          <p:nvPr>
+            <p:ph type="sldNum" sz="quarter" idx="18"/>
+          </p:nvPr>
+        </p:nvSpPr>
+        <p:spPr/>
+        <p:txBody>
+          <a:bodyPr/>
+          <a:lstStyle/>
+          <a:p>
+            <a:fld id="{1B28DAD0-2E7F-0B49-858C-0AF98DF16341}" type="slidenum">
+              <a:rPr lang="en-US" smtClean="0"/>
+              <a:pPr/>
+              <a:t>2</a:t>
+            </a:fld>
+            <a:endParaRPr lang="en-US"/>
+          </a:p>
+        </p:txBody>
+      </p:sp>
+    </p:spTree>
+    <p:extLst>
+      <p:ext uri="{BB962C8B-B14F-4D97-AF65-F5344CB8AC3E}">
+        <p14:creationId xmlns:p14="http://schemas.microsoft.com/office/powerpoint/2010/main" val="478812426"/>
+      </p:ext>
+    </p:extLst>
+  </p:cSld>
+  <p:clrMapOvr>
+    <a:masterClrMapping/>
+  </p:clrMapOvr>
+  <p:timing>
+    <p:tnLst>
+      <p:par>
+        <p:cTn id="1" dur="indefinite" restart="never" nodeType="tmRoot"/>
+      </p:par>
+    </p:tnLst>
+  </p:timing>
+</p:sld>
+</file>
+
+<file path=ppt/slides/slide3.xml><?xml version="1.0" encoding="utf-8"?>
+<p:sld xmlns:a="http://schemas.openxmlformats.org/drawingml/2006/main" xmlns:r="http://schemas.openxmlformats.org/officeDocument/2006/relationships" xmlns:p="http://schemas.openxmlformats.org/presentationml/2006/main">
+  <p:cSld>
+    <p:spTree>
+      <p:nvGrpSpPr>
+        <p:cNvPr id="1" name=""/>
+        <p:cNvGrpSpPr/>
+        <p:nvPr/>
+      </p:nvGrpSpPr>
+      <p:grpSpPr>
+        <a:xfrm>
+          <a:off x="0" y="0"/>
+          <a:ext cx="0" cy="0"/>
+          <a:chOff x="0" y="0"/>
+          <a:chExt cx="0" cy="0"/>
+        </a:xfrm>
+      </p:grpSpPr>
+      <p:sp>
+        <p:nvSpPr>
+          <p:cNvPr id="8" name="Text Placeholder 7"/>
+          <p:cNvSpPr>
+            <a:spLocks noGrp="1"/>
+          </p:cNvSpPr>
+          <p:nvPr>
+            <p:ph type="body" sz="quarter" idx="13"/>
+          </p:nvPr>
+        </p:nvSpPr>
+        <p:spPr/>
+        <p:txBody>
+          <a:bodyPr/>
+          <a:lstStyle/>
+          <a:p>
+            <a:r>
+              <a:rPr lang="fr-CH" dirty="0" smtClean="0"/>
+              <a:t>Projet</a:t>
+            </a:r>
+            <a:endParaRPr lang="fr-CH" dirty="0"/>
+          </a:p>
+        </p:txBody>
+      </p:sp>
+      <p:sp>
+        <p:nvSpPr>
+          <p:cNvPr id="10" name="Text Placeholder 9"/>
+          <p:cNvSpPr>
+            <a:spLocks noGrp="1"/>
+          </p:cNvSpPr>
+          <p:nvPr>
+            <p:ph type="body" sz="quarter" idx="17"/>
+          </p:nvPr>
+        </p:nvSpPr>
+        <p:spPr/>
+        <p:txBody>
+          <a:bodyPr/>
+          <a:lstStyle/>
+          <a:p>
+            <a:pPr marL="342900" indent="-342900">
+              <a:buSzPct val="70000"/>
+              <a:buFont typeface="Wingdings" panose="05000000000000000000" pitchFamily="2" charset="2"/>
+              <a:buChar char="q"/>
+            </a:pPr>
+            <a:r>
+              <a:rPr lang="fr-CH" sz="2000" dirty="0" smtClean="0"/>
+              <a:t>Développement d’un outils en ligne de transformation de coordonnées géodésiques Franco - Suisse</a:t>
+            </a:r>
+          </a:p>
+          <a:p>
+            <a:pPr marL="342900" indent="-342900">
+              <a:buSzPct val="70000"/>
+              <a:buFont typeface="Wingdings" panose="05000000000000000000" pitchFamily="2" charset="2"/>
+              <a:buChar char="q"/>
+            </a:pPr>
+            <a:r>
+              <a:rPr lang="fr-CH" sz="2000" dirty="0" smtClean="0"/>
+              <a:t>Collaboration entre ENSG et HEIG-VD</a:t>
+            </a:r>
+          </a:p>
+          <a:p>
+            <a:pPr marL="342900" indent="-342900">
+              <a:buSzPct val="70000"/>
+              <a:buFont typeface="Wingdings" panose="05000000000000000000" pitchFamily="2" charset="2"/>
+              <a:buChar char="q"/>
+            </a:pPr>
+            <a:r>
+              <a:rPr lang="fr-CH" sz="2000" dirty="0" smtClean="0"/>
+              <a:t>SIG</a:t>
+            </a:r>
+          </a:p>
+          <a:p>
+            <a:pPr marL="342900" indent="-342900">
+              <a:buSzPct val="70000"/>
+              <a:buFont typeface="Wingdings" panose="05000000000000000000" pitchFamily="2" charset="2"/>
+              <a:buChar char="q"/>
+            </a:pPr>
+            <a:r>
+              <a:rPr lang="fr-CH" sz="2000" dirty="0" smtClean="0"/>
+              <a:t>Géodésie</a:t>
+            </a:r>
+          </a:p>
+          <a:p>
+            <a:pPr>
+              <a:buSzPct val="70000"/>
+            </a:pPr>
+            <a:endParaRPr lang="fr-CH" sz="2000" dirty="0"/>
+          </a:p>
+        </p:txBody>
+      </p:sp>
+      <p:sp>
+        <p:nvSpPr>
+          <p:cNvPr id="2" name="Espace réservé du numéro de diapositive 1"/>
+          <p:cNvSpPr>
+            <a:spLocks noGrp="1"/>
+          </p:cNvSpPr>
+          <p:nvPr>
+            <p:ph type="sldNum" sz="quarter" idx="18"/>
+          </p:nvPr>
+        </p:nvSpPr>
+        <p:spPr/>
+        <p:txBody>
+          <a:bodyPr/>
+          <a:lstStyle/>
+          <a:p>
+            <a:fld id="{1B28DAD0-2E7F-0B49-858C-0AF98DF16341}" type="slidenum">
+              <a:rPr lang="en-US" smtClean="0"/>
+              <a:pPr/>
+              <a:t>3</a:t>
+            </a:fld>
+            <a:endParaRPr lang="en-US"/>
+          </a:p>
+        </p:txBody>
+      </p:sp>
+      <p:sp>
+        <p:nvSpPr>
+          <p:cNvPr id="4" name="Espace réservé du texte 3">
+            <a:extLst>
+              <a:ext uri="{FF2B5EF4-FFF2-40B4-BE49-F238E27FC236}">
+                <a16:creationId xmlns:a16="http://schemas.microsoft.com/office/drawing/2014/main" id="{3C98D178-AF2C-4F51-B210-CE7C0013A3C3}"/>
+              </a:ext>
+            </a:extLst>
+          </p:cNvPr>
+          <p:cNvSpPr>
+            <a:spLocks noGrp="1"/>
+          </p:cNvSpPr>
+          <p:nvPr>
+            <p:ph type="body" sz="quarter" idx="14"/>
+          </p:nvPr>
+        </p:nvSpPr>
+        <p:spPr/>
+        <p:txBody>
+          <a:bodyPr/>
+          <a:lstStyle/>
+          <a:p>
+            <a:endParaRPr lang="fr-CH" dirty="0"/>
+          </a:p>
+        </p:txBody>
+      </p:sp>
+      <p:pic>
+        <p:nvPicPr>
+          <p:cNvPr id="6" name="Image 5"/>
+          <p:cNvPicPr>
+            <a:picLocks noChangeAspect="1"/>
+          </p:cNvPicPr>
+          <p:nvPr/>
+        </p:nvPicPr>
+        <p:blipFill>
+          <a:blip r:embed="rId3">
+            <a:extLst>
+              <a:ext uri="{28A0092B-C50C-407E-A947-70E740481C1C}">
+                <a14:useLocalDpi xmlns:a14="http://schemas.microsoft.com/office/drawing/2010/main" val="0"/>
+              </a:ext>
+            </a:extLst>
+          </a:blip>
+          <a:stretch>
+            <a:fillRect/>
+          </a:stretch>
+        </p:blipFill>
+        <p:spPr>
+          <a:xfrm>
+            <a:off x="4067944" y="3115989"/>
+            <a:ext cx="3316964" cy="2160240"/>
+          </a:xfrm>
+          <a:prstGeom prst="rect">
+            <a:avLst/>
+          </a:prstGeom>
+        </p:spPr>
+      </p:pic>
+    </p:spTree>
+  </p:cSld>
+  <p:clrMapOvr>
+    <a:masterClrMapping/>
+  </p:clrMapOvr>
+  <p:timing>
+    <p:tnLst>
+      <p:par>
+        <p:cTn id="1" dur="indefinite" restart="never" nodeType="tmRoot"/>
+      </p:par>
+    </p:tnLst>
+  </p:timing>
+</p:sld>
+</file>
+
+<file path=ppt/slides/slide4.xml><?xml version="1.0" encoding="utf-8"?>
+<p:sld xmlns:a="http://schemas.openxmlformats.org/drawingml/2006/main" xmlns:r="http://schemas.openxmlformats.org/officeDocument/2006/relationships" xmlns:p="http://schemas.openxmlformats.org/presentationml/2006/main">
+  <p:cSld>
+    <p:spTree>
+      <p:nvGrpSpPr>
+        <p:cNvPr id="1" name=""/>
+        <p:cNvGrpSpPr/>
+        <p:nvPr/>
+      </p:nvGrpSpPr>
+      <p:grpSpPr>
+        <a:xfrm>
+          <a:off x="0" y="0"/>
+          <a:ext cx="0" cy="0"/>
+          <a:chOff x="0" y="0"/>
+          <a:chExt cx="0" cy="0"/>
+        </a:xfrm>
+      </p:grpSpPr>
+      <p:sp>
+        <p:nvSpPr>
+          <p:cNvPr id="8" name="Text Placeholder 7"/>
+          <p:cNvSpPr>
+            <a:spLocks noGrp="1"/>
+          </p:cNvSpPr>
+          <p:nvPr>
+            <p:ph type="body" sz="quarter" idx="13"/>
+          </p:nvPr>
+        </p:nvSpPr>
+        <p:spPr/>
+        <p:txBody>
+          <a:bodyPr/>
+          <a:lstStyle/>
+          <a:p>
+            <a:pPr marL="0" indent="0"/>
+            <a:r>
+              <a:rPr lang="fr-CH" sz="3200" dirty="0"/>
+              <a:t>Démonstration de notre prototype</a:t>
+            </a:r>
+          </a:p>
+        </p:txBody>
+      </p:sp>
+      <p:sp>
+        <p:nvSpPr>
+          <p:cNvPr id="10" name="Text Placeholder 9"/>
+          <p:cNvSpPr>
+            <a:spLocks noGrp="1"/>
+          </p:cNvSpPr>
+          <p:nvPr>
+            <p:ph type="body" sz="quarter" idx="17"/>
+          </p:nvPr>
+        </p:nvSpPr>
+        <p:spPr/>
+        <p:txBody>
+          <a:bodyPr/>
+          <a:lstStyle/>
+          <a:p>
+            <a:pPr marL="342900" indent="-342900">
+              <a:buSzPct val="75000"/>
+              <a:buFont typeface="Wingdings" panose="05000000000000000000" pitchFamily="2" charset="2"/>
+              <a:buChar char="q"/>
+            </a:pPr>
+            <a:r>
+              <a:rPr lang="fr-CH" sz="2000" dirty="0" smtClean="0">
+                <a:hlinkClick r:id="rId3" action="ppaction://hlinkpres?slideindex=1&amp;slidetitle="/>
+              </a:rPr>
+              <a:t>Notre maquette</a:t>
+            </a:r>
+            <a:endParaRPr lang="fr-CH" sz="2000" dirty="0" smtClean="0"/>
+          </a:p>
+          <a:p>
+            <a:pPr marL="342900" indent="-342900">
+              <a:buSzPct val="75000"/>
+              <a:buFont typeface="Wingdings" panose="05000000000000000000" pitchFamily="2" charset="2"/>
+              <a:buChar char="q"/>
+            </a:pPr>
+            <a:endParaRPr lang="fr-CH" sz="2000" dirty="0"/>
+          </a:p>
+          <a:p>
+            <a:pPr marL="342900" indent="-342900">
+              <a:buSzPct val="75000"/>
+              <a:buFont typeface="Wingdings" panose="05000000000000000000" pitchFamily="2" charset="2"/>
+              <a:buChar char="q"/>
+            </a:pPr>
+            <a:endParaRPr lang="fr-CH" sz="2000" dirty="0" smtClean="0"/>
+          </a:p>
+          <a:p>
+            <a:pPr marL="342900" indent="-342900">
+              <a:buSzPct val="75000"/>
+              <a:buFont typeface="Wingdings" panose="05000000000000000000" pitchFamily="2" charset="2"/>
+              <a:buChar char="q"/>
+            </a:pPr>
+            <a:endParaRPr lang="fr-CH" sz="2000" dirty="0"/>
+          </a:p>
+          <a:p>
+            <a:pPr marL="342900" indent="-342900">
+              <a:buSzPct val="75000"/>
+              <a:buFont typeface="Wingdings" panose="05000000000000000000" pitchFamily="2" charset="2"/>
+              <a:buChar char="q"/>
+            </a:pPr>
+            <a:r>
+              <a:rPr lang="fr-CH" sz="2000" dirty="0" smtClean="0">
+                <a:hlinkClick r:id="rId4"/>
+              </a:rPr>
+              <a:t>Notre site internet actuel</a:t>
+            </a:r>
+            <a:endParaRPr lang="fr-CH" sz="2000" dirty="0" smtClean="0"/>
+          </a:p>
+        </p:txBody>
+      </p:sp>
+      <p:sp>
+        <p:nvSpPr>
+          <p:cNvPr id="2" name="Espace réservé du numéro de diapositive 1"/>
+          <p:cNvSpPr>
+            <a:spLocks noGrp="1"/>
+          </p:cNvSpPr>
+          <p:nvPr>
+            <p:ph type="sldNum" sz="quarter" idx="18"/>
+          </p:nvPr>
+        </p:nvSpPr>
+        <p:spPr/>
+        <p:txBody>
+          <a:bodyPr/>
+          <a:lstStyle/>
+          <a:p>
+            <a:fld id="{1B28DAD0-2E7F-0B49-858C-0AF98DF16341}" type="slidenum">
+              <a:rPr lang="en-US" smtClean="0"/>
+              <a:pPr/>
+              <a:t>4</a:t>
+            </a:fld>
+            <a:endParaRPr lang="en-US"/>
+          </a:p>
+        </p:txBody>
+      </p:sp>
+      <p:sp>
+        <p:nvSpPr>
+          <p:cNvPr id="4" name="Espace réservé du texte 3">
+            <a:extLst>
+              <a:ext uri="{FF2B5EF4-FFF2-40B4-BE49-F238E27FC236}">
+                <a16:creationId xmlns:a16="http://schemas.microsoft.com/office/drawing/2014/main" id="{3C98D178-AF2C-4F51-B210-CE7C0013A3C3}"/>
+              </a:ext>
+            </a:extLst>
+          </p:cNvPr>
+          <p:cNvSpPr>
+            <a:spLocks noGrp="1"/>
+          </p:cNvSpPr>
+          <p:nvPr>
+            <p:ph type="body" sz="quarter" idx="14"/>
+          </p:nvPr>
+        </p:nvSpPr>
+        <p:spPr/>
+        <p:txBody>
+          <a:bodyPr/>
+          <a:lstStyle/>
+          <a:p>
+            <a:endParaRPr lang="fr-CH" dirty="0"/>
+          </a:p>
+        </p:txBody>
+      </p:sp>
+    </p:spTree>
+    <p:extLst>
+      <p:ext uri="{BB962C8B-B14F-4D97-AF65-F5344CB8AC3E}">
+        <p14:creationId xmlns:p14="http://schemas.microsoft.com/office/powerpoint/2010/main" val="802121502"/>
+      </p:ext>
+    </p:extLst>
+  </p:cSld>
+  <p:clrMapOvr>
+    <a:masterClrMapping/>
+  </p:clrMapOvr>
+  <p:timing>
+    <p:tnLst>
+      <p:par>
+        <p:cTn id="1" dur="indefinite" restart="never" nodeType="tmRoot"/>
+      </p:par>
+    </p:tnLst>
+  </p:timing>
+</p:sld>
+</file>
+
+<file path=ppt/slides/slide5.xml><?xml version="1.0" encoding="utf-8"?>
+<p:sld xmlns:a="http://schemas.openxmlformats.org/drawingml/2006/main" xmlns:r="http://schemas.openxmlformats.org/officeDocument/2006/relationships" xmlns:p="http://schemas.openxmlformats.org/presentationml/2006/main">
+  <p:cSld>
+    <p:spTree>
+      <p:nvGrpSpPr>
+        <p:cNvPr id="1" name=""/>
+        <p:cNvGrpSpPr/>
+        <p:nvPr/>
+      </p:nvGrpSpPr>
+      <p:grpSpPr>
+        <a:xfrm>
+          <a:off x="0" y="0"/>
+          <a:ext cx="0" cy="0"/>
+          <a:chOff x="0" y="0"/>
+          <a:chExt cx="0" cy="0"/>
+        </a:xfrm>
+      </p:grpSpPr>
+      <p:sp>
+        <p:nvSpPr>
+          <p:cNvPr id="2" name="Espace réservé du texte 1"/>
+          <p:cNvSpPr>
+            <a:spLocks noGrp="1"/>
+          </p:cNvSpPr>
+          <p:nvPr>
+            <p:ph type="body" sz="quarter" idx="13"/>
+          </p:nvPr>
+        </p:nvSpPr>
+        <p:spPr/>
+        <p:txBody>
+          <a:bodyPr/>
+          <a:lstStyle/>
+          <a:p>
+            <a:r>
+              <a:rPr lang="fr-CH" sz="3200" dirty="0"/>
+              <a:t>G</a:t>
+            </a:r>
+            <a:r>
+              <a:rPr lang="fr-CH" sz="3200" dirty="0" smtClean="0"/>
+              <a:t>éodésie</a:t>
+            </a:r>
+            <a:endParaRPr lang="fr-CH" sz="3200" dirty="0"/>
+          </a:p>
+        </p:txBody>
+      </p:sp>
+      <p:sp>
+        <p:nvSpPr>
+          <p:cNvPr id="3" name="Espace réservé du texte 2"/>
+          <p:cNvSpPr>
+            <a:spLocks noGrp="1"/>
+          </p:cNvSpPr>
+          <p:nvPr>
+            <p:ph type="body" sz="quarter" idx="14"/>
+          </p:nvPr>
+        </p:nvSpPr>
+        <p:spPr/>
+        <p:txBody>
+          <a:bodyPr/>
+          <a:lstStyle/>
+          <a:p>
+            <a:endParaRPr lang="fr-CH"/>
+          </a:p>
+        </p:txBody>
+      </p:sp>
+      <p:sp>
+        <p:nvSpPr>
+          <p:cNvPr id="4" name="Espace réservé du texte 3"/>
+          <p:cNvSpPr>
+            <a:spLocks noGrp="1"/>
+          </p:cNvSpPr>
+          <p:nvPr>
+            <p:ph type="body" sz="quarter" idx="17"/>
+          </p:nvPr>
+        </p:nvSpPr>
+        <p:spPr>
+          <a:xfrm>
+            <a:off x="702000" y="1844675"/>
+            <a:ext cx="7920000" cy="504206"/>
+          </a:xfrm>
+        </p:spPr>
+        <p:txBody>
+          <a:bodyPr/>
+          <a:lstStyle/>
+          <a:p>
+            <a:pPr marL="285750" indent="-285750">
+              <a:buFont typeface="Wingdings" panose="05000000000000000000" pitchFamily="2" charset="2"/>
+              <a:buChar char="q"/>
+            </a:pPr>
+            <a:r>
+              <a:rPr lang="fr-CH" dirty="0" smtClean="0"/>
+              <a:t>Transformation Suisse</a:t>
+            </a:r>
+          </a:p>
+        </p:txBody>
+      </p:sp>
+      <p:sp>
+        <p:nvSpPr>
+          <p:cNvPr id="5" name="Espace réservé du numéro de diapositive 4"/>
+          <p:cNvSpPr>
+            <a:spLocks noGrp="1"/>
+          </p:cNvSpPr>
+          <p:nvPr>
+            <p:ph type="sldNum" sz="quarter" idx="18"/>
+          </p:nvPr>
+        </p:nvSpPr>
+        <p:spPr/>
+        <p:txBody>
+          <a:bodyPr/>
+          <a:lstStyle/>
+          <a:p>
+            <a:fld id="{1B28DAD0-2E7F-0B49-858C-0AF98DF16341}" type="slidenum">
+              <a:rPr lang="en-US" smtClean="0"/>
+              <a:pPr/>
+              <a:t>5</a:t>
+            </a:fld>
+            <a:endParaRPr lang="en-US"/>
+          </a:p>
+        </p:txBody>
+      </p:sp>
+      <p:sp>
+        <p:nvSpPr>
+          <p:cNvPr id="6" name="Espace réservé du texte 3"/>
+          <p:cNvSpPr txBox="1">
+            <a:spLocks/>
+          </p:cNvSpPr>
+          <p:nvPr/>
+        </p:nvSpPr>
+        <p:spPr>
+          <a:xfrm>
+            <a:off x="702000" y="2473228"/>
+            <a:ext cx="7920000" cy="504206"/>
+          </a:xfrm>
+          <a:prstGeom prst="rect">
+            <a:avLst/>
+          </a:prstGeom>
+        </p:spPr>
+        <p:txBody>
+          <a:bodyPr lIns="0" tIns="0" rIns="0" bIns="0"/>
+          <a:lstStyle>
+            <a:lvl1pPr marL="0" indent="0" algn="l" defTabSz="457200" rtl="0" eaLnBrk="1" latinLnBrk="0" hangingPunct="1">
+              <a:spcBef>
+                <a:spcPct val="20000"/>
+              </a:spcBef>
+              <a:buFont typeface="Arial"/>
+              <a:buNone/>
+              <a:defRPr sz="1800" kern="1200">
+                <a:solidFill>
+                  <a:schemeClr val="tx1"/>
+                </a:solidFill>
+                <a:latin typeface="+mn-lt"/>
+                <a:ea typeface="+mn-ea"/>
+                <a:cs typeface="+mn-cs"/>
+              </a:defRPr>
+            </a:lvl1pPr>
+            <a:lvl2pPr marL="742950" indent="-285750" algn="l" defTabSz="457200" rtl="0" eaLnBrk="1" latinLnBrk="0" hangingPunct="1">
+              <a:spcBef>
+                <a:spcPct val="20000"/>
+              </a:spcBef>
+              <a:buFont typeface="Arial"/>
+              <a:buChar char="–"/>
+              <a:defRPr sz="1800" kern="1200">
+                <a:solidFill>
+                  <a:schemeClr val="tx1"/>
+                </a:solidFill>
+                <a:latin typeface="+mn-lt"/>
+                <a:ea typeface="+mn-ea"/>
+                <a:cs typeface="+mn-cs"/>
+              </a:defRPr>
+            </a:lvl2pPr>
+            <a:lvl3pPr marL="1143000" indent="-228600" algn="l" defTabSz="457200" rtl="0" eaLnBrk="1" latinLnBrk="0" hangingPunct="1">
+              <a:spcBef>
+                <a:spcPct val="20000"/>
+              </a:spcBef>
+              <a:buFont typeface="Arial"/>
+              <a:buChar char="•"/>
+              <a:defRPr sz="1800" kern="1200">
+                <a:solidFill>
+                  <a:schemeClr val="tx1"/>
+                </a:solidFill>
+                <a:latin typeface="+mn-lt"/>
+                <a:ea typeface="+mn-ea"/>
+                <a:cs typeface="+mn-cs"/>
+              </a:defRPr>
+            </a:lvl3pPr>
+            <a:lvl4pPr marL="1600200" indent="-228600" algn="l" defTabSz="457200" rtl="0" eaLnBrk="1" latinLnBrk="0" hangingPunct="1">
+              <a:spcBef>
+                <a:spcPct val="20000"/>
+              </a:spcBef>
+              <a:buFont typeface="Arial"/>
+              <a:buChar char="–"/>
+              <a:defRPr sz="1800" kern="1200">
+                <a:solidFill>
+                  <a:schemeClr val="tx1"/>
+                </a:solidFill>
+                <a:latin typeface="+mn-lt"/>
+                <a:ea typeface="+mn-ea"/>
+                <a:cs typeface="+mn-cs"/>
+              </a:defRPr>
+            </a:lvl4pPr>
+            <a:lvl5pPr marL="2057400" indent="-228600" algn="l" defTabSz="457200" rtl="0" eaLnBrk="1" latinLnBrk="0" hangingPunct="1">
+              <a:spcBef>
+                <a:spcPct val="20000"/>
+              </a:spcBef>
+              <a:buFont typeface="Arial"/>
+              <a:buChar char="»"/>
+              <a:defRPr sz="1800" kern="1200">
+                <a:solidFill>
+                  <a:schemeClr val="tx1"/>
+                </a:solidFill>
+                <a:latin typeface="+mn-lt"/>
+                <a:ea typeface="+mn-ea"/>
+                <a:cs typeface="+mn-cs"/>
+              </a:defRPr>
+            </a:lvl5pPr>
+            <a:lvl6pPr marL="2514600" indent="-228600" algn="l" defTabSz="457200" rtl="0" eaLnBrk="1" latinLnBrk="0" hangingPunct="1">
+              <a:spcBef>
+                <a:spcPct val="20000"/>
+              </a:spcBef>
+              <a:buFont typeface="Arial"/>
+              <a:buChar char="•"/>
+              <a:defRPr sz="2000" kern="1200">
+                <a:solidFill>
+                  <a:schemeClr val="tx1"/>
+                </a:solidFill>
+                <a:latin typeface="+mn-lt"/>
+                <a:ea typeface="+mn-ea"/>
+                <a:cs typeface="+mn-cs"/>
+              </a:defRPr>
+            </a:lvl6pPr>
+            <a:lvl7pPr marL="2971800" indent="-228600" algn="l" defTabSz="457200" rtl="0" eaLnBrk="1" latinLnBrk="0" hangingPunct="1">
+              <a:spcBef>
+                <a:spcPct val="20000"/>
+              </a:spcBef>
+              <a:buFont typeface="Arial"/>
+              <a:buChar char="•"/>
+              <a:defRPr sz="2000" kern="1200">
+                <a:solidFill>
+                  <a:schemeClr val="tx1"/>
+                </a:solidFill>
+                <a:latin typeface="+mn-lt"/>
+                <a:ea typeface="+mn-ea"/>
+                <a:cs typeface="+mn-cs"/>
+              </a:defRPr>
+            </a:lvl7pPr>
+            <a:lvl8pPr marL="3429000" indent="-228600" algn="l" defTabSz="457200" rtl="0" eaLnBrk="1" latinLnBrk="0" hangingPunct="1">
+              <a:spcBef>
+                <a:spcPct val="20000"/>
+              </a:spcBef>
+              <a:buFont typeface="Arial"/>
+              <a:buChar char="•"/>
+              <a:defRPr sz="2000" kern="1200">
+                <a:solidFill>
+                  <a:schemeClr val="tx1"/>
+                </a:solidFill>
+                <a:latin typeface="+mn-lt"/>
+                <a:ea typeface="+mn-ea"/>
+                <a:cs typeface="+mn-cs"/>
+              </a:defRPr>
+            </a:lvl8pPr>
+            <a:lvl9pPr marL="3886200" indent="-228600" algn="l" defTabSz="457200" rtl="0" eaLnBrk="1" latinLnBrk="0" hangingPunct="1">
+              <a:spcBef>
+                <a:spcPct val="20000"/>
+              </a:spcBef>
+              <a:buFont typeface="Arial"/>
+              <a:buChar char="•"/>
+              <a:defRPr sz="2000" kern="1200">
+                <a:solidFill>
+                  <a:schemeClr val="tx1"/>
+                </a:solidFill>
+                <a:latin typeface="+mn-lt"/>
+                <a:ea typeface="+mn-ea"/>
+                <a:cs typeface="+mn-cs"/>
+              </a:defRPr>
+            </a:lvl9pPr>
+          </a:lstStyle>
+          <a:p>
+            <a:pPr algn="ctr"/>
+            <a:r>
+              <a:rPr lang="fr-CH" dirty="0" smtClean="0"/>
+              <a:t>ETRS89</a:t>
+            </a:r>
+          </a:p>
+        </p:txBody>
+      </p:sp>
+      <p:pic>
+        <p:nvPicPr>
+          <p:cNvPr id="7" name="Image 6"/>
+          <p:cNvPicPr>
+            <a:picLocks noChangeAspect="1"/>
+          </p:cNvPicPr>
+          <p:nvPr/>
+        </p:nvPicPr>
+        <p:blipFill>
+          <a:blip r:embed="rId2">
+            <a:extLst>
+              <a:ext uri="{28A0092B-C50C-407E-A947-70E740481C1C}">
+                <a14:useLocalDpi xmlns:a14="http://schemas.microsoft.com/office/drawing/2010/main" val="0"/>
+              </a:ext>
+            </a:extLst>
+          </a:blip>
+          <a:stretch>
+            <a:fillRect/>
+          </a:stretch>
+        </p:blipFill>
+        <p:spPr>
+          <a:xfrm>
+            <a:off x="2555776" y="3227980"/>
+            <a:ext cx="4289014" cy="2793307"/>
+          </a:xfrm>
+          <a:prstGeom prst="rect">
+            <a:avLst/>
+          </a:prstGeom>
+        </p:spPr>
+      </p:pic>
+      <p:cxnSp>
+        <p:nvCxnSpPr>
+          <p:cNvPr id="9" name="Connecteur droit avec flèche 8"/>
+          <p:cNvCxnSpPr/>
+          <p:nvPr/>
+        </p:nvCxnSpPr>
+        <p:spPr>
+          <a:xfrm flipV="1">
+            <a:off x="3923928" y="2788431"/>
+            <a:ext cx="360040" cy="856593"/>
+          </a:xfrm>
+          <a:prstGeom prst="straightConnector1">
+            <a:avLst/>
+          </a:prstGeom>
+          <a:ln>
+            <a:solidFill>
+              <a:srgbClr val="FF0000"/>
+            </a:solidFill>
+            <a:tailEnd type="triangle"/>
+          </a:ln>
+        </p:spPr>
+        <p:style>
+          <a:lnRef idx="3">
+            <a:schemeClr val="accent2"/>
+          </a:lnRef>
+          <a:fillRef idx="0">
+            <a:schemeClr val="accent2"/>
+          </a:fillRef>
+          <a:effectRef idx="2">
+            <a:schemeClr val="accent2"/>
+          </a:effectRef>
+          <a:fontRef idx="minor">
+            <a:schemeClr val="tx1"/>
+          </a:fontRef>
+        </p:style>
+      </p:cxnSp>
+      <p:cxnSp>
+        <p:nvCxnSpPr>
+          <p:cNvPr id="10" name="Connecteur droit avec flèche 9"/>
+          <p:cNvCxnSpPr/>
+          <p:nvPr/>
+        </p:nvCxnSpPr>
+        <p:spPr>
+          <a:xfrm flipH="1" flipV="1">
+            <a:off x="5028511" y="2788431"/>
+            <a:ext cx="479593" cy="1008993"/>
+          </a:xfrm>
+          <a:prstGeom prst="straightConnector1">
+            <a:avLst/>
+          </a:prstGeom>
+          <a:ln>
+            <a:solidFill>
+              <a:srgbClr val="FF0000"/>
+            </a:solidFill>
+            <a:tailEnd type="triangle"/>
+          </a:ln>
+        </p:spPr>
+        <p:style>
+          <a:lnRef idx="3">
+            <a:schemeClr val="accent2"/>
+          </a:lnRef>
+          <a:fillRef idx="0">
+            <a:schemeClr val="accent2"/>
+          </a:fillRef>
+          <a:effectRef idx="2">
+            <a:schemeClr val="accent2"/>
+          </a:effectRef>
+          <a:fontRef idx="minor">
+            <a:schemeClr val="tx1"/>
+          </a:fontRef>
+        </p:style>
+      </p:cxnSp>
+    </p:spTree>
+    <p:extLst>
+      <p:ext uri="{BB962C8B-B14F-4D97-AF65-F5344CB8AC3E}">
+        <p14:creationId xmlns:p14="http://schemas.microsoft.com/office/powerpoint/2010/main" val="3413284562"/>
+      </p:ext>
+    </p:extLst>
+  </p:cSld>
+  <p:clrMapOvr>
+    <a:masterClrMapping/>
+  </p:clrMapOvr>
+  <p:timing>
+    <p:tnLst>
+      <p:par>
+        <p:cTn id="1" dur="indefinite" restart="never" nodeType="tmRoot"/>
+      </p:par>
+    </p:tnLst>
+  </p:timing>
+</p:sld>
+</file>
+
+<file path=ppt/slides/slide6.xml><?xml version="1.0" encoding="utf-8"?>
+<p:sld xmlns:a="http://schemas.openxmlformats.org/drawingml/2006/main" xmlns:r="http://schemas.openxmlformats.org/officeDocument/2006/relationships" xmlns:p="http://schemas.openxmlformats.org/presentationml/2006/main">
+  <p:cSld>
+    <p:spTree>
+      <p:nvGrpSpPr>
+        <p:cNvPr id="1" name=""/>
+        <p:cNvGrpSpPr/>
+        <p:nvPr/>
+      </p:nvGrpSpPr>
+      <p:grpSpPr>
+        <a:xfrm>
+          <a:off x="0" y="0"/>
+          <a:ext cx="0" cy="0"/>
+          <a:chOff x="0" y="0"/>
+          <a:chExt cx="0" cy="0"/>
+        </a:xfrm>
+      </p:grpSpPr>
+      <p:sp>
+        <p:nvSpPr>
+          <p:cNvPr id="2" name="Espace réservé du texte 1"/>
+          <p:cNvSpPr>
+            <a:spLocks noGrp="1"/>
+          </p:cNvSpPr>
+          <p:nvPr>
+            <p:ph type="body" sz="quarter" idx="13"/>
+          </p:nvPr>
+        </p:nvSpPr>
+        <p:spPr/>
+        <p:txBody>
+          <a:bodyPr/>
+          <a:lstStyle/>
+          <a:p>
+            <a:r>
+              <a:rPr lang="fr-CH" sz="3200" dirty="0"/>
+              <a:t>G</a:t>
+            </a:r>
+            <a:r>
+              <a:rPr lang="fr-CH" sz="3200" dirty="0" smtClean="0"/>
+              <a:t>éodésie</a:t>
+            </a:r>
+            <a:endParaRPr lang="fr-CH" sz="3200" dirty="0"/>
+          </a:p>
+        </p:txBody>
+      </p:sp>
+      <p:sp>
+        <p:nvSpPr>
+          <p:cNvPr id="3" name="Espace réservé du texte 2"/>
+          <p:cNvSpPr>
+            <a:spLocks noGrp="1"/>
+          </p:cNvSpPr>
+          <p:nvPr>
+            <p:ph type="body" sz="quarter" idx="14"/>
+          </p:nvPr>
+        </p:nvSpPr>
+        <p:spPr/>
+        <p:txBody>
+          <a:bodyPr/>
+          <a:lstStyle/>
+          <a:p>
+            <a:r>
+              <a:rPr lang="fr-CH" dirty="0" smtClean="0"/>
+              <a:t>Planimétrie</a:t>
+            </a:r>
+            <a:endParaRPr lang="fr-CH" dirty="0"/>
+          </a:p>
+        </p:txBody>
+      </p:sp>
+      <p:sp>
+        <p:nvSpPr>
+          <p:cNvPr id="5" name="Espace réservé du numéro de diapositive 4"/>
+          <p:cNvSpPr>
+            <a:spLocks noGrp="1"/>
+          </p:cNvSpPr>
+          <p:nvPr>
+            <p:ph type="sldNum" sz="quarter" idx="18"/>
+          </p:nvPr>
+        </p:nvSpPr>
+        <p:spPr/>
+        <p:txBody>
+          <a:bodyPr/>
+          <a:lstStyle/>
+          <a:p>
+            <a:fld id="{1B28DAD0-2E7F-0B49-858C-0AF98DF16341}" type="slidenum">
+              <a:rPr lang="en-US" smtClean="0"/>
+              <a:pPr/>
+              <a:t>6</a:t>
+            </a:fld>
+            <a:endParaRPr lang="en-US"/>
+          </a:p>
+        </p:txBody>
+      </p:sp>
+      <p:pic>
+        <p:nvPicPr>
+          <p:cNvPr id="6" name="Image 5"/>
+          <p:cNvPicPr>
+            <a:picLocks noChangeAspect="1"/>
+          </p:cNvPicPr>
+          <p:nvPr/>
+        </p:nvPicPr>
+        <p:blipFill rotWithShape="1">
+          <a:blip r:embed="rId2">
+            <a:extLst>
+              <a:ext uri="{28A0092B-C50C-407E-A947-70E740481C1C}">
+                <a14:useLocalDpi xmlns:a14="http://schemas.microsoft.com/office/drawing/2010/main" val="0"/>
+              </a:ext>
+            </a:extLst>
+          </a:blip>
+          <a:srcRect t="4392"/>
+          <a:stretch/>
+        </p:blipFill>
+        <p:spPr>
+          <a:xfrm>
+            <a:off x="179512" y="2708920"/>
+            <a:ext cx="4308146" cy="3396205"/>
+          </a:xfrm>
+          <a:prstGeom prst="rect">
+            <a:avLst/>
+          </a:prstGeom>
+        </p:spPr>
+      </p:pic>
+      <p:sp>
+        <p:nvSpPr>
+          <p:cNvPr id="7" name="ZoneTexte 6"/>
+          <p:cNvSpPr txBox="1"/>
+          <p:nvPr/>
+        </p:nvSpPr>
+        <p:spPr>
+          <a:xfrm>
+            <a:off x="1043608" y="2207240"/>
+            <a:ext cx="2736304" cy="356384"/>
+          </a:xfrm>
+          <a:prstGeom prst="rect">
+            <a:avLst/>
+          </a:prstGeom>
+          <a:ln w="19050">
+            <a:solidFill>
+              <a:schemeClr val="tx1"/>
+            </a:solidFill>
+          </a:ln>
+        </p:spPr>
+        <p:txBody>
+          <a:bodyPr wrap="square" rtlCol="0" anchor="b">
+            <a:normAutofit/>
+          </a:bodyPr>
+          <a:lstStyle/>
+          <a:p>
+            <a:pPr marL="0" marR="0" indent="0" defTabSz="457200" rtl="0" eaLnBrk="1" fontAlgn="auto" latinLnBrk="0" hangingPunct="1">
+              <a:lnSpc>
+                <a:spcPct val="100000"/>
+              </a:lnSpc>
+              <a:spcBef>
+                <a:spcPct val="0"/>
+              </a:spcBef>
+              <a:spcAft>
+                <a:spcPts val="0"/>
+              </a:spcAft>
+              <a:buClrTx/>
+              <a:buSzTx/>
+              <a:buFontTx/>
+              <a:buNone/>
+              <a:tabLst/>
+            </a:pPr>
+            <a:r>
+              <a:rPr kumimoji="0" lang="fr-CH" sz="1200" b="0" i="0" u="none" strike="noStrike" kern="1200" cap="none" spc="0" normalizeH="0" baseline="0" noProof="0" dirty="0" smtClean="0">
+                <a:ln>
+                  <a:noFill/>
+                </a:ln>
+                <a:effectLst/>
+                <a:uLnTx/>
+                <a:uFillTx/>
+                <a:latin typeface="Arial "/>
+                <a:ea typeface="+mj-ea"/>
+                <a:cs typeface="Arial "/>
+              </a:rPr>
+              <a:t>Coordonnées géographique</a:t>
+            </a:r>
+            <a:r>
+              <a:rPr kumimoji="0" lang="fr-CH" sz="1200" b="0" i="0" u="none" strike="noStrike" kern="1200" cap="none" spc="0" normalizeH="0" noProof="0" dirty="0" smtClean="0">
+                <a:ln>
+                  <a:noFill/>
+                </a:ln>
+                <a:effectLst/>
+                <a:uLnTx/>
+                <a:uFillTx/>
+                <a:latin typeface="Arial "/>
+                <a:ea typeface="+mj-ea"/>
+                <a:cs typeface="Arial "/>
+              </a:rPr>
+              <a:t> WGS84</a:t>
+            </a:r>
+            <a:endParaRPr kumimoji="0" lang="fr-CH" sz="1200" b="0" i="0" u="none" strike="noStrike" kern="1200" cap="none" spc="0" normalizeH="0" baseline="0" noProof="0" dirty="0" smtClean="0">
+              <a:ln>
+                <a:noFill/>
+              </a:ln>
+              <a:effectLst/>
+              <a:uLnTx/>
+              <a:uFillTx/>
+              <a:latin typeface="Arial "/>
+              <a:ea typeface="+mj-ea"/>
+              <a:cs typeface="Arial "/>
+            </a:endParaRPr>
+          </a:p>
+        </p:txBody>
+      </p:sp>
+      <p:cxnSp>
+        <p:nvCxnSpPr>
+          <p:cNvPr id="10" name="Connecteur droit avec flèche 9"/>
+          <p:cNvCxnSpPr>
+            <a:stCxn id="7" idx="2"/>
+          </p:cNvCxnSpPr>
+          <p:nvPr/>
+        </p:nvCxnSpPr>
+        <p:spPr>
+          <a:xfrm>
+            <a:off x="2411760" y="2563624"/>
+            <a:ext cx="0" cy="231146"/>
+          </a:xfrm>
+          <a:prstGeom prst="straightConnector1">
+            <a:avLst/>
+          </a:prstGeom>
+          <a:ln>
+            <a:headEnd type="triangle"/>
+            <a:tailEnd type="triangle"/>
+          </a:ln>
+        </p:spPr>
+        <p:style>
+          <a:lnRef idx="1">
+            <a:schemeClr val="dk1"/>
+          </a:lnRef>
+          <a:fillRef idx="0">
+            <a:schemeClr val="dk1"/>
+          </a:fillRef>
+          <a:effectRef idx="0">
+            <a:schemeClr val="dk1"/>
+          </a:effectRef>
+          <a:fontRef idx="minor">
+            <a:schemeClr val="tx1"/>
+          </a:fontRef>
+        </p:style>
+      </p:cxnSp>
+      <p:sp>
+        <p:nvSpPr>
+          <p:cNvPr id="11" name="Ellipse 10"/>
+          <p:cNvSpPr/>
+          <p:nvPr/>
+        </p:nvSpPr>
+        <p:spPr>
+          <a:xfrm>
+            <a:off x="3923928" y="2563624"/>
+            <a:ext cx="216024" cy="231146"/>
+          </a:xfrm>
+          <a:prstGeom prst="ellipse">
+            <a:avLst/>
+          </a:prstGeom>
+          <a:solidFill>
+            <a:schemeClr val="bg1"/>
+          </a:solidFill>
+          <a:ln>
+            <a:solidFill>
+              <a:schemeClr val="bg1"/>
+            </a:solidFill>
+          </a:ln>
+        </p:spPr>
+        <p:style>
+          <a:lnRef idx="1">
+            <a:schemeClr val="accent1"/>
+          </a:lnRef>
+          <a:fillRef idx="3">
+            <a:schemeClr val="accent1"/>
+          </a:fillRef>
+          <a:effectRef idx="2">
+            <a:schemeClr val="accent1"/>
+          </a:effectRef>
+          <a:fontRef idx="minor">
+            <a:schemeClr val="lt1"/>
+          </a:fontRef>
+        </p:style>
+        <p:txBody>
+          <a:bodyPr rtlCol="0" anchor="ctr"/>
+          <a:lstStyle/>
+          <a:p>
+            <a:pPr algn="ctr"/>
+            <a:r>
+              <a:rPr lang="fr-CH" dirty="0" smtClean="0">
+                <a:solidFill>
+                  <a:srgbClr val="FF0000"/>
+                </a:solidFill>
+              </a:rPr>
+              <a:t>1</a:t>
+            </a:r>
+            <a:endParaRPr lang="fr-CH" dirty="0">
+              <a:solidFill>
+                <a:srgbClr val="FF0000"/>
+              </a:solidFill>
+            </a:endParaRPr>
+          </a:p>
+        </p:txBody>
+      </p:sp>
+      <p:sp>
+        <p:nvSpPr>
+          <p:cNvPr id="12" name="Ellipse 11"/>
+          <p:cNvSpPr/>
+          <p:nvPr/>
+        </p:nvSpPr>
+        <p:spPr>
+          <a:xfrm>
+            <a:off x="3923928" y="3173224"/>
+            <a:ext cx="216024" cy="231146"/>
+          </a:xfrm>
+          <a:prstGeom prst="ellipse">
+            <a:avLst/>
+          </a:prstGeom>
+          <a:solidFill>
+            <a:schemeClr val="bg1"/>
+          </a:solidFill>
+          <a:ln>
+            <a:solidFill>
+              <a:schemeClr val="bg1"/>
+            </a:solidFill>
+          </a:ln>
+        </p:spPr>
+        <p:style>
+          <a:lnRef idx="1">
+            <a:schemeClr val="accent1"/>
+          </a:lnRef>
+          <a:fillRef idx="3">
+            <a:schemeClr val="accent1"/>
+          </a:fillRef>
+          <a:effectRef idx="2">
+            <a:schemeClr val="accent1"/>
+          </a:effectRef>
+          <a:fontRef idx="minor">
+            <a:schemeClr val="lt1"/>
+          </a:fontRef>
+        </p:style>
+        <p:txBody>
+          <a:bodyPr rtlCol="0" anchor="ctr"/>
+          <a:lstStyle/>
+          <a:p>
+            <a:pPr algn="ctr"/>
+            <a:r>
+              <a:rPr lang="fr-CH" dirty="0" smtClean="0">
+                <a:solidFill>
+                  <a:srgbClr val="FF0000"/>
+                </a:solidFill>
+              </a:rPr>
+              <a:t>2</a:t>
+            </a:r>
+            <a:endParaRPr lang="fr-CH" dirty="0">
+              <a:solidFill>
+                <a:srgbClr val="FF0000"/>
+              </a:solidFill>
+            </a:endParaRPr>
+          </a:p>
+        </p:txBody>
+      </p:sp>
+      <p:sp>
+        <p:nvSpPr>
+          <p:cNvPr id="13" name="Ellipse 12"/>
+          <p:cNvSpPr/>
+          <p:nvPr/>
+        </p:nvSpPr>
+        <p:spPr>
+          <a:xfrm>
+            <a:off x="3924325" y="3914001"/>
+            <a:ext cx="216024" cy="231146"/>
+          </a:xfrm>
+          <a:prstGeom prst="ellipse">
+            <a:avLst/>
+          </a:prstGeom>
+          <a:solidFill>
+            <a:schemeClr val="bg1"/>
+          </a:solidFill>
+          <a:ln>
+            <a:solidFill>
+              <a:schemeClr val="bg1"/>
+            </a:solidFill>
+          </a:ln>
+        </p:spPr>
+        <p:style>
+          <a:lnRef idx="1">
+            <a:schemeClr val="accent1"/>
+          </a:lnRef>
+          <a:fillRef idx="3">
+            <a:schemeClr val="accent1"/>
+          </a:fillRef>
+          <a:effectRef idx="2">
+            <a:schemeClr val="accent1"/>
+          </a:effectRef>
+          <a:fontRef idx="minor">
+            <a:schemeClr val="lt1"/>
+          </a:fontRef>
+        </p:style>
+        <p:txBody>
+          <a:bodyPr rtlCol="0" anchor="ctr"/>
+          <a:lstStyle/>
+          <a:p>
+            <a:pPr algn="ctr"/>
+            <a:r>
+              <a:rPr lang="fr-CH" dirty="0" smtClean="0">
+                <a:solidFill>
+                  <a:srgbClr val="FF0000"/>
+                </a:solidFill>
+              </a:rPr>
+              <a:t>3</a:t>
+            </a:r>
+            <a:endParaRPr lang="fr-CH" dirty="0">
+              <a:solidFill>
+                <a:srgbClr val="FF0000"/>
+              </a:solidFill>
+            </a:endParaRPr>
+          </a:p>
+        </p:txBody>
+      </p:sp>
+      <p:sp>
+        <p:nvSpPr>
+          <p:cNvPr id="16" name="Ellipse 15"/>
+          <p:cNvSpPr/>
+          <p:nvPr/>
+        </p:nvSpPr>
+        <p:spPr>
+          <a:xfrm>
+            <a:off x="3923928" y="4562945"/>
+            <a:ext cx="216024" cy="231146"/>
+          </a:xfrm>
+          <a:prstGeom prst="ellipse">
+            <a:avLst/>
+          </a:prstGeom>
+          <a:solidFill>
+            <a:schemeClr val="bg1"/>
+          </a:solidFill>
+          <a:ln>
+            <a:solidFill>
+              <a:schemeClr val="bg1"/>
+            </a:solidFill>
+          </a:ln>
+        </p:spPr>
+        <p:style>
+          <a:lnRef idx="1">
+            <a:schemeClr val="accent1"/>
+          </a:lnRef>
+          <a:fillRef idx="3">
+            <a:schemeClr val="accent1"/>
+          </a:fillRef>
+          <a:effectRef idx="2">
+            <a:schemeClr val="accent1"/>
+          </a:effectRef>
+          <a:fontRef idx="minor">
+            <a:schemeClr val="lt1"/>
+          </a:fontRef>
+        </p:style>
+        <p:txBody>
+          <a:bodyPr rtlCol="0" anchor="ctr"/>
+          <a:lstStyle/>
+          <a:p>
+            <a:pPr algn="ctr"/>
+            <a:r>
+              <a:rPr lang="fr-CH" dirty="0" smtClean="0">
+                <a:solidFill>
+                  <a:srgbClr val="FF0000"/>
+                </a:solidFill>
+              </a:rPr>
+              <a:t>4</a:t>
+            </a:r>
+            <a:endParaRPr lang="fr-CH" dirty="0">
+              <a:solidFill>
+                <a:srgbClr val="FF0000"/>
+              </a:solidFill>
+            </a:endParaRPr>
+          </a:p>
+        </p:txBody>
+      </p:sp>
+      <p:sp>
+        <p:nvSpPr>
+          <p:cNvPr id="17" name="Ellipse 16"/>
+          <p:cNvSpPr/>
+          <p:nvPr/>
+        </p:nvSpPr>
+        <p:spPr>
+          <a:xfrm>
+            <a:off x="3924325" y="5283027"/>
+            <a:ext cx="216024" cy="231146"/>
+          </a:xfrm>
+          <a:prstGeom prst="ellipse">
+            <a:avLst/>
+          </a:prstGeom>
+          <a:solidFill>
+            <a:schemeClr val="bg1"/>
+          </a:solidFill>
+          <a:ln>
+            <a:solidFill>
+              <a:schemeClr val="bg1"/>
+            </a:solidFill>
+          </a:ln>
+        </p:spPr>
+        <p:style>
+          <a:lnRef idx="1">
+            <a:schemeClr val="accent1"/>
+          </a:lnRef>
+          <a:fillRef idx="3">
+            <a:schemeClr val="accent1"/>
+          </a:fillRef>
+          <a:effectRef idx="2">
+            <a:schemeClr val="accent1"/>
+          </a:effectRef>
+          <a:fontRef idx="minor">
+            <a:schemeClr val="lt1"/>
+          </a:fontRef>
+        </p:style>
+        <p:txBody>
+          <a:bodyPr rtlCol="0" anchor="ctr"/>
+          <a:lstStyle/>
+          <a:p>
+            <a:pPr algn="ctr"/>
+            <a:r>
+              <a:rPr lang="fr-CH" dirty="0" smtClean="0">
+                <a:solidFill>
+                  <a:srgbClr val="FF0000"/>
+                </a:solidFill>
+              </a:rPr>
+              <a:t>5</a:t>
+            </a:r>
+            <a:endParaRPr lang="fr-CH" dirty="0">
+              <a:solidFill>
+                <a:srgbClr val="FF0000"/>
+              </a:solidFill>
+            </a:endParaRPr>
+          </a:p>
+        </p:txBody>
+      </p:sp>
+      <p:sp>
+        <p:nvSpPr>
+          <p:cNvPr id="18" name="Ellipse 17"/>
+          <p:cNvSpPr/>
+          <p:nvPr/>
+        </p:nvSpPr>
+        <p:spPr>
+          <a:xfrm>
+            <a:off x="4204803" y="2408161"/>
+            <a:ext cx="709726" cy="542072"/>
+          </a:xfrm>
+          <a:prstGeom prst="ellipse">
+            <a:avLst/>
+          </a:prstGeom>
+          <a:solidFill>
+            <a:schemeClr val="bg1"/>
+          </a:solidFill>
+          <a:ln>
+            <a:solidFill>
+              <a:schemeClr val="bg1"/>
+            </a:solidFill>
+          </a:ln>
+        </p:spPr>
+        <p:style>
+          <a:lnRef idx="1">
+            <a:schemeClr val="accent1"/>
+          </a:lnRef>
+          <a:fillRef idx="3">
+            <a:schemeClr val="accent1"/>
+          </a:fillRef>
+          <a:effectRef idx="2">
+            <a:schemeClr val="accent1"/>
+          </a:effectRef>
+          <a:fontRef idx="minor">
+            <a:schemeClr val="lt1"/>
+          </a:fontRef>
+        </p:style>
+        <p:txBody>
+          <a:bodyPr rtlCol="0" anchor="ctr"/>
+          <a:lstStyle/>
+          <a:p>
+            <a:pPr algn="ctr"/>
+            <a:r>
+              <a:rPr lang="fr-CH" dirty="0" smtClean="0">
+                <a:solidFill>
+                  <a:srgbClr val="FF0000"/>
+                </a:solidFill>
+              </a:rPr>
+              <a:t>10</a:t>
+            </a:r>
+            <a:endParaRPr lang="fr-CH" dirty="0">
+              <a:solidFill>
+                <a:srgbClr val="FF0000"/>
+              </a:solidFill>
+            </a:endParaRPr>
+          </a:p>
+        </p:txBody>
+      </p:sp>
+      <p:sp>
+        <p:nvSpPr>
+          <p:cNvPr id="19" name="Ellipse 18"/>
+          <p:cNvSpPr/>
+          <p:nvPr/>
+        </p:nvSpPr>
+        <p:spPr>
+          <a:xfrm>
+            <a:off x="4316273" y="3173224"/>
+            <a:ext cx="216024" cy="231146"/>
+          </a:xfrm>
+          <a:prstGeom prst="ellipse">
+            <a:avLst/>
+          </a:prstGeom>
+          <a:solidFill>
+            <a:schemeClr val="bg1"/>
+          </a:solidFill>
+          <a:ln>
+            <a:solidFill>
+              <a:schemeClr val="bg1"/>
+            </a:solidFill>
+          </a:ln>
+        </p:spPr>
+        <p:style>
+          <a:lnRef idx="1">
+            <a:schemeClr val="accent1"/>
+          </a:lnRef>
+          <a:fillRef idx="3">
+            <a:schemeClr val="accent1"/>
+          </a:fillRef>
+          <a:effectRef idx="2">
+            <a:schemeClr val="accent1"/>
+          </a:effectRef>
+          <a:fontRef idx="minor">
+            <a:schemeClr val="lt1"/>
+          </a:fontRef>
+        </p:style>
+        <p:txBody>
+          <a:bodyPr rtlCol="0" anchor="ctr"/>
+          <a:lstStyle/>
+          <a:p>
+            <a:pPr algn="ctr"/>
+            <a:r>
+              <a:rPr lang="fr-CH" dirty="0">
+                <a:solidFill>
+                  <a:srgbClr val="FF0000"/>
+                </a:solidFill>
+              </a:rPr>
+              <a:t>9</a:t>
+            </a:r>
+          </a:p>
+        </p:txBody>
+      </p:sp>
+      <p:sp>
+        <p:nvSpPr>
+          <p:cNvPr id="20" name="Ellipse 19"/>
+          <p:cNvSpPr/>
+          <p:nvPr/>
+        </p:nvSpPr>
+        <p:spPr>
+          <a:xfrm>
+            <a:off x="4316670" y="3914001"/>
+            <a:ext cx="216024" cy="231146"/>
+          </a:xfrm>
+          <a:prstGeom prst="ellipse">
+            <a:avLst/>
+          </a:prstGeom>
+          <a:solidFill>
+            <a:schemeClr val="bg1"/>
+          </a:solidFill>
+          <a:ln>
+            <a:solidFill>
+              <a:schemeClr val="bg1"/>
+            </a:solidFill>
+          </a:ln>
+        </p:spPr>
+        <p:style>
+          <a:lnRef idx="1">
+            <a:schemeClr val="accent1"/>
+          </a:lnRef>
+          <a:fillRef idx="3">
+            <a:schemeClr val="accent1"/>
+          </a:fillRef>
+          <a:effectRef idx="2">
+            <a:schemeClr val="accent1"/>
+          </a:effectRef>
+          <a:fontRef idx="minor">
+            <a:schemeClr val="lt1"/>
+          </a:fontRef>
+        </p:style>
+        <p:txBody>
+          <a:bodyPr rtlCol="0" anchor="ctr"/>
+          <a:lstStyle/>
+          <a:p>
+            <a:pPr algn="ctr"/>
+            <a:r>
+              <a:rPr lang="fr-CH" dirty="0" smtClean="0">
+                <a:solidFill>
+                  <a:srgbClr val="FF0000"/>
+                </a:solidFill>
+              </a:rPr>
+              <a:t>8</a:t>
+            </a:r>
+            <a:endParaRPr lang="fr-CH" dirty="0">
+              <a:solidFill>
+                <a:srgbClr val="FF0000"/>
+              </a:solidFill>
+            </a:endParaRPr>
+          </a:p>
+        </p:txBody>
+      </p:sp>
+      <p:sp>
+        <p:nvSpPr>
+          <p:cNvPr id="21" name="Ellipse 20"/>
+          <p:cNvSpPr/>
+          <p:nvPr/>
+        </p:nvSpPr>
+        <p:spPr>
+          <a:xfrm>
+            <a:off x="4316273" y="4562945"/>
+            <a:ext cx="216024" cy="231146"/>
+          </a:xfrm>
+          <a:prstGeom prst="ellipse">
+            <a:avLst/>
+          </a:prstGeom>
+          <a:solidFill>
+            <a:schemeClr val="bg1"/>
+          </a:solidFill>
+          <a:ln>
+            <a:solidFill>
+              <a:schemeClr val="bg1"/>
+            </a:solidFill>
+          </a:ln>
+        </p:spPr>
+        <p:style>
+          <a:lnRef idx="1">
+            <a:schemeClr val="accent1"/>
+          </a:lnRef>
+          <a:fillRef idx="3">
+            <a:schemeClr val="accent1"/>
+          </a:fillRef>
+          <a:effectRef idx="2">
+            <a:schemeClr val="accent1"/>
+          </a:effectRef>
+          <a:fontRef idx="minor">
+            <a:schemeClr val="lt1"/>
+          </a:fontRef>
+        </p:style>
+        <p:txBody>
+          <a:bodyPr rtlCol="0" anchor="ctr"/>
+          <a:lstStyle/>
+          <a:p>
+            <a:pPr algn="ctr"/>
+            <a:r>
+              <a:rPr lang="fr-CH" dirty="0" smtClean="0">
+                <a:solidFill>
+                  <a:srgbClr val="FF0000"/>
+                </a:solidFill>
+              </a:rPr>
+              <a:t>7</a:t>
+            </a:r>
+            <a:endParaRPr lang="fr-CH" dirty="0">
+              <a:solidFill>
+                <a:srgbClr val="FF0000"/>
+              </a:solidFill>
+            </a:endParaRPr>
+          </a:p>
+        </p:txBody>
+      </p:sp>
+      <p:sp>
+        <p:nvSpPr>
+          <p:cNvPr id="22" name="Ellipse 21"/>
+          <p:cNvSpPr/>
+          <p:nvPr/>
+        </p:nvSpPr>
+        <p:spPr>
+          <a:xfrm>
+            <a:off x="4316670" y="5283027"/>
+            <a:ext cx="216024" cy="231146"/>
+          </a:xfrm>
+          <a:prstGeom prst="ellipse">
+            <a:avLst/>
+          </a:prstGeom>
+          <a:solidFill>
+            <a:schemeClr val="bg1"/>
+          </a:solidFill>
+          <a:ln>
+            <a:solidFill>
+              <a:schemeClr val="bg1"/>
+            </a:solidFill>
+          </a:ln>
+        </p:spPr>
+        <p:style>
+          <a:lnRef idx="1">
+            <a:schemeClr val="accent1"/>
+          </a:lnRef>
+          <a:fillRef idx="3">
+            <a:schemeClr val="accent1"/>
+          </a:fillRef>
+          <a:effectRef idx="2">
+            <a:schemeClr val="accent1"/>
+          </a:effectRef>
+          <a:fontRef idx="minor">
+            <a:schemeClr val="lt1"/>
+          </a:fontRef>
+        </p:style>
+        <p:txBody>
+          <a:bodyPr rtlCol="0" anchor="ctr"/>
+          <a:lstStyle/>
+          <a:p>
+            <a:pPr algn="ctr"/>
+            <a:r>
+              <a:rPr lang="fr-CH" dirty="0" smtClean="0">
+                <a:solidFill>
+                  <a:srgbClr val="FF0000"/>
+                </a:solidFill>
+              </a:rPr>
+              <a:t>6</a:t>
+            </a:r>
+            <a:endParaRPr lang="fr-CH" dirty="0">
+              <a:solidFill>
+                <a:srgbClr val="FF0000"/>
+              </a:solidFill>
+            </a:endParaRPr>
+          </a:p>
+        </p:txBody>
+      </p:sp>
+      <p:sp>
+        <p:nvSpPr>
+          <p:cNvPr id="23" name="Espace réservé du texte 3"/>
+          <p:cNvSpPr>
+            <a:spLocks noGrp="1"/>
+          </p:cNvSpPr>
+          <p:nvPr>
+            <p:ph type="body" sz="quarter" idx="17"/>
+          </p:nvPr>
+        </p:nvSpPr>
+        <p:spPr>
+          <a:xfrm>
+            <a:off x="5071034" y="2382872"/>
+            <a:ext cx="3563888" cy="3454007"/>
+          </a:xfrm>
+        </p:spPr>
+        <p:txBody>
+          <a:bodyPr/>
+          <a:lstStyle/>
+          <a:p>
+            <a:pPr marL="285750" indent="-285750">
+              <a:buFont typeface="Wingdings" panose="05000000000000000000" pitchFamily="2" charset="2"/>
+              <a:buChar char="à"/>
+            </a:pPr>
+            <a:r>
+              <a:rPr lang="fr-CH" dirty="0" smtClean="0">
+                <a:sym typeface="Wingdings" panose="05000000000000000000" pitchFamily="2" charset="2"/>
+              </a:rPr>
+              <a:t>WGS84 ~ </a:t>
+            </a:r>
+            <a:r>
+              <a:rPr lang="fr-CH" dirty="0" smtClean="0"/>
+              <a:t>ETRS89 = CHTRS95</a:t>
+            </a:r>
+          </a:p>
+          <a:p>
+            <a:pPr marL="285750" indent="-285750">
+              <a:buFont typeface="Wingdings" panose="05000000000000000000" pitchFamily="2" charset="2"/>
+              <a:buChar char="à"/>
+            </a:pPr>
+            <a:endParaRPr lang="fr-CH" dirty="0"/>
+          </a:p>
+          <a:p>
+            <a:pPr marL="285750" indent="-285750">
+              <a:buFont typeface="Wingdings" panose="05000000000000000000" pitchFamily="2" charset="2"/>
+              <a:buChar char="à"/>
+            </a:pPr>
+            <a:endParaRPr lang="fr-CH" dirty="0" smtClean="0"/>
+          </a:p>
+          <a:p>
+            <a:pPr marL="285750" indent="-285750">
+              <a:buFont typeface="Wingdings" panose="05000000000000000000" pitchFamily="2" charset="2"/>
+              <a:buChar char="à"/>
+            </a:pPr>
+            <a:endParaRPr lang="fr-CH" dirty="0"/>
+          </a:p>
+          <a:p>
+            <a:pPr marL="285750" indent="-285750">
+              <a:buFont typeface="Wingdings" panose="05000000000000000000" pitchFamily="2" charset="2"/>
+              <a:buChar char="à"/>
+            </a:pPr>
+            <a:endParaRPr lang="fr-CH" dirty="0" smtClean="0"/>
+          </a:p>
+          <a:p>
+            <a:pPr marL="285750" indent="-285750">
+              <a:buFont typeface="Wingdings" panose="05000000000000000000" pitchFamily="2" charset="2"/>
+              <a:buChar char="à"/>
+            </a:pPr>
+            <a:endParaRPr lang="fr-CH" dirty="0"/>
+          </a:p>
+          <a:p>
+            <a:pPr marL="285750" indent="-285750">
+              <a:buFont typeface="Wingdings" panose="05000000000000000000" pitchFamily="2" charset="2"/>
+              <a:buChar char="à"/>
+            </a:pPr>
+            <a:endParaRPr lang="fr-CH" dirty="0" smtClean="0"/>
+          </a:p>
+          <a:p>
+            <a:pPr marL="285750" indent="-285750">
+              <a:buFont typeface="Wingdings" panose="05000000000000000000" pitchFamily="2" charset="2"/>
+              <a:buChar char="à"/>
+            </a:pPr>
+            <a:endParaRPr lang="fr-CH" dirty="0"/>
+          </a:p>
+          <a:p>
+            <a:pPr marL="285750" indent="-285750">
+              <a:buFont typeface="Wingdings" panose="05000000000000000000" pitchFamily="2" charset="2"/>
+              <a:buChar char="à"/>
+            </a:pPr>
+            <a:endParaRPr lang="fr-CH" dirty="0" smtClean="0"/>
+          </a:p>
+          <a:p>
+            <a:pPr marL="285750" indent="-285750">
+              <a:buFont typeface="Wingdings" panose="05000000000000000000" pitchFamily="2" charset="2"/>
+              <a:buChar char="à"/>
+            </a:pPr>
+            <a:r>
+              <a:rPr lang="fr-CH" dirty="0" smtClean="0"/>
+              <a:t>dll de </a:t>
+            </a:r>
+            <a:r>
+              <a:rPr lang="fr-CH" dirty="0" err="1" smtClean="0"/>
+              <a:t>Swisstopo</a:t>
+            </a:r>
+            <a:endParaRPr lang="fr-CH" dirty="0" smtClean="0"/>
+          </a:p>
+        </p:txBody>
+      </p:sp>
+    </p:spTree>
+    <p:extLst>
+      <p:ext uri="{BB962C8B-B14F-4D97-AF65-F5344CB8AC3E}">
+        <p14:creationId xmlns:p14="http://schemas.microsoft.com/office/powerpoint/2010/main" val="624836348"/>
+      </p:ext>
+    </p:extLst>
+  </p:cSld>
+  <p:clrMapOvr>
+    <a:masterClrMapping/>
+  </p:clrMapOvr>
+  <p:timing>
+    <p:tnLst>
+      <p:par>
+        <p:cTn id="1" dur="indefinite" restart="never" nodeType="tmRoot"/>
+      </p:par>
+    </p:tnLst>
+  </p:timing>
+</p:sld>
+</file>
+
+<file path=ppt/slides/slide7.xml><?xml version="1.0" encoding="utf-8"?>
+<p:sld xmlns:a="http://schemas.openxmlformats.org/drawingml/2006/main" xmlns:r="http://schemas.openxmlformats.org/officeDocument/2006/relationships" xmlns:p="http://schemas.openxmlformats.org/presentationml/2006/main">
+  <p:cSld>
+    <p:spTree>
+      <p:nvGrpSpPr>
+        <p:cNvPr id="1" name=""/>
+        <p:cNvGrpSpPr/>
+        <p:nvPr/>
+      </p:nvGrpSpPr>
+      <p:grpSpPr>
+        <a:xfrm>
+          <a:off x="0" y="0"/>
+          <a:ext cx="0" cy="0"/>
+          <a:chOff x="0" y="0"/>
+          <a:chExt cx="0" cy="0"/>
+        </a:xfrm>
+      </p:grpSpPr>
+      <p:sp>
+        <p:nvSpPr>
+          <p:cNvPr id="2" name="Espace réservé du texte 1"/>
+          <p:cNvSpPr>
+            <a:spLocks noGrp="1"/>
+          </p:cNvSpPr>
+          <p:nvPr>
+            <p:ph type="body" sz="quarter" idx="13"/>
+          </p:nvPr>
+        </p:nvSpPr>
+        <p:spPr/>
+        <p:txBody>
+          <a:bodyPr/>
+          <a:lstStyle/>
+          <a:p>
+            <a:r>
+              <a:rPr lang="fr-CH" sz="3200" dirty="0"/>
+              <a:t>G</a:t>
+            </a:r>
+            <a:r>
+              <a:rPr lang="fr-CH" sz="3200" dirty="0" smtClean="0"/>
+              <a:t>éodésie</a:t>
+            </a:r>
+            <a:endParaRPr lang="fr-CH" sz="3200" dirty="0"/>
+          </a:p>
+        </p:txBody>
+      </p:sp>
+      <p:sp>
+        <p:nvSpPr>
+          <p:cNvPr id="3" name="Espace réservé du texte 2"/>
+          <p:cNvSpPr>
+            <a:spLocks noGrp="1"/>
+          </p:cNvSpPr>
+          <p:nvPr>
+            <p:ph type="body" sz="quarter" idx="14"/>
+          </p:nvPr>
+        </p:nvSpPr>
+        <p:spPr/>
+        <p:txBody>
+          <a:bodyPr/>
+          <a:lstStyle/>
+          <a:p>
+            <a:r>
+              <a:rPr lang="fr-CH" dirty="0" smtClean="0"/>
+              <a:t>Planimétrie</a:t>
+            </a:r>
+            <a:endParaRPr lang="fr-CH" dirty="0"/>
+          </a:p>
+        </p:txBody>
+      </p:sp>
+      <p:sp>
+        <p:nvSpPr>
+          <p:cNvPr id="5" name="Espace réservé du numéro de diapositive 4"/>
+          <p:cNvSpPr>
+            <a:spLocks noGrp="1"/>
+          </p:cNvSpPr>
+          <p:nvPr>
+            <p:ph type="sldNum" sz="quarter" idx="18"/>
+          </p:nvPr>
+        </p:nvSpPr>
+        <p:spPr/>
+        <p:txBody>
+          <a:bodyPr/>
+          <a:lstStyle/>
+          <a:p>
+            <a:fld id="{1B28DAD0-2E7F-0B49-858C-0AF98DF16341}" type="slidenum">
+              <a:rPr lang="en-US" smtClean="0"/>
+              <a:pPr/>
+              <a:t>7</a:t>
+            </a:fld>
+            <a:endParaRPr lang="en-US"/>
+          </a:p>
+        </p:txBody>
+      </p:sp>
+      <p:pic>
+        <p:nvPicPr>
+          <p:cNvPr id="6" name="Image 5"/>
+          <p:cNvPicPr>
+            <a:picLocks noChangeAspect="1"/>
+          </p:cNvPicPr>
+          <p:nvPr/>
+        </p:nvPicPr>
+        <p:blipFill rotWithShape="1">
+          <a:blip r:embed="rId2">
+            <a:extLst>
+              <a:ext uri="{28A0092B-C50C-407E-A947-70E740481C1C}">
+                <a14:useLocalDpi xmlns:a14="http://schemas.microsoft.com/office/drawing/2010/main" val="0"/>
+              </a:ext>
+            </a:extLst>
+          </a:blip>
+          <a:srcRect t="4392"/>
+          <a:stretch/>
+        </p:blipFill>
+        <p:spPr>
+          <a:xfrm>
+            <a:off x="179512" y="2708920"/>
+            <a:ext cx="4308146" cy="3396205"/>
+          </a:xfrm>
+          <a:prstGeom prst="rect">
+            <a:avLst/>
+          </a:prstGeom>
+        </p:spPr>
+      </p:pic>
+      <p:sp>
+        <p:nvSpPr>
+          <p:cNvPr id="7" name="ZoneTexte 6"/>
+          <p:cNvSpPr txBox="1"/>
+          <p:nvPr/>
+        </p:nvSpPr>
+        <p:spPr>
+          <a:xfrm>
+            <a:off x="1043608" y="2207240"/>
+            <a:ext cx="2736304" cy="356384"/>
+          </a:xfrm>
+          <a:prstGeom prst="rect">
+            <a:avLst/>
+          </a:prstGeom>
+          <a:ln w="19050">
+            <a:solidFill>
+              <a:schemeClr val="tx1"/>
+            </a:solidFill>
+          </a:ln>
+        </p:spPr>
+        <p:txBody>
+          <a:bodyPr wrap="square" rtlCol="0" anchor="b">
+            <a:normAutofit/>
+          </a:bodyPr>
+          <a:lstStyle/>
+          <a:p>
+            <a:pPr marL="0" marR="0" indent="0" defTabSz="457200" rtl="0" eaLnBrk="1" fontAlgn="auto" latinLnBrk="0" hangingPunct="1">
+              <a:lnSpc>
+                <a:spcPct val="100000"/>
+              </a:lnSpc>
+              <a:spcBef>
+                <a:spcPct val="0"/>
+              </a:spcBef>
+              <a:spcAft>
+                <a:spcPts val="0"/>
+              </a:spcAft>
+              <a:buClrTx/>
+              <a:buSzTx/>
+              <a:buFontTx/>
+              <a:buNone/>
+              <a:tabLst/>
+            </a:pPr>
+            <a:r>
+              <a:rPr kumimoji="0" lang="fr-CH" sz="1200" b="0" i="0" u="none" strike="noStrike" kern="1200" cap="none" spc="0" normalizeH="0" baseline="0" noProof="0" dirty="0" smtClean="0">
+                <a:ln>
+                  <a:noFill/>
+                </a:ln>
+                <a:effectLst/>
+                <a:uLnTx/>
+                <a:uFillTx/>
+                <a:latin typeface="Arial "/>
+                <a:ea typeface="+mj-ea"/>
+                <a:cs typeface="Arial "/>
+              </a:rPr>
+              <a:t>Coordonnées géographique</a:t>
+            </a:r>
+            <a:r>
+              <a:rPr kumimoji="0" lang="fr-CH" sz="1200" b="0" i="0" u="none" strike="noStrike" kern="1200" cap="none" spc="0" normalizeH="0" noProof="0" dirty="0" smtClean="0">
+                <a:ln>
+                  <a:noFill/>
+                </a:ln>
+                <a:effectLst/>
+                <a:uLnTx/>
+                <a:uFillTx/>
+                <a:latin typeface="Arial "/>
+                <a:ea typeface="+mj-ea"/>
+                <a:cs typeface="Arial "/>
+              </a:rPr>
+              <a:t> WGS84</a:t>
+            </a:r>
+            <a:endParaRPr kumimoji="0" lang="fr-CH" sz="1200" b="0" i="0" u="none" strike="noStrike" kern="1200" cap="none" spc="0" normalizeH="0" baseline="0" noProof="0" dirty="0" smtClean="0">
+              <a:ln>
+                <a:noFill/>
+              </a:ln>
+              <a:effectLst/>
+              <a:uLnTx/>
+              <a:uFillTx/>
+              <a:latin typeface="Arial "/>
+              <a:ea typeface="+mj-ea"/>
+              <a:cs typeface="Arial "/>
+            </a:endParaRPr>
+          </a:p>
+        </p:txBody>
+      </p:sp>
+      <p:cxnSp>
+        <p:nvCxnSpPr>
+          <p:cNvPr id="10" name="Connecteur droit avec flèche 9"/>
+          <p:cNvCxnSpPr>
+            <a:stCxn id="7" idx="2"/>
+          </p:cNvCxnSpPr>
+          <p:nvPr/>
+        </p:nvCxnSpPr>
+        <p:spPr>
+          <a:xfrm>
+            <a:off x="2411760" y="2563624"/>
+            <a:ext cx="0" cy="231146"/>
+          </a:xfrm>
+          <a:prstGeom prst="straightConnector1">
+            <a:avLst/>
+          </a:prstGeom>
+          <a:ln>
+            <a:headEnd type="triangle"/>
+            <a:tailEnd type="triangle"/>
+          </a:ln>
+        </p:spPr>
+        <p:style>
+          <a:lnRef idx="1">
+            <a:schemeClr val="dk1"/>
+          </a:lnRef>
+          <a:fillRef idx="0">
+            <a:schemeClr val="dk1"/>
+          </a:fillRef>
+          <a:effectRef idx="0">
+            <a:schemeClr val="dk1"/>
+          </a:effectRef>
+          <a:fontRef idx="minor">
+            <a:schemeClr val="tx1"/>
+          </a:fontRef>
+        </p:style>
+      </p:cxnSp>
+      <p:sp>
+        <p:nvSpPr>
+          <p:cNvPr id="11" name="Ellipse 10"/>
+          <p:cNvSpPr/>
+          <p:nvPr/>
+        </p:nvSpPr>
+        <p:spPr>
+          <a:xfrm>
+            <a:off x="3923928" y="2563624"/>
+            <a:ext cx="216024" cy="231146"/>
+          </a:xfrm>
+          <a:prstGeom prst="ellipse">
+            <a:avLst/>
+          </a:prstGeom>
+          <a:solidFill>
+            <a:schemeClr val="bg1"/>
+          </a:solidFill>
+          <a:ln>
+            <a:solidFill>
+              <a:schemeClr val="bg1"/>
+            </a:solidFill>
+          </a:ln>
+        </p:spPr>
+        <p:style>
+          <a:lnRef idx="1">
+            <a:schemeClr val="accent1"/>
+          </a:lnRef>
+          <a:fillRef idx="3">
+            <a:schemeClr val="accent1"/>
+          </a:fillRef>
+          <a:effectRef idx="2">
+            <a:schemeClr val="accent1"/>
+          </a:effectRef>
+          <a:fontRef idx="minor">
+            <a:schemeClr val="lt1"/>
+          </a:fontRef>
+        </p:style>
+        <p:txBody>
+          <a:bodyPr rtlCol="0" anchor="ctr"/>
+          <a:lstStyle/>
+          <a:p>
+            <a:pPr algn="ctr"/>
+            <a:r>
+              <a:rPr lang="fr-CH" dirty="0" smtClean="0">
+                <a:solidFill>
+                  <a:srgbClr val="FF0000"/>
+                </a:solidFill>
+              </a:rPr>
+              <a:t>1</a:t>
+            </a:r>
+            <a:endParaRPr lang="fr-CH" dirty="0">
+              <a:solidFill>
+                <a:srgbClr val="FF0000"/>
+              </a:solidFill>
+            </a:endParaRPr>
+          </a:p>
+        </p:txBody>
+      </p:sp>
+      <p:sp>
+        <p:nvSpPr>
+          <p:cNvPr id="12" name="Ellipse 11"/>
+          <p:cNvSpPr/>
+          <p:nvPr/>
+        </p:nvSpPr>
+        <p:spPr>
+          <a:xfrm>
+            <a:off x="3923928" y="3173224"/>
+            <a:ext cx="216024" cy="231146"/>
+          </a:xfrm>
+          <a:prstGeom prst="ellipse">
+            <a:avLst/>
+          </a:prstGeom>
+          <a:solidFill>
+            <a:schemeClr val="bg1"/>
+          </a:solidFill>
+          <a:ln>
+            <a:solidFill>
+              <a:schemeClr val="bg1"/>
+            </a:solidFill>
+          </a:ln>
+        </p:spPr>
+        <p:style>
+          <a:lnRef idx="1">
+            <a:schemeClr val="accent1"/>
+          </a:lnRef>
+          <a:fillRef idx="3">
+            <a:schemeClr val="accent1"/>
+          </a:fillRef>
+          <a:effectRef idx="2">
+            <a:schemeClr val="accent1"/>
+          </a:effectRef>
+          <a:fontRef idx="minor">
+            <a:schemeClr val="lt1"/>
+          </a:fontRef>
+        </p:style>
+        <p:txBody>
+          <a:bodyPr rtlCol="0" anchor="ctr"/>
+          <a:lstStyle/>
+          <a:p>
+            <a:pPr algn="ctr"/>
+            <a:r>
+              <a:rPr lang="fr-CH" dirty="0" smtClean="0">
+                <a:solidFill>
+                  <a:srgbClr val="FF0000"/>
+                </a:solidFill>
+              </a:rPr>
+              <a:t>2</a:t>
+            </a:r>
+            <a:endParaRPr lang="fr-CH" dirty="0">
+              <a:solidFill>
+                <a:srgbClr val="FF0000"/>
+              </a:solidFill>
+            </a:endParaRPr>
+          </a:p>
+        </p:txBody>
+      </p:sp>
+      <p:sp>
+        <p:nvSpPr>
+          <p:cNvPr id="13" name="Ellipse 12"/>
+          <p:cNvSpPr/>
+          <p:nvPr/>
+        </p:nvSpPr>
+        <p:spPr>
+          <a:xfrm>
+            <a:off x="3924325" y="3914001"/>
+            <a:ext cx="216024" cy="231146"/>
+          </a:xfrm>
+          <a:prstGeom prst="ellipse">
+            <a:avLst/>
+          </a:prstGeom>
+          <a:solidFill>
+            <a:schemeClr val="bg1"/>
+          </a:solidFill>
+          <a:ln>
+            <a:solidFill>
+              <a:schemeClr val="bg1"/>
+            </a:solidFill>
+          </a:ln>
+        </p:spPr>
+        <p:style>
+          <a:lnRef idx="1">
+            <a:schemeClr val="accent1"/>
+          </a:lnRef>
+          <a:fillRef idx="3">
+            <a:schemeClr val="accent1"/>
+          </a:fillRef>
+          <a:effectRef idx="2">
+            <a:schemeClr val="accent1"/>
+          </a:effectRef>
+          <a:fontRef idx="minor">
+            <a:schemeClr val="lt1"/>
+          </a:fontRef>
+        </p:style>
+        <p:txBody>
+          <a:bodyPr rtlCol="0" anchor="ctr"/>
+          <a:lstStyle/>
+          <a:p>
+            <a:pPr algn="ctr"/>
+            <a:r>
+              <a:rPr lang="fr-CH" dirty="0" smtClean="0">
+                <a:solidFill>
+                  <a:srgbClr val="FF0000"/>
+                </a:solidFill>
+              </a:rPr>
+              <a:t>3</a:t>
+            </a:r>
+            <a:endParaRPr lang="fr-CH" dirty="0">
+              <a:solidFill>
+                <a:srgbClr val="FF0000"/>
+              </a:solidFill>
+            </a:endParaRPr>
+          </a:p>
+        </p:txBody>
+      </p:sp>
+      <p:sp>
+        <p:nvSpPr>
+          <p:cNvPr id="16" name="Ellipse 15"/>
+          <p:cNvSpPr/>
+          <p:nvPr/>
+        </p:nvSpPr>
+        <p:spPr>
+          <a:xfrm>
+            <a:off x="3923928" y="4562945"/>
+            <a:ext cx="216024" cy="231146"/>
+          </a:xfrm>
+          <a:prstGeom prst="ellipse">
+            <a:avLst/>
+          </a:prstGeom>
+          <a:solidFill>
+            <a:schemeClr val="bg1"/>
+          </a:solidFill>
+          <a:ln>
+            <a:solidFill>
+              <a:schemeClr val="bg1"/>
+            </a:solidFill>
+          </a:ln>
+        </p:spPr>
+        <p:style>
+          <a:lnRef idx="1">
+            <a:schemeClr val="accent1"/>
+          </a:lnRef>
+          <a:fillRef idx="3">
+            <a:schemeClr val="accent1"/>
+          </a:fillRef>
+          <a:effectRef idx="2">
+            <a:schemeClr val="accent1"/>
+          </a:effectRef>
+          <a:fontRef idx="minor">
+            <a:schemeClr val="lt1"/>
+          </a:fontRef>
+        </p:style>
+        <p:txBody>
+          <a:bodyPr rtlCol="0" anchor="ctr"/>
+          <a:lstStyle/>
+          <a:p>
+            <a:pPr algn="ctr"/>
+            <a:r>
+              <a:rPr lang="fr-CH" dirty="0" smtClean="0">
+                <a:solidFill>
+                  <a:srgbClr val="FF0000"/>
+                </a:solidFill>
+              </a:rPr>
+              <a:t>4</a:t>
+            </a:r>
+            <a:endParaRPr lang="fr-CH" dirty="0">
+              <a:solidFill>
+                <a:srgbClr val="FF0000"/>
+              </a:solidFill>
+            </a:endParaRPr>
+          </a:p>
+        </p:txBody>
+      </p:sp>
+      <p:sp>
+        <p:nvSpPr>
+          <p:cNvPr id="17" name="Ellipse 16"/>
+          <p:cNvSpPr/>
+          <p:nvPr/>
+        </p:nvSpPr>
+        <p:spPr>
+          <a:xfrm>
+            <a:off x="3924325" y="5283027"/>
+            <a:ext cx="216024" cy="231146"/>
+          </a:xfrm>
+          <a:prstGeom prst="ellipse">
+            <a:avLst/>
+          </a:prstGeom>
+          <a:solidFill>
+            <a:schemeClr val="bg1"/>
+          </a:solidFill>
+          <a:ln>
+            <a:solidFill>
+              <a:schemeClr val="bg1"/>
+            </a:solidFill>
+          </a:ln>
+        </p:spPr>
+        <p:style>
+          <a:lnRef idx="1">
+            <a:schemeClr val="accent1"/>
+          </a:lnRef>
+          <a:fillRef idx="3">
+            <a:schemeClr val="accent1"/>
+          </a:fillRef>
+          <a:effectRef idx="2">
+            <a:schemeClr val="accent1"/>
+          </a:effectRef>
+          <a:fontRef idx="minor">
+            <a:schemeClr val="lt1"/>
+          </a:fontRef>
+        </p:style>
+        <p:txBody>
+          <a:bodyPr rtlCol="0" anchor="ctr"/>
+          <a:lstStyle/>
+          <a:p>
+            <a:pPr algn="ctr"/>
+            <a:r>
+              <a:rPr lang="fr-CH" dirty="0" smtClean="0">
+                <a:solidFill>
+                  <a:srgbClr val="FF0000"/>
+                </a:solidFill>
+              </a:rPr>
+              <a:t>5</a:t>
+            </a:r>
+            <a:endParaRPr lang="fr-CH" dirty="0">
+              <a:solidFill>
+                <a:srgbClr val="FF0000"/>
+              </a:solidFill>
+            </a:endParaRPr>
+          </a:p>
+        </p:txBody>
+      </p:sp>
+      <p:sp>
+        <p:nvSpPr>
+          <p:cNvPr id="18" name="Ellipse 17"/>
+          <p:cNvSpPr/>
+          <p:nvPr/>
+        </p:nvSpPr>
+        <p:spPr>
+          <a:xfrm>
+            <a:off x="4204803" y="2408161"/>
+            <a:ext cx="709726" cy="542072"/>
+          </a:xfrm>
+          <a:prstGeom prst="ellipse">
+            <a:avLst/>
+          </a:prstGeom>
+          <a:solidFill>
+            <a:schemeClr val="bg1"/>
+          </a:solidFill>
+          <a:ln>
+            <a:solidFill>
+              <a:schemeClr val="bg1"/>
+            </a:solidFill>
+          </a:ln>
+        </p:spPr>
+        <p:style>
+          <a:lnRef idx="1">
+            <a:schemeClr val="accent1"/>
+          </a:lnRef>
+          <a:fillRef idx="3">
+            <a:schemeClr val="accent1"/>
+          </a:fillRef>
+          <a:effectRef idx="2">
+            <a:schemeClr val="accent1"/>
+          </a:effectRef>
+          <a:fontRef idx="minor">
+            <a:schemeClr val="lt1"/>
+          </a:fontRef>
+        </p:style>
+        <p:txBody>
+          <a:bodyPr rtlCol="0" anchor="ctr"/>
+          <a:lstStyle/>
+          <a:p>
+            <a:pPr algn="ctr"/>
+            <a:r>
+              <a:rPr lang="fr-CH" dirty="0" smtClean="0">
+                <a:solidFill>
+                  <a:srgbClr val="0070C0"/>
+                </a:solidFill>
+              </a:rPr>
+              <a:t>10</a:t>
+            </a:r>
+            <a:endParaRPr lang="fr-CH" dirty="0">
+              <a:solidFill>
+                <a:srgbClr val="0070C0"/>
+              </a:solidFill>
+            </a:endParaRPr>
+          </a:p>
+        </p:txBody>
+      </p:sp>
+      <p:sp>
+        <p:nvSpPr>
+          <p:cNvPr id="19" name="Ellipse 18"/>
+          <p:cNvSpPr/>
+          <p:nvPr/>
+        </p:nvSpPr>
+        <p:spPr>
+          <a:xfrm>
+            <a:off x="4316273" y="3173224"/>
+            <a:ext cx="216024" cy="231146"/>
+          </a:xfrm>
+          <a:prstGeom prst="ellipse">
+            <a:avLst/>
+          </a:prstGeom>
+          <a:solidFill>
+            <a:schemeClr val="bg1"/>
+          </a:solidFill>
+          <a:ln>
+            <a:solidFill>
+              <a:schemeClr val="bg1"/>
+            </a:solidFill>
+          </a:ln>
+        </p:spPr>
+        <p:style>
+          <a:lnRef idx="1">
+            <a:schemeClr val="accent1"/>
+          </a:lnRef>
+          <a:fillRef idx="3">
+            <a:schemeClr val="accent1"/>
+          </a:fillRef>
+          <a:effectRef idx="2">
+            <a:schemeClr val="accent1"/>
+          </a:effectRef>
+          <a:fontRef idx="minor">
+            <a:schemeClr val="lt1"/>
+          </a:fontRef>
+        </p:style>
+        <p:txBody>
+          <a:bodyPr rtlCol="0" anchor="ctr"/>
+          <a:lstStyle/>
+          <a:p>
+            <a:pPr algn="ctr"/>
+            <a:r>
+              <a:rPr lang="fr-CH" dirty="0">
+                <a:solidFill>
+                  <a:srgbClr val="0070C0"/>
+                </a:solidFill>
+              </a:rPr>
+              <a:t>9</a:t>
+            </a:r>
+          </a:p>
+        </p:txBody>
+      </p:sp>
+      <p:sp>
+        <p:nvSpPr>
+          <p:cNvPr id="20" name="Ellipse 19"/>
+          <p:cNvSpPr/>
+          <p:nvPr/>
+        </p:nvSpPr>
+        <p:spPr>
+          <a:xfrm>
+            <a:off x="4316670" y="3914001"/>
+            <a:ext cx="216024" cy="231146"/>
+          </a:xfrm>
+          <a:prstGeom prst="ellipse">
+            <a:avLst/>
+          </a:prstGeom>
+          <a:solidFill>
+            <a:schemeClr val="bg1"/>
+          </a:solidFill>
+          <a:ln>
+            <a:solidFill>
+              <a:schemeClr val="bg1"/>
+            </a:solidFill>
+          </a:ln>
+        </p:spPr>
+        <p:style>
+          <a:lnRef idx="1">
+            <a:schemeClr val="accent1"/>
+          </a:lnRef>
+          <a:fillRef idx="3">
+            <a:schemeClr val="accent1"/>
+          </a:fillRef>
+          <a:effectRef idx="2">
+            <a:schemeClr val="accent1"/>
+          </a:effectRef>
+          <a:fontRef idx="minor">
+            <a:schemeClr val="lt1"/>
+          </a:fontRef>
+        </p:style>
+        <p:txBody>
+          <a:bodyPr rtlCol="0" anchor="ctr"/>
+          <a:lstStyle/>
+          <a:p>
+            <a:pPr algn="ctr"/>
+            <a:r>
+              <a:rPr lang="fr-CH" dirty="0" smtClean="0">
+                <a:solidFill>
+                  <a:srgbClr val="0070C0"/>
+                </a:solidFill>
+              </a:rPr>
+              <a:t>8</a:t>
+            </a:r>
+            <a:endParaRPr lang="fr-CH" dirty="0">
+              <a:solidFill>
+                <a:srgbClr val="0070C0"/>
+              </a:solidFill>
+            </a:endParaRPr>
+          </a:p>
+        </p:txBody>
+      </p:sp>
+      <p:sp>
+        <p:nvSpPr>
+          <p:cNvPr id="21" name="Ellipse 20"/>
+          <p:cNvSpPr/>
+          <p:nvPr/>
+        </p:nvSpPr>
+        <p:spPr>
+          <a:xfrm>
+            <a:off x="4316273" y="4562945"/>
+            <a:ext cx="216024" cy="231146"/>
+          </a:xfrm>
+          <a:prstGeom prst="ellipse">
+            <a:avLst/>
+          </a:prstGeom>
+          <a:solidFill>
+            <a:schemeClr val="bg1"/>
+          </a:solidFill>
+          <a:ln>
+            <a:solidFill>
+              <a:schemeClr val="bg1"/>
+            </a:solidFill>
+          </a:ln>
+        </p:spPr>
+        <p:style>
+          <a:lnRef idx="1">
+            <a:schemeClr val="accent1"/>
+          </a:lnRef>
+          <a:fillRef idx="3">
+            <a:schemeClr val="accent1"/>
+          </a:fillRef>
+          <a:effectRef idx="2">
+            <a:schemeClr val="accent1"/>
+          </a:effectRef>
+          <a:fontRef idx="minor">
+            <a:schemeClr val="lt1"/>
+          </a:fontRef>
+        </p:style>
+        <p:txBody>
+          <a:bodyPr rtlCol="0" anchor="ctr"/>
+          <a:lstStyle/>
+          <a:p>
+            <a:pPr algn="ctr"/>
+            <a:r>
+              <a:rPr lang="fr-CH" dirty="0" smtClean="0">
+                <a:solidFill>
+                  <a:srgbClr val="0070C0"/>
+                </a:solidFill>
+              </a:rPr>
+              <a:t>7</a:t>
+            </a:r>
+            <a:endParaRPr lang="fr-CH" dirty="0">
+              <a:solidFill>
+                <a:srgbClr val="0070C0"/>
+              </a:solidFill>
+            </a:endParaRPr>
+          </a:p>
+        </p:txBody>
+      </p:sp>
+      <p:sp>
+        <p:nvSpPr>
+          <p:cNvPr id="22" name="Ellipse 21"/>
+          <p:cNvSpPr/>
+          <p:nvPr/>
+        </p:nvSpPr>
+        <p:spPr>
+          <a:xfrm>
+            <a:off x="4316670" y="5283027"/>
+            <a:ext cx="216024" cy="231146"/>
+          </a:xfrm>
+          <a:prstGeom prst="ellipse">
+            <a:avLst/>
+          </a:prstGeom>
+          <a:solidFill>
+            <a:schemeClr val="bg1"/>
+          </a:solidFill>
+          <a:ln>
+            <a:solidFill>
+              <a:schemeClr val="bg1"/>
+            </a:solidFill>
+          </a:ln>
+        </p:spPr>
+        <p:style>
+          <a:lnRef idx="1">
+            <a:schemeClr val="accent1"/>
+          </a:lnRef>
+          <a:fillRef idx="3">
+            <a:schemeClr val="accent1"/>
+          </a:fillRef>
+          <a:effectRef idx="2">
+            <a:schemeClr val="accent1"/>
+          </a:effectRef>
+          <a:fontRef idx="minor">
+            <a:schemeClr val="lt1"/>
+          </a:fontRef>
+        </p:style>
+        <p:txBody>
+          <a:bodyPr rtlCol="0" anchor="ctr"/>
+          <a:lstStyle/>
+          <a:p>
+            <a:pPr algn="ctr"/>
+            <a:r>
+              <a:rPr lang="fr-CH" dirty="0" smtClean="0">
+                <a:solidFill>
+                  <a:srgbClr val="0070C0"/>
+                </a:solidFill>
+              </a:rPr>
+              <a:t>6</a:t>
+            </a:r>
+            <a:endParaRPr lang="fr-CH" dirty="0">
+              <a:solidFill>
+                <a:srgbClr val="0070C0"/>
+              </a:solidFill>
+            </a:endParaRPr>
+          </a:p>
+        </p:txBody>
+      </p:sp>
+      <p:sp>
+        <p:nvSpPr>
+          <p:cNvPr id="23" name="Espace réservé du texte 3"/>
+          <p:cNvSpPr>
+            <a:spLocks noGrp="1"/>
+          </p:cNvSpPr>
+          <p:nvPr>
+            <p:ph type="body" sz="quarter" idx="17"/>
+          </p:nvPr>
+        </p:nvSpPr>
+        <p:spPr>
+          <a:xfrm>
+            <a:off x="5071034" y="2382872"/>
+            <a:ext cx="3563888" cy="3454007"/>
+          </a:xfrm>
+        </p:spPr>
+        <p:txBody>
+          <a:bodyPr/>
+          <a:lstStyle/>
+          <a:p>
+            <a:pPr marL="285750" indent="-285750">
+              <a:buFont typeface="Wingdings" panose="05000000000000000000" pitchFamily="2" charset="2"/>
+              <a:buChar char="à"/>
+            </a:pPr>
+            <a:r>
+              <a:rPr lang="fr-CH" dirty="0" smtClean="0"/>
+              <a:t>1 à 5 ok</a:t>
+            </a:r>
+          </a:p>
+          <a:p>
+            <a:pPr marL="285750" indent="-285750">
+              <a:buFont typeface="Wingdings" panose="05000000000000000000" pitchFamily="2" charset="2"/>
+              <a:buChar char="à"/>
+            </a:pPr>
+            <a:r>
+              <a:rPr lang="fr-CH" dirty="0" smtClean="0"/>
+              <a:t>6 à 10 compliqué</a:t>
+            </a:r>
+          </a:p>
+          <a:p>
+            <a:endParaRPr lang="fr-CH" dirty="0"/>
+          </a:p>
+          <a:p>
+            <a:pPr marL="285750" indent="-285750">
+              <a:buFont typeface="Wingdings" panose="05000000000000000000" pitchFamily="2" charset="2"/>
+              <a:buChar char="à"/>
+            </a:pPr>
+            <a:endParaRPr lang="fr-CH" dirty="0" smtClean="0"/>
+          </a:p>
+          <a:p>
+            <a:pPr marL="285750" indent="-285750">
+              <a:buFont typeface="Wingdings" panose="05000000000000000000" pitchFamily="2" charset="2"/>
+              <a:buChar char="à"/>
+            </a:pPr>
+            <a:endParaRPr lang="fr-CH" dirty="0"/>
+          </a:p>
+          <a:p>
+            <a:pPr marL="285750" indent="-285750">
+              <a:buFont typeface="Wingdings" panose="05000000000000000000" pitchFamily="2" charset="2"/>
+              <a:buChar char="à"/>
+            </a:pPr>
+            <a:endParaRPr lang="fr-CH" dirty="0" smtClean="0"/>
+          </a:p>
+          <a:p>
+            <a:pPr marL="285750" indent="-285750">
+              <a:buFont typeface="Wingdings" panose="05000000000000000000" pitchFamily="2" charset="2"/>
+              <a:buChar char="à"/>
+            </a:pPr>
+            <a:endParaRPr lang="fr-CH" dirty="0"/>
+          </a:p>
+          <a:p>
+            <a:pPr marL="285750" indent="-285750">
+              <a:buFont typeface="Wingdings" panose="05000000000000000000" pitchFamily="2" charset="2"/>
+              <a:buChar char="à"/>
+            </a:pPr>
+            <a:endParaRPr lang="fr-CH" dirty="0" smtClean="0"/>
+          </a:p>
+          <a:p>
+            <a:pPr marL="285750" indent="-285750">
+              <a:buFont typeface="Wingdings" panose="05000000000000000000" pitchFamily="2" charset="2"/>
+              <a:buChar char="à"/>
+            </a:pPr>
+            <a:r>
+              <a:rPr lang="fr-CH" dirty="0" smtClean="0"/>
+              <a:t>dll de </a:t>
+            </a:r>
+            <a:r>
+              <a:rPr lang="fr-CH" dirty="0" err="1" smtClean="0"/>
+              <a:t>Swisstopo</a:t>
+            </a:r>
+            <a:endParaRPr lang="fr-CH" dirty="0" smtClean="0"/>
+          </a:p>
+        </p:txBody>
+      </p:sp>
+    </p:spTree>
+    <p:extLst>
+      <p:ext uri="{BB962C8B-B14F-4D97-AF65-F5344CB8AC3E}">
+        <p14:creationId xmlns:p14="http://schemas.microsoft.com/office/powerpoint/2010/main" val="444447518"/>
+      </p:ext>
+    </p:extLst>
+  </p:cSld>
+  <p:clrMapOvr>
+    <a:masterClrMapping/>
+  </p:clrMapOvr>
+  <p:timing>
+    <p:tnLst>
+      <p:par>
+        <p:cTn id="1" dur="indefinite" restart="never" nodeType="tmRoot"/>
+      </p:par>
+    </p:tnLst>
+  </p:timing>
+</p:sld>
+</file>
+
+<file path=ppt/slides/slide8.xml><?xml version="1.0" encoding="utf-8"?>
+<p:sld xmlns:a="http://schemas.openxmlformats.org/drawingml/2006/main" xmlns:r="http://schemas.openxmlformats.org/officeDocument/2006/relationships" xmlns:p="http://schemas.openxmlformats.org/presentationml/2006/main">
+  <p:cSld>
+    <p:spTree>
+      <p:nvGrpSpPr>
+        <p:cNvPr id="1" name=""/>
+        <p:cNvGrpSpPr/>
+        <p:nvPr/>
+      </p:nvGrpSpPr>
+      <p:grpSpPr>
+        <a:xfrm>
+          <a:off x="0" y="0"/>
+          <a:ext cx="0" cy="0"/>
+          <a:chOff x="0" y="0"/>
+          <a:chExt cx="0" cy="0"/>
+        </a:xfrm>
+      </p:grpSpPr>
+      <p:sp>
+        <p:nvSpPr>
+          <p:cNvPr id="2" name="Espace réservé du texte 1"/>
+          <p:cNvSpPr>
+            <a:spLocks noGrp="1"/>
+          </p:cNvSpPr>
+          <p:nvPr>
+            <p:ph type="body" sz="quarter" idx="13"/>
+          </p:nvPr>
+        </p:nvSpPr>
+        <p:spPr/>
+        <p:txBody>
+          <a:bodyPr/>
+          <a:lstStyle/>
+          <a:p>
+            <a:r>
+              <a:rPr lang="fr-CH" sz="3200" dirty="0"/>
+              <a:t>G</a:t>
+            </a:r>
+            <a:r>
+              <a:rPr lang="fr-CH" sz="3200" dirty="0" smtClean="0"/>
+              <a:t>éodésie</a:t>
+            </a:r>
+            <a:endParaRPr lang="fr-CH" sz="3200" dirty="0"/>
+          </a:p>
+        </p:txBody>
+      </p:sp>
+      <p:sp>
+        <p:nvSpPr>
+          <p:cNvPr id="3" name="Espace réservé du texte 2"/>
+          <p:cNvSpPr>
+            <a:spLocks noGrp="1"/>
+          </p:cNvSpPr>
+          <p:nvPr>
+            <p:ph type="body" sz="quarter" idx="14"/>
+          </p:nvPr>
+        </p:nvSpPr>
+        <p:spPr/>
+        <p:txBody>
+          <a:bodyPr/>
+          <a:lstStyle/>
+          <a:p>
+            <a:r>
+              <a:rPr lang="fr-CH" dirty="0" smtClean="0"/>
+              <a:t>Planimétrie</a:t>
+            </a:r>
+            <a:endParaRPr lang="fr-CH" dirty="0"/>
+          </a:p>
+        </p:txBody>
+      </p:sp>
+      <p:sp>
+        <p:nvSpPr>
+          <p:cNvPr id="5" name="Espace réservé du numéro de diapositive 4"/>
+          <p:cNvSpPr>
+            <a:spLocks noGrp="1"/>
+          </p:cNvSpPr>
+          <p:nvPr>
+            <p:ph type="sldNum" sz="quarter" idx="18"/>
+          </p:nvPr>
+        </p:nvSpPr>
+        <p:spPr/>
+        <p:txBody>
+          <a:bodyPr/>
+          <a:lstStyle/>
+          <a:p>
+            <a:fld id="{1B28DAD0-2E7F-0B49-858C-0AF98DF16341}" type="slidenum">
+              <a:rPr lang="en-US" smtClean="0"/>
+              <a:pPr/>
+              <a:t>8</a:t>
+            </a:fld>
+            <a:endParaRPr lang="en-US"/>
+          </a:p>
+        </p:txBody>
+      </p:sp>
+      <p:pic>
+        <p:nvPicPr>
+          <p:cNvPr id="6" name="Image 5"/>
+          <p:cNvPicPr>
+            <a:picLocks noChangeAspect="1"/>
+          </p:cNvPicPr>
+          <p:nvPr/>
+        </p:nvPicPr>
+        <p:blipFill rotWithShape="1">
+          <a:blip r:embed="rId2">
+            <a:extLst>
+              <a:ext uri="{28A0092B-C50C-407E-A947-70E740481C1C}">
+                <a14:useLocalDpi xmlns:a14="http://schemas.microsoft.com/office/drawing/2010/main" val="0"/>
+              </a:ext>
+            </a:extLst>
+          </a:blip>
+          <a:srcRect t="4392"/>
+          <a:stretch/>
+        </p:blipFill>
+        <p:spPr>
+          <a:xfrm>
+            <a:off x="179512" y="2708920"/>
+            <a:ext cx="4308146" cy="3396205"/>
+          </a:xfrm>
+          <a:prstGeom prst="rect">
+            <a:avLst/>
+          </a:prstGeom>
+        </p:spPr>
+      </p:pic>
+      <p:sp>
+        <p:nvSpPr>
+          <p:cNvPr id="7" name="ZoneTexte 6"/>
+          <p:cNvSpPr txBox="1"/>
+          <p:nvPr/>
+        </p:nvSpPr>
+        <p:spPr>
+          <a:xfrm>
+            <a:off x="1043608" y="2207240"/>
+            <a:ext cx="2736304" cy="356384"/>
+          </a:xfrm>
+          <a:prstGeom prst="rect">
+            <a:avLst/>
+          </a:prstGeom>
+          <a:ln w="19050">
+            <a:solidFill>
+              <a:schemeClr val="tx1"/>
+            </a:solidFill>
+          </a:ln>
+        </p:spPr>
+        <p:txBody>
+          <a:bodyPr wrap="square" rtlCol="0" anchor="b">
+            <a:normAutofit/>
+          </a:bodyPr>
+          <a:lstStyle/>
+          <a:p>
+            <a:pPr marL="0" marR="0" indent="0" defTabSz="457200" rtl="0" eaLnBrk="1" fontAlgn="auto" latinLnBrk="0" hangingPunct="1">
+              <a:lnSpc>
+                <a:spcPct val="100000"/>
+              </a:lnSpc>
+              <a:spcBef>
+                <a:spcPct val="0"/>
+              </a:spcBef>
+              <a:spcAft>
+                <a:spcPts val="0"/>
+              </a:spcAft>
+              <a:buClrTx/>
+              <a:buSzTx/>
+              <a:buFontTx/>
+              <a:buNone/>
+              <a:tabLst/>
+            </a:pPr>
+            <a:r>
+              <a:rPr kumimoji="0" lang="fr-CH" sz="1200" b="0" i="0" u="none" strike="noStrike" kern="1200" cap="none" spc="0" normalizeH="0" baseline="0" noProof="0" dirty="0" smtClean="0">
+                <a:ln>
+                  <a:noFill/>
+                </a:ln>
+                <a:effectLst/>
+                <a:uLnTx/>
+                <a:uFillTx/>
+                <a:latin typeface="Arial "/>
+                <a:ea typeface="+mj-ea"/>
+                <a:cs typeface="Arial "/>
+              </a:rPr>
+              <a:t>Coordonnées géographique</a:t>
+            </a:r>
+            <a:r>
+              <a:rPr kumimoji="0" lang="fr-CH" sz="1200" b="0" i="0" u="none" strike="noStrike" kern="1200" cap="none" spc="0" normalizeH="0" noProof="0" dirty="0" smtClean="0">
+                <a:ln>
+                  <a:noFill/>
+                </a:ln>
+                <a:effectLst/>
+                <a:uLnTx/>
+                <a:uFillTx/>
+                <a:latin typeface="Arial "/>
+                <a:ea typeface="+mj-ea"/>
+                <a:cs typeface="Arial "/>
+              </a:rPr>
+              <a:t> WGS84</a:t>
+            </a:r>
+            <a:endParaRPr kumimoji="0" lang="fr-CH" sz="1200" b="0" i="0" u="none" strike="noStrike" kern="1200" cap="none" spc="0" normalizeH="0" baseline="0" noProof="0" dirty="0" smtClean="0">
+              <a:ln>
+                <a:noFill/>
+              </a:ln>
+              <a:effectLst/>
+              <a:uLnTx/>
+              <a:uFillTx/>
+              <a:latin typeface="Arial "/>
+              <a:ea typeface="+mj-ea"/>
+              <a:cs typeface="Arial "/>
+            </a:endParaRPr>
+          </a:p>
+        </p:txBody>
+      </p:sp>
+      <p:cxnSp>
+        <p:nvCxnSpPr>
+          <p:cNvPr id="10" name="Connecteur droit avec flèche 9"/>
+          <p:cNvCxnSpPr>
+            <a:stCxn id="7" idx="2"/>
+          </p:cNvCxnSpPr>
+          <p:nvPr/>
+        </p:nvCxnSpPr>
+        <p:spPr>
+          <a:xfrm>
+            <a:off x="2411760" y="2563624"/>
+            <a:ext cx="0" cy="231146"/>
+          </a:xfrm>
+          <a:prstGeom prst="straightConnector1">
+            <a:avLst/>
+          </a:prstGeom>
+          <a:ln>
+            <a:headEnd type="triangle"/>
+            <a:tailEnd type="triangle"/>
+          </a:ln>
+        </p:spPr>
+        <p:style>
+          <a:lnRef idx="1">
+            <a:schemeClr val="dk1"/>
+          </a:lnRef>
+          <a:fillRef idx="0">
+            <a:schemeClr val="dk1"/>
+          </a:fillRef>
+          <a:effectRef idx="0">
+            <a:schemeClr val="dk1"/>
+          </a:effectRef>
+          <a:fontRef idx="minor">
+            <a:schemeClr val="tx1"/>
+          </a:fontRef>
+        </p:style>
+      </p:cxnSp>
+      <p:sp>
+        <p:nvSpPr>
+          <p:cNvPr id="11" name="Ellipse 10"/>
+          <p:cNvSpPr/>
+          <p:nvPr/>
+        </p:nvSpPr>
+        <p:spPr>
+          <a:xfrm>
+            <a:off x="3923928" y="2563624"/>
+            <a:ext cx="216024" cy="231146"/>
+          </a:xfrm>
+          <a:prstGeom prst="ellipse">
+            <a:avLst/>
+          </a:prstGeom>
+          <a:solidFill>
+            <a:schemeClr val="bg1"/>
+          </a:solidFill>
+          <a:ln>
+            <a:solidFill>
+              <a:schemeClr val="bg1"/>
+            </a:solidFill>
+          </a:ln>
+        </p:spPr>
+        <p:style>
+          <a:lnRef idx="1">
+            <a:schemeClr val="accent1"/>
+          </a:lnRef>
+          <a:fillRef idx="3">
+            <a:schemeClr val="accent1"/>
+          </a:fillRef>
+          <a:effectRef idx="2">
+            <a:schemeClr val="accent1"/>
+          </a:effectRef>
+          <a:fontRef idx="minor">
+            <a:schemeClr val="lt1"/>
+          </a:fontRef>
+        </p:style>
+        <p:txBody>
+          <a:bodyPr rtlCol="0" anchor="ctr"/>
+          <a:lstStyle/>
+          <a:p>
+            <a:pPr algn="ctr"/>
+            <a:r>
+              <a:rPr lang="fr-CH" dirty="0" smtClean="0">
+                <a:solidFill>
+                  <a:srgbClr val="FF0000"/>
+                </a:solidFill>
+              </a:rPr>
+              <a:t>1</a:t>
+            </a:r>
+            <a:endParaRPr lang="fr-CH" dirty="0">
+              <a:solidFill>
+                <a:srgbClr val="FF0000"/>
+              </a:solidFill>
+            </a:endParaRPr>
+          </a:p>
+        </p:txBody>
+      </p:sp>
+      <p:sp>
+        <p:nvSpPr>
+          <p:cNvPr id="12" name="Ellipse 11"/>
+          <p:cNvSpPr/>
+          <p:nvPr/>
+        </p:nvSpPr>
+        <p:spPr>
+          <a:xfrm>
+            <a:off x="3923928" y="3173224"/>
+            <a:ext cx="216024" cy="231146"/>
+          </a:xfrm>
+          <a:prstGeom prst="ellipse">
+            <a:avLst/>
+          </a:prstGeom>
+          <a:solidFill>
+            <a:schemeClr val="bg1"/>
+          </a:solidFill>
+          <a:ln>
+            <a:solidFill>
+              <a:schemeClr val="bg1"/>
+            </a:solidFill>
+          </a:ln>
+        </p:spPr>
+        <p:style>
+          <a:lnRef idx="1">
+            <a:schemeClr val="accent1"/>
+          </a:lnRef>
+          <a:fillRef idx="3">
+            <a:schemeClr val="accent1"/>
+          </a:fillRef>
+          <a:effectRef idx="2">
+            <a:schemeClr val="accent1"/>
+          </a:effectRef>
+          <a:fontRef idx="minor">
+            <a:schemeClr val="lt1"/>
+          </a:fontRef>
+        </p:style>
+        <p:txBody>
+          <a:bodyPr rtlCol="0" anchor="ctr"/>
+          <a:lstStyle/>
+          <a:p>
+            <a:pPr algn="ctr"/>
+            <a:r>
+              <a:rPr lang="fr-CH" dirty="0" smtClean="0">
+                <a:solidFill>
+                  <a:srgbClr val="FF0000"/>
+                </a:solidFill>
+              </a:rPr>
+              <a:t>2</a:t>
+            </a:r>
+            <a:endParaRPr lang="fr-CH" dirty="0">
+              <a:solidFill>
+                <a:srgbClr val="FF0000"/>
+              </a:solidFill>
+            </a:endParaRPr>
+          </a:p>
+        </p:txBody>
+      </p:sp>
+      <p:sp>
+        <p:nvSpPr>
+          <p:cNvPr id="13" name="Ellipse 12"/>
+          <p:cNvSpPr/>
+          <p:nvPr/>
+        </p:nvSpPr>
+        <p:spPr>
+          <a:xfrm>
+            <a:off x="3924325" y="3914001"/>
+            <a:ext cx="216024" cy="231146"/>
+          </a:xfrm>
+          <a:prstGeom prst="ellipse">
+            <a:avLst/>
+          </a:prstGeom>
+          <a:solidFill>
+            <a:schemeClr val="bg1"/>
+          </a:solidFill>
+          <a:ln>
+            <a:solidFill>
+              <a:schemeClr val="bg1"/>
+            </a:solidFill>
+          </a:ln>
+        </p:spPr>
+        <p:style>
+          <a:lnRef idx="1">
+            <a:schemeClr val="accent1"/>
+          </a:lnRef>
+          <a:fillRef idx="3">
+            <a:schemeClr val="accent1"/>
+          </a:fillRef>
+          <a:effectRef idx="2">
+            <a:schemeClr val="accent1"/>
+          </a:effectRef>
+          <a:fontRef idx="minor">
+            <a:schemeClr val="lt1"/>
+          </a:fontRef>
+        </p:style>
+        <p:txBody>
+          <a:bodyPr rtlCol="0" anchor="ctr"/>
+          <a:lstStyle/>
+          <a:p>
+            <a:pPr algn="ctr"/>
+            <a:r>
+              <a:rPr lang="fr-CH" dirty="0" smtClean="0">
+                <a:solidFill>
+                  <a:srgbClr val="FF0000"/>
+                </a:solidFill>
+              </a:rPr>
+              <a:t>3</a:t>
+            </a:r>
+            <a:endParaRPr lang="fr-CH" dirty="0">
+              <a:solidFill>
+                <a:srgbClr val="FF0000"/>
+              </a:solidFill>
+            </a:endParaRPr>
+          </a:p>
+        </p:txBody>
+      </p:sp>
+      <p:sp>
+        <p:nvSpPr>
+          <p:cNvPr id="16" name="Ellipse 15"/>
+          <p:cNvSpPr/>
+          <p:nvPr/>
+        </p:nvSpPr>
+        <p:spPr>
+          <a:xfrm>
+            <a:off x="3923928" y="4562945"/>
+            <a:ext cx="216024" cy="231146"/>
+          </a:xfrm>
+          <a:prstGeom prst="ellipse">
+            <a:avLst/>
+          </a:prstGeom>
+          <a:solidFill>
+            <a:schemeClr val="bg1"/>
+          </a:solidFill>
+          <a:ln>
+            <a:solidFill>
+              <a:schemeClr val="bg1"/>
+            </a:solidFill>
+          </a:ln>
+        </p:spPr>
+        <p:style>
+          <a:lnRef idx="1">
+            <a:schemeClr val="accent1"/>
+          </a:lnRef>
+          <a:fillRef idx="3">
+            <a:schemeClr val="accent1"/>
+          </a:fillRef>
+          <a:effectRef idx="2">
+            <a:schemeClr val="accent1"/>
+          </a:effectRef>
+          <a:fontRef idx="minor">
+            <a:schemeClr val="lt1"/>
+          </a:fontRef>
+        </p:style>
+        <p:txBody>
+          <a:bodyPr rtlCol="0" anchor="ctr"/>
+          <a:lstStyle/>
+          <a:p>
+            <a:pPr algn="ctr"/>
+            <a:r>
+              <a:rPr lang="fr-CH" dirty="0" smtClean="0">
+                <a:solidFill>
+                  <a:srgbClr val="FF0000"/>
+                </a:solidFill>
+              </a:rPr>
+              <a:t>4</a:t>
+            </a:r>
+            <a:endParaRPr lang="fr-CH" dirty="0">
+              <a:solidFill>
+                <a:srgbClr val="FF0000"/>
+              </a:solidFill>
+            </a:endParaRPr>
+          </a:p>
+        </p:txBody>
+      </p:sp>
+      <p:sp>
+        <p:nvSpPr>
+          <p:cNvPr id="17" name="Ellipse 16"/>
+          <p:cNvSpPr/>
+          <p:nvPr/>
+        </p:nvSpPr>
+        <p:spPr>
+          <a:xfrm>
+            <a:off x="3924325" y="5283027"/>
+            <a:ext cx="216024" cy="231146"/>
+          </a:xfrm>
+          <a:prstGeom prst="ellipse">
+            <a:avLst/>
+          </a:prstGeom>
+          <a:solidFill>
+            <a:schemeClr val="bg1"/>
+          </a:solidFill>
+          <a:ln>
+            <a:solidFill>
+              <a:schemeClr val="bg1"/>
+            </a:solidFill>
+          </a:ln>
+        </p:spPr>
+        <p:style>
+          <a:lnRef idx="1">
+            <a:schemeClr val="accent1"/>
+          </a:lnRef>
+          <a:fillRef idx="3">
+            <a:schemeClr val="accent1"/>
+          </a:fillRef>
+          <a:effectRef idx="2">
+            <a:schemeClr val="accent1"/>
+          </a:effectRef>
+          <a:fontRef idx="minor">
+            <a:schemeClr val="lt1"/>
+          </a:fontRef>
+        </p:style>
+        <p:txBody>
+          <a:bodyPr rtlCol="0" anchor="ctr"/>
+          <a:lstStyle/>
+          <a:p>
+            <a:pPr algn="ctr"/>
+            <a:r>
+              <a:rPr lang="fr-CH" dirty="0" smtClean="0">
+                <a:solidFill>
+                  <a:srgbClr val="FF0000"/>
+                </a:solidFill>
+              </a:rPr>
+              <a:t>5</a:t>
+            </a:r>
+            <a:endParaRPr lang="fr-CH" dirty="0">
+              <a:solidFill>
+                <a:srgbClr val="FF0000"/>
+              </a:solidFill>
+            </a:endParaRPr>
+          </a:p>
+        </p:txBody>
+      </p:sp>
+      <p:sp>
+        <p:nvSpPr>
+          <p:cNvPr id="18" name="Ellipse 17"/>
+          <p:cNvSpPr/>
+          <p:nvPr/>
+        </p:nvSpPr>
+        <p:spPr>
+          <a:xfrm>
+            <a:off x="4204803" y="2408161"/>
+            <a:ext cx="709726" cy="542072"/>
+          </a:xfrm>
+          <a:prstGeom prst="ellipse">
+            <a:avLst/>
+          </a:prstGeom>
+          <a:solidFill>
+            <a:schemeClr val="bg1"/>
+          </a:solidFill>
+          <a:ln>
+            <a:solidFill>
+              <a:schemeClr val="bg1"/>
+            </a:solidFill>
+          </a:ln>
+        </p:spPr>
+        <p:style>
+          <a:lnRef idx="1">
+            <a:schemeClr val="accent1"/>
+          </a:lnRef>
+          <a:fillRef idx="3">
+            <a:schemeClr val="accent1"/>
+          </a:fillRef>
+          <a:effectRef idx="2">
+            <a:schemeClr val="accent1"/>
+          </a:effectRef>
+          <a:fontRef idx="minor">
+            <a:schemeClr val="lt1"/>
+          </a:fontRef>
+        </p:style>
+        <p:txBody>
+          <a:bodyPr rtlCol="0" anchor="ctr"/>
+          <a:lstStyle/>
+          <a:p>
+            <a:pPr algn="ctr"/>
+            <a:r>
+              <a:rPr lang="fr-CH" dirty="0" smtClean="0">
+                <a:solidFill>
+                  <a:srgbClr val="0070C0"/>
+                </a:solidFill>
+              </a:rPr>
+              <a:t>10</a:t>
+            </a:r>
+            <a:endParaRPr lang="fr-CH" dirty="0">
+              <a:solidFill>
+                <a:srgbClr val="0070C0"/>
+              </a:solidFill>
+            </a:endParaRPr>
+          </a:p>
+        </p:txBody>
+      </p:sp>
+      <p:sp>
+        <p:nvSpPr>
+          <p:cNvPr id="19" name="Ellipse 18"/>
+          <p:cNvSpPr/>
+          <p:nvPr/>
+        </p:nvSpPr>
+        <p:spPr>
+          <a:xfrm>
+            <a:off x="4316273" y="3173224"/>
+            <a:ext cx="216024" cy="231146"/>
+          </a:xfrm>
+          <a:prstGeom prst="ellipse">
+            <a:avLst/>
+          </a:prstGeom>
+          <a:solidFill>
+            <a:schemeClr val="bg1"/>
+          </a:solidFill>
+          <a:ln>
+            <a:solidFill>
+              <a:schemeClr val="bg1"/>
+            </a:solidFill>
+          </a:ln>
+        </p:spPr>
+        <p:style>
+          <a:lnRef idx="1">
+            <a:schemeClr val="accent1"/>
+          </a:lnRef>
+          <a:fillRef idx="3">
+            <a:schemeClr val="accent1"/>
+          </a:fillRef>
+          <a:effectRef idx="2">
+            <a:schemeClr val="accent1"/>
+          </a:effectRef>
+          <a:fontRef idx="minor">
+            <a:schemeClr val="lt1"/>
+          </a:fontRef>
+        </p:style>
+        <p:txBody>
+          <a:bodyPr rtlCol="0" anchor="ctr"/>
+          <a:lstStyle/>
+          <a:p>
+            <a:pPr algn="ctr"/>
+            <a:r>
+              <a:rPr lang="fr-CH" dirty="0">
+                <a:solidFill>
+                  <a:srgbClr val="0070C0"/>
+                </a:solidFill>
+              </a:rPr>
+              <a:t>9</a:t>
+            </a:r>
+          </a:p>
+        </p:txBody>
+      </p:sp>
+      <p:sp>
+        <p:nvSpPr>
+          <p:cNvPr id="20" name="Ellipse 19"/>
+          <p:cNvSpPr/>
+          <p:nvPr/>
+        </p:nvSpPr>
+        <p:spPr>
+          <a:xfrm>
+            <a:off x="4316670" y="3914001"/>
+            <a:ext cx="216024" cy="231146"/>
+          </a:xfrm>
+          <a:prstGeom prst="ellipse">
+            <a:avLst/>
+          </a:prstGeom>
+          <a:solidFill>
+            <a:schemeClr val="bg1"/>
+          </a:solidFill>
+          <a:ln>
+            <a:solidFill>
+              <a:schemeClr val="bg1"/>
+            </a:solidFill>
+          </a:ln>
+        </p:spPr>
+        <p:style>
+          <a:lnRef idx="1">
+            <a:schemeClr val="accent1"/>
+          </a:lnRef>
+          <a:fillRef idx="3">
+            <a:schemeClr val="accent1"/>
+          </a:fillRef>
+          <a:effectRef idx="2">
+            <a:schemeClr val="accent1"/>
+          </a:effectRef>
+          <a:fontRef idx="minor">
+            <a:schemeClr val="lt1"/>
+          </a:fontRef>
+        </p:style>
+        <p:txBody>
+          <a:bodyPr rtlCol="0" anchor="ctr"/>
+          <a:lstStyle/>
+          <a:p>
+            <a:pPr algn="ctr"/>
+            <a:r>
+              <a:rPr lang="fr-CH" dirty="0" smtClean="0">
+                <a:solidFill>
+                  <a:srgbClr val="0070C0"/>
+                </a:solidFill>
+              </a:rPr>
+              <a:t>8</a:t>
+            </a:r>
+            <a:endParaRPr lang="fr-CH" dirty="0">
+              <a:solidFill>
+                <a:srgbClr val="0070C0"/>
+              </a:solidFill>
+            </a:endParaRPr>
+          </a:p>
+        </p:txBody>
+      </p:sp>
+      <p:sp>
+        <p:nvSpPr>
+          <p:cNvPr id="21" name="Ellipse 20"/>
+          <p:cNvSpPr/>
+          <p:nvPr/>
+        </p:nvSpPr>
+        <p:spPr>
+          <a:xfrm>
+            <a:off x="4316273" y="4562945"/>
+            <a:ext cx="216024" cy="231146"/>
+          </a:xfrm>
+          <a:prstGeom prst="ellipse">
+            <a:avLst/>
+          </a:prstGeom>
+          <a:solidFill>
+            <a:schemeClr val="bg1"/>
+          </a:solidFill>
+          <a:ln>
+            <a:solidFill>
+              <a:schemeClr val="bg1"/>
+            </a:solidFill>
+          </a:ln>
+        </p:spPr>
+        <p:style>
+          <a:lnRef idx="1">
+            <a:schemeClr val="accent1"/>
+          </a:lnRef>
+          <a:fillRef idx="3">
+            <a:schemeClr val="accent1"/>
+          </a:fillRef>
+          <a:effectRef idx="2">
+            <a:schemeClr val="accent1"/>
+          </a:effectRef>
+          <a:fontRef idx="minor">
+            <a:schemeClr val="lt1"/>
+          </a:fontRef>
+        </p:style>
+        <p:txBody>
+          <a:bodyPr rtlCol="0" anchor="ctr"/>
+          <a:lstStyle/>
+          <a:p>
+            <a:pPr algn="ctr"/>
+            <a:r>
+              <a:rPr lang="fr-CH" dirty="0" smtClean="0">
+                <a:solidFill>
+                  <a:srgbClr val="0070C0"/>
+                </a:solidFill>
+              </a:rPr>
+              <a:t>7</a:t>
+            </a:r>
+            <a:endParaRPr lang="fr-CH" dirty="0">
+              <a:solidFill>
+                <a:srgbClr val="0070C0"/>
+              </a:solidFill>
+            </a:endParaRPr>
+          </a:p>
+        </p:txBody>
+      </p:sp>
+      <p:sp>
+        <p:nvSpPr>
+          <p:cNvPr id="22" name="Ellipse 21"/>
+          <p:cNvSpPr/>
+          <p:nvPr/>
+        </p:nvSpPr>
+        <p:spPr>
+          <a:xfrm>
+            <a:off x="4316670" y="5283027"/>
+            <a:ext cx="216024" cy="231146"/>
+          </a:xfrm>
+          <a:prstGeom prst="ellipse">
+            <a:avLst/>
+          </a:prstGeom>
+          <a:solidFill>
+            <a:schemeClr val="bg1"/>
+          </a:solidFill>
+          <a:ln>
+            <a:solidFill>
+              <a:schemeClr val="bg1"/>
+            </a:solidFill>
+          </a:ln>
+        </p:spPr>
+        <p:style>
+          <a:lnRef idx="1">
+            <a:schemeClr val="accent1"/>
+          </a:lnRef>
+          <a:fillRef idx="3">
+            <a:schemeClr val="accent1"/>
+          </a:fillRef>
+          <a:effectRef idx="2">
+            <a:schemeClr val="accent1"/>
+          </a:effectRef>
+          <a:fontRef idx="minor">
+            <a:schemeClr val="lt1"/>
+          </a:fontRef>
+        </p:style>
+        <p:txBody>
+          <a:bodyPr rtlCol="0" anchor="ctr"/>
+          <a:lstStyle/>
+          <a:p>
+            <a:pPr algn="ctr"/>
+            <a:r>
+              <a:rPr lang="fr-CH" dirty="0" smtClean="0">
+                <a:solidFill>
+                  <a:srgbClr val="0070C0"/>
+                </a:solidFill>
+              </a:rPr>
+              <a:t>6</a:t>
+            </a:r>
+            <a:endParaRPr lang="fr-CH" dirty="0">
+              <a:solidFill>
+                <a:srgbClr val="0070C0"/>
+              </a:solidFill>
+            </a:endParaRPr>
+          </a:p>
+        </p:txBody>
+      </p:sp>
+      <p:sp>
+        <p:nvSpPr>
+          <p:cNvPr id="23" name="Espace réservé du texte 3"/>
+          <p:cNvSpPr>
+            <a:spLocks noGrp="1"/>
+          </p:cNvSpPr>
+          <p:nvPr>
+            <p:ph type="body" sz="quarter" idx="17"/>
+          </p:nvPr>
+        </p:nvSpPr>
+        <p:spPr>
+          <a:xfrm>
+            <a:off x="5071034" y="2382872"/>
+            <a:ext cx="3563888" cy="3454007"/>
+          </a:xfrm>
+        </p:spPr>
+        <p:txBody>
+          <a:bodyPr/>
+          <a:lstStyle/>
+          <a:p>
+            <a:pPr marL="285750" indent="-285750">
+              <a:buFont typeface="Wingdings" panose="05000000000000000000" pitchFamily="2" charset="2"/>
+              <a:buChar char="à"/>
+            </a:pPr>
+            <a:r>
+              <a:rPr lang="fr-CH" dirty="0" smtClean="0"/>
+              <a:t>1 à 5 ok</a:t>
+            </a:r>
+          </a:p>
+          <a:p>
+            <a:pPr marL="285750" indent="-285750">
+              <a:buFont typeface="Wingdings" panose="05000000000000000000" pitchFamily="2" charset="2"/>
+              <a:buChar char="à"/>
+            </a:pPr>
+            <a:r>
+              <a:rPr lang="fr-CH" dirty="0" smtClean="0"/>
+              <a:t>6 à 10 compliqué</a:t>
+            </a:r>
+          </a:p>
+          <a:p>
+            <a:pPr marL="1028700" lvl="1">
+              <a:buFont typeface="Wingdings" panose="05000000000000000000" pitchFamily="2" charset="2"/>
+              <a:buChar char="à"/>
+            </a:pPr>
+            <a:r>
+              <a:rPr lang="fr-CH" dirty="0"/>
+              <a:t>d</a:t>
+            </a:r>
+            <a:r>
+              <a:rPr lang="fr-CH" dirty="0" smtClean="0"/>
+              <a:t>ll de </a:t>
+            </a:r>
+            <a:r>
+              <a:rPr lang="fr-CH" dirty="0" err="1" smtClean="0"/>
+              <a:t>swisstopo</a:t>
+            </a:r>
+            <a:r>
+              <a:rPr lang="fr-CH" dirty="0" smtClean="0"/>
+              <a:t> pour passer de 6 à 10, puis redescendre</a:t>
+            </a:r>
+            <a:endParaRPr lang="fr-CH" dirty="0" smtClean="0"/>
+          </a:p>
+          <a:p>
+            <a:pPr marL="285750" indent="-285750">
+              <a:buFont typeface="Wingdings" panose="05000000000000000000" pitchFamily="2" charset="2"/>
+              <a:buChar char="à"/>
+            </a:pPr>
+            <a:endParaRPr lang="fr-CH" dirty="0"/>
+          </a:p>
+          <a:p>
+            <a:pPr marL="285750" indent="-285750">
+              <a:buFont typeface="Wingdings" panose="05000000000000000000" pitchFamily="2" charset="2"/>
+              <a:buChar char="à"/>
+            </a:pPr>
+            <a:endParaRPr lang="fr-CH" dirty="0" smtClean="0"/>
+          </a:p>
+          <a:p>
+            <a:pPr marL="285750" indent="-285750">
+              <a:buFont typeface="Wingdings" panose="05000000000000000000" pitchFamily="2" charset="2"/>
+              <a:buChar char="à"/>
+            </a:pPr>
+            <a:endParaRPr lang="fr-CH" dirty="0"/>
+          </a:p>
+          <a:p>
+            <a:pPr marL="285750" indent="-285750">
+              <a:buFont typeface="Wingdings" panose="05000000000000000000" pitchFamily="2" charset="2"/>
+              <a:buChar char="à"/>
+            </a:pPr>
+            <a:endParaRPr lang="fr-CH" dirty="0" smtClean="0"/>
+          </a:p>
+          <a:p>
+            <a:pPr marL="285750" indent="-285750">
+              <a:buFont typeface="Wingdings" panose="05000000000000000000" pitchFamily="2" charset="2"/>
+              <a:buChar char="à"/>
+            </a:pPr>
+            <a:endParaRPr lang="fr-CH" dirty="0" smtClean="0"/>
+          </a:p>
+          <a:p>
+            <a:pPr marL="285750" indent="-285750">
+              <a:buFont typeface="Wingdings" panose="05000000000000000000" pitchFamily="2" charset="2"/>
+              <a:buChar char="à"/>
+            </a:pPr>
+            <a:r>
+              <a:rPr lang="fr-CH" dirty="0" smtClean="0"/>
+              <a:t>dll de </a:t>
+            </a:r>
+            <a:r>
+              <a:rPr lang="fr-CH" dirty="0" err="1" smtClean="0"/>
+              <a:t>Swisstopo</a:t>
+            </a:r>
+            <a:endParaRPr lang="fr-CH" dirty="0" smtClean="0"/>
+          </a:p>
+        </p:txBody>
+      </p:sp>
+      <p:sp>
+        <p:nvSpPr>
+          <p:cNvPr id="8" name="Flèche courbée vers le haut 7"/>
+          <p:cNvSpPr/>
+          <p:nvPr/>
+        </p:nvSpPr>
+        <p:spPr>
+          <a:xfrm rot="16200000">
+            <a:off x="3772777" y="3614437"/>
+            <a:ext cx="2727116" cy="916081"/>
+          </a:xfrm>
+          <a:prstGeom prst="curvedUpArrow">
+            <a:avLst>
+              <a:gd name="adj1" fmla="val 813"/>
+              <a:gd name="adj2" fmla="val 33906"/>
+              <a:gd name="adj3" fmla="val 27240"/>
+            </a:avLst>
+          </a:prstGeom>
+        </p:spPr>
+        <p:style>
+          <a:lnRef idx="1">
+            <a:schemeClr val="accent6"/>
+          </a:lnRef>
+          <a:fillRef idx="3">
+            <a:schemeClr val="accent6"/>
+          </a:fillRef>
+          <a:effectRef idx="2">
+            <a:schemeClr val="accent6"/>
+          </a:effectRef>
+          <a:fontRef idx="minor">
+            <a:schemeClr val="lt1"/>
+          </a:fontRef>
+        </p:style>
+        <p:txBody>
+          <a:bodyPr rtlCol="0" anchor="ctr"/>
+          <a:lstStyle/>
+          <a:p>
+            <a:pPr algn="ctr"/>
+            <a:endParaRPr lang="fr-CH">
+              <a:solidFill>
+                <a:schemeClr val="tx1"/>
+              </a:solidFill>
+            </a:endParaRPr>
+          </a:p>
+        </p:txBody>
+      </p:sp>
+      <p:sp>
+        <p:nvSpPr>
+          <p:cNvPr id="24" name="Flèche courbée vers le haut 23"/>
+          <p:cNvSpPr/>
+          <p:nvPr/>
+        </p:nvSpPr>
+        <p:spPr>
+          <a:xfrm rot="6021399">
+            <a:off x="2394567" y="3322700"/>
+            <a:ext cx="2137232" cy="712313"/>
+          </a:xfrm>
+          <a:prstGeom prst="curvedUpArrow">
+            <a:avLst>
+              <a:gd name="adj1" fmla="val 813"/>
+              <a:gd name="adj2" fmla="val 33906"/>
+              <a:gd name="adj3" fmla="val 27240"/>
+            </a:avLst>
+          </a:prstGeom>
+        </p:spPr>
+        <p:style>
+          <a:lnRef idx="1">
+            <a:schemeClr val="accent6"/>
+          </a:lnRef>
+          <a:fillRef idx="3">
+            <a:schemeClr val="accent6"/>
+          </a:fillRef>
+          <a:effectRef idx="2">
+            <a:schemeClr val="accent6"/>
+          </a:effectRef>
+          <a:fontRef idx="minor">
+            <a:schemeClr val="lt1"/>
+          </a:fontRef>
+        </p:style>
+        <p:txBody>
+          <a:bodyPr rtlCol="0" anchor="ctr"/>
+          <a:lstStyle/>
+          <a:p>
+            <a:pPr algn="ctr"/>
+            <a:endParaRPr lang="fr-CH">
+              <a:solidFill>
+                <a:schemeClr val="tx1"/>
+              </a:solidFill>
+            </a:endParaRPr>
+          </a:p>
+        </p:txBody>
+      </p:sp>
+    </p:spTree>
+    <p:extLst>
+      <p:ext uri="{BB962C8B-B14F-4D97-AF65-F5344CB8AC3E}">
+        <p14:creationId xmlns:p14="http://schemas.microsoft.com/office/powerpoint/2010/main" val="745005802"/>
+      </p:ext>
+    </p:extLst>
+  </p:cSld>
+  <p:clrMapOvr>
+    <a:masterClrMapping/>
+  </p:clrMapOvr>
+  <p:timing>
+    <p:tnLst>
+      <p:par>
+        <p:cTn id="1" dur="indefinite" restart="never" nodeType="tmRoot"/>
+      </p:par>
+    </p:tnLst>
+  </p:timing>
+</p:sld>
+</file>
+
+<file path=ppt/slides/slide9.xml><?xml version="1.0" encoding="utf-8"?>
+<p:sld xmlns:a="http://schemas.openxmlformats.org/drawingml/2006/main" xmlns:r="http://schemas.openxmlformats.org/officeDocument/2006/relationships" xmlns:p="http://schemas.openxmlformats.org/presentationml/2006/main">
+  <p:cSld>
+    <p:spTree>
+      <p:nvGrpSpPr>
+        <p:cNvPr id="1" name=""/>
+        <p:cNvGrpSpPr/>
+        <p:nvPr/>
+      </p:nvGrpSpPr>
+      <p:grpSpPr>
+        <a:xfrm>
+          <a:off x="0" y="0"/>
+          <a:ext cx="0" cy="0"/>
+          <a:chOff x="0" y="0"/>
+          <a:chExt cx="0" cy="0"/>
+        </a:xfrm>
+      </p:grpSpPr>
+      <p:sp>
+        <p:nvSpPr>
+          <p:cNvPr id="2" name="Espace réservé du texte 1"/>
+          <p:cNvSpPr>
+            <a:spLocks noGrp="1"/>
+          </p:cNvSpPr>
+          <p:nvPr>
+            <p:ph type="body" sz="quarter" idx="13"/>
+          </p:nvPr>
+        </p:nvSpPr>
+        <p:spPr/>
+        <p:txBody>
+          <a:bodyPr/>
+          <a:lstStyle/>
+          <a:p>
+            <a:r>
+              <a:rPr lang="fr-CH" sz="3200" dirty="0"/>
+              <a:t>G</a:t>
+            </a:r>
+            <a:r>
+              <a:rPr lang="fr-CH" sz="3200" dirty="0" smtClean="0"/>
+              <a:t>éodésie</a:t>
+            </a:r>
+            <a:endParaRPr lang="fr-CH" sz="3200" dirty="0"/>
+          </a:p>
+        </p:txBody>
+      </p:sp>
+      <p:sp>
+        <p:nvSpPr>
+          <p:cNvPr id="3" name="Espace réservé du texte 2"/>
+          <p:cNvSpPr>
+            <a:spLocks noGrp="1"/>
+          </p:cNvSpPr>
+          <p:nvPr>
+            <p:ph type="body" sz="quarter" idx="14"/>
+          </p:nvPr>
+        </p:nvSpPr>
+        <p:spPr/>
+        <p:txBody>
+          <a:bodyPr/>
+          <a:lstStyle/>
+          <a:p>
+            <a:r>
+              <a:rPr lang="fr-CH" dirty="0" smtClean="0"/>
+              <a:t>Déviation de la verticale</a:t>
+            </a:r>
+            <a:endParaRPr lang="fr-CH" dirty="0"/>
+          </a:p>
+        </p:txBody>
+      </p:sp>
+      <p:sp>
+        <p:nvSpPr>
+          <p:cNvPr id="5" name="Espace réservé du numéro de diapositive 4"/>
+          <p:cNvSpPr>
+            <a:spLocks noGrp="1"/>
+          </p:cNvSpPr>
+          <p:nvPr>
+            <p:ph type="sldNum" sz="quarter" idx="18"/>
+          </p:nvPr>
+        </p:nvSpPr>
+        <p:spPr/>
+        <p:txBody>
+          <a:bodyPr/>
+          <a:lstStyle/>
+          <a:p>
+            <a:fld id="{1B28DAD0-2E7F-0B49-858C-0AF98DF16341}" type="slidenum">
+              <a:rPr lang="en-US" smtClean="0"/>
+              <a:pPr/>
+              <a:t>9</a:t>
+            </a:fld>
+            <a:endParaRPr lang="en-US"/>
+          </a:p>
+        </p:txBody>
+      </p:sp>
+      <p:pic>
+        <p:nvPicPr>
+          <p:cNvPr id="10" name="Image 9"/>
+          <p:cNvPicPr>
+            <a:picLocks noChangeAspect="1"/>
+          </p:cNvPicPr>
+          <p:nvPr/>
+        </p:nvPicPr>
+        <p:blipFill>
+          <a:blip r:embed="rId2">
+            <a:extLst>
+              <a:ext uri="{28A0092B-C50C-407E-A947-70E740481C1C}">
+                <a14:useLocalDpi xmlns:a14="http://schemas.microsoft.com/office/drawing/2010/main" val="0"/>
+              </a:ext>
+            </a:extLst>
+          </a:blip>
+          <a:stretch>
+            <a:fillRect/>
+          </a:stretch>
+        </p:blipFill>
+        <p:spPr>
+          <a:xfrm>
+            <a:off x="33874" y="764704"/>
+            <a:ext cx="8934218" cy="6316095"/>
+          </a:xfrm>
+          <a:prstGeom prst="rect">
+            <a:avLst/>
+          </a:prstGeom>
+        </p:spPr>
+      </p:pic>
+    </p:spTree>
+    <p:extLst>
+      <p:ext uri="{BB962C8B-B14F-4D97-AF65-F5344CB8AC3E}">
+        <p14:creationId xmlns:p14="http://schemas.microsoft.com/office/powerpoint/2010/main" val="3241907549"/>
       </p:ext>
     </p:extLst>
   </p:cSld>
@@ -6634,6 +8606,12 @@
 </file>
 
 <file path=customXml/item1.xml><?xml version="1.0" encoding="utf-8"?>
+<p:properties xmlns:p="http://schemas.microsoft.com/office/2006/metadata/properties" xmlns:xsi="http://www.w3.org/2001/XMLSchema-instance">
+  <documentManagement/>
+</p:properties>
+</file>
+
+<file path=customXml/item2.xml><?xml version="1.0" encoding="utf-8"?>
 <ct:contentTypeSchema xmlns:ct="http://schemas.microsoft.com/office/2006/metadata/contentType" xmlns:ma="http://schemas.microsoft.com/office/2006/metadata/properties/metaAttributes" ct:_="" ma:_="" ma:contentTypeName="Document" ma:contentTypeID="0x010100B6123DD21B5CBB45824EDD5C2CB91D56" ma:contentTypeVersion="0" ma:contentTypeDescription="Crée un document." ma:contentTypeScope="" ma:versionID="d55aa097934844bd69722fdd4b4728a7">
   <xsd:schema xmlns:xsd="http://www.w3.org/2001/XMLSchema" xmlns:p="http://schemas.microsoft.com/office/2006/metadata/properties" targetNamespace="http://schemas.microsoft.com/office/2006/metadata/properties" ma:root="true" ma:fieldsID="75019ab185b48580fc336df4da24a70b">
     <xsd:element name="properties">
@@ -6682,12 +8660,6 @@
 </ct:contentTypeSchema>
 </file>
 
-<file path=customXml/item2.xml><?xml version="1.0" encoding="utf-8"?>
-<p:properties xmlns:p="http://schemas.microsoft.com/office/2006/metadata/properties" xmlns:xsi="http://www.w3.org/2001/XMLSchema-instance">
-  <documentManagement/>
-</p:properties>
-</file>
-
 <file path=customXml/item3.xml><?xml version="1.0" encoding="utf-8"?>
 <?mso-contentType ?>
 <FormTemplates xmlns="http://schemas.microsoft.com/sharepoint/v3/contenttype/forms">
@@ -6698,6 +8670,14 @@
 </file>
 
 <file path=customXml/itemProps1.xml><?xml version="1.0" encoding="utf-8"?>
+<ds:datastoreItem xmlns:ds="http://schemas.openxmlformats.org/officeDocument/2006/customXml" ds:itemID="{4537683C-9F63-4C56-9D37-817B591CCD63}">
+  <ds:schemaRefs>
+    <ds:schemaRef ds:uri="http://schemas.microsoft.com/office/2006/metadata/properties"/>
+  </ds:schemaRefs>
+</ds:datastoreItem>
+</file>
+
+<file path=customXml/itemProps2.xml><?xml version="1.0" encoding="utf-8"?>
 <ds:datastoreItem xmlns:ds="http://schemas.openxmlformats.org/officeDocument/2006/customXml" ds:itemID="{6DD729BB-9CDF-404F-9D88-9DB6E57D6563}">
   <ds:schemaRefs>
     <ds:schemaRef ds:uri="http://schemas.microsoft.com/office/2006/metadata/contentType"/>
@@ -6712,14 +8692,6 @@
 </ds:datastoreItem>
 </file>
 
-<file path=customXml/itemProps2.xml><?xml version="1.0" encoding="utf-8"?>
-<ds:datastoreItem xmlns:ds="http://schemas.openxmlformats.org/officeDocument/2006/customXml" ds:itemID="{4537683C-9F63-4C56-9D37-817B591CCD63}">
-  <ds:schemaRefs>
-    <ds:schemaRef ds:uri="http://schemas.microsoft.com/office/2006/metadata/properties"/>
-  </ds:schemaRefs>
-</ds:datastoreItem>
-</file>
-
 <file path=customXml/itemProps3.xml><?xml version="1.0" encoding="utf-8"?>
 <ds:datastoreItem xmlns:ds="http://schemas.openxmlformats.org/officeDocument/2006/customXml" ds:itemID="{D9566359-54ED-4185-9739-B7EE564F6ACB}">
   <ds:schemaRefs>

--- a/docs/Presentation_DellaCasa_Bobillier.pptx
+++ b/docs/Presentation_DellaCasa_Bobillier.pptx
@@ -147,10 +147,6 @@
 </p:presentation>
 </file>
 
-<file path=ppt/revisionInfo.xml><?xml version="1.0" encoding="utf-8"?>
-<p1510:revInfo xmlns:a="http://schemas.openxmlformats.org/drawingml/2006/main" xmlns:r="http://schemas.openxmlformats.org/officeDocument/2006/relationships" xmlns:p1510="http://schemas.microsoft.com/office/powerpoint/2015/10/main"/>
-</file>
-
 <file path=ppt/notesMasters/notesMaster1.xml><?xml version="1.0" encoding="utf-8"?>
 <p:notesMaster xmlns:a="http://schemas.openxmlformats.org/drawingml/2006/main" xmlns:r="http://schemas.openxmlformats.org/officeDocument/2006/relationships" xmlns:p="http://schemas.openxmlformats.org/presentationml/2006/main">
   <p:cSld>
@@ -233,7 +229,7 @@
           <a:p>
             <a:fld id="{4877D8B8-887A-47CA-89AC-25C006592009}" type="datetimeFigureOut">
               <a:rPr lang="fr-CH" smtClean="0"/>
-              <a:t>07.05.2018</a:t>
+              <a:t>12.05.2018</a:t>
             </a:fld>
             <a:endParaRPr lang="fr-CH"/>
           </a:p>
@@ -3327,10 +3323,9 @@
           <a:lstStyle/>
           <a:p>
             <a:r>
-              <a:rPr lang="fr-CH" dirty="0" smtClean="0"/>
+              <a:rPr lang="fr-CH" dirty="0"/>
               <a:t>Projet de semestre / Géodésie</a:t>
             </a:r>
-            <a:endParaRPr lang="fr-CH" dirty="0"/>
           </a:p>
         </p:txBody>
       </p:sp>
@@ -3355,26 +3350,17 @@
           <a:lstStyle/>
           <a:p>
             <a:r>
-              <a:rPr lang="en-US" dirty="0" smtClean="0"/>
-              <a:t>Della Casa</a:t>
+              <a:rPr lang="en-US" dirty="0"/>
+              <a:t>Della Casa, Bobillier, 14</a:t>
+            </a:r>
+            <a:r>
+              <a:rPr lang="fr-CH" dirty="0"/>
+              <a:t> mai </a:t>
             </a:r>
             <a:r>
               <a:rPr lang="en-US" dirty="0"/>
-              <a:t>, Bobillier, </a:t>
-            </a:r>
-            <a:r>
-              <a:rPr lang="en-US" dirty="0" smtClean="0"/>
-              <a:t>14</a:t>
-            </a:r>
-            <a:r>
-              <a:rPr lang="fr-CH" dirty="0" smtClean="0"/>
-              <a:t> mai </a:t>
-            </a:r>
-            <a:r>
-              <a:rPr lang="en-US" dirty="0" smtClean="0"/>
               <a:t>2018</a:t>
             </a:r>
-            <a:endParaRPr lang="en-US" dirty="0"/>
           </a:p>
         </p:txBody>
       </p:sp>
@@ -3488,13 +3474,6 @@
   <p:clrMapOvr>
     <a:masterClrMapping/>
   </p:clrMapOvr>
-  <p:timing>
-    <p:tnLst>
-      <p:par>
-        <p:cTn id="1" dur="indefinite" restart="never" nodeType="tmRoot"/>
-      </p:par>
-    </p:tnLst>
-  </p:timing>
 </p:sld>
 </file>
 
@@ -3532,13 +3511,8 @@
           <a:p>
             <a:r>
               <a:rPr lang="fr-CH" sz="3200" dirty="0"/>
-              <a:t>Gestions </a:t>
+              <a:t>Gestions d’erreur</a:t>
             </a:r>
-            <a:r>
-              <a:rPr lang="fr-CH" sz="3200" dirty="0" smtClean="0"/>
-              <a:t>d’erreur</a:t>
-            </a:r>
-            <a:endParaRPr lang="fr-CH" sz="3200" dirty="0"/>
           </a:p>
         </p:txBody>
       </p:sp>
@@ -3559,13 +3533,8 @@
           <a:p>
             <a:r>
               <a:rPr lang="fr-CH" dirty="0"/>
-              <a:t>Emprise </a:t>
+              <a:t>Emprise géoïde</a:t>
             </a:r>
-            <a:r>
-              <a:rPr lang="fr-CH" dirty="0" smtClean="0"/>
-              <a:t>géoïde</a:t>
-            </a:r>
-            <a:endParaRPr lang="fr-CH" dirty="0"/>
           </a:p>
         </p:txBody>
       </p:sp>
@@ -3731,13 +3700,6 @@
   <p:clrMapOvr>
     <a:masterClrMapping/>
   </p:clrMapOvr>
-  <p:timing>
-    <p:tnLst>
-      <p:par>
-        <p:cTn id="1" dur="indefinite" restart="never" nodeType="tmRoot"/>
-      </p:par>
-    </p:tnLst>
-  </p:timing>
 </p:sld>
 </file>
 
@@ -3775,13 +3737,8 @@
           <a:p>
             <a:r>
               <a:rPr lang="fr-CH" sz="3200" dirty="0"/>
-              <a:t>Gestions </a:t>
+              <a:t>Gestions d’erreur</a:t>
             </a:r>
-            <a:r>
-              <a:rPr lang="fr-CH" sz="3200" dirty="0" smtClean="0"/>
-              <a:t>d’erreur</a:t>
-            </a:r>
-            <a:endParaRPr lang="fr-CH" sz="3200" dirty="0"/>
           </a:p>
         </p:txBody>
       </p:sp>
@@ -3921,13 +3878,6 @@
   <p:clrMapOvr>
     <a:masterClrMapping/>
   </p:clrMapOvr>
-  <p:timing>
-    <p:tnLst>
-      <p:par>
-        <p:cTn id="1" dur="indefinite" restart="never" nodeType="tmRoot"/>
-      </p:par>
-    </p:tnLst>
-  </p:timing>
 </p:sld>
 </file>
 
@@ -3965,13 +3915,8 @@
           <a:p>
             <a:r>
               <a:rPr lang="fr-CH" sz="3200" dirty="0"/>
-              <a:t>Gestions </a:t>
+              <a:t>Gestions d’erreur</a:t>
             </a:r>
-            <a:r>
-              <a:rPr lang="fr-CH" sz="3200" dirty="0" smtClean="0"/>
-              <a:t>d’erreur</a:t>
-            </a:r>
-            <a:endParaRPr lang="fr-CH" sz="3200" dirty="0"/>
           </a:p>
         </p:txBody>
       </p:sp>
@@ -3996,7 +3941,7 @@
               <a:t>API </a:t>
             </a:r>
             <a:r>
-              <a:rPr lang="fr-CH" dirty="0" err="1" smtClean="0"/>
+              <a:rPr lang="fr-CH" dirty="0" err="1"/>
               <a:t>Reframe</a:t>
             </a:r>
             <a:endParaRPr lang="fr-CH" dirty="0"/>
@@ -4116,13 +4061,6 @@
   <p:clrMapOvr>
     <a:masterClrMapping/>
   </p:clrMapOvr>
-  <p:timing>
-    <p:tnLst>
-      <p:par>
-        <p:cTn id="1" dur="indefinite" restart="never" nodeType="tmRoot"/>
-      </p:par>
-    </p:tnLst>
-  </p:timing>
 </p:sld>
 </file>
 
@@ -4160,13 +4098,8 @@
           <a:p>
             <a:r>
               <a:rPr lang="fr-CH" sz="3200" dirty="0"/>
-              <a:t>Validations des </a:t>
+              <a:t>Validations des transformations</a:t>
             </a:r>
-            <a:r>
-              <a:rPr lang="fr-CH" sz="3200" dirty="0" smtClean="0"/>
-              <a:t>transformations</a:t>
-            </a:r>
-            <a:endParaRPr lang="fr-CH" sz="3200" dirty="0"/>
           </a:p>
         </p:txBody>
       </p:sp>
@@ -4209,7 +4142,7 @@
               <a:buChar char="•"/>
             </a:pPr>
             <a:r>
-              <a:rPr lang="fr-CH" dirty="0" smtClean="0"/>
+              <a:rPr lang="fr-CH" dirty="0"/>
               <a:t>Mesure statique</a:t>
             </a:r>
           </a:p>
@@ -4219,16 +4152,16 @@
               <a:buChar char="•"/>
             </a:pPr>
             <a:r>
-              <a:rPr lang="fr-CH" dirty="0" smtClean="0"/>
+              <a:rPr lang="fr-CH" dirty="0"/>
               <a:t>Planimétrie </a:t>
             </a:r>
             <a:r>
-              <a:rPr lang="fr-CH" dirty="0" smtClean="0">
+              <a:rPr lang="fr-CH" dirty="0">
                 <a:sym typeface="Wingdings" panose="05000000000000000000" pitchFamily="2" charset="2"/>
               </a:rPr>
               <a:t> station AGNES</a:t>
             </a:r>
-            <a:endParaRPr lang="fr-CH" dirty="0" smtClean="0"/>
+            <a:endParaRPr lang="fr-CH" dirty="0"/>
           </a:p>
           <a:p>
             <a:pPr marL="285750" indent="-285750">
@@ -4236,16 +4169,16 @@
               <a:buChar char="•"/>
             </a:pPr>
             <a:r>
-              <a:rPr lang="fr-CH" dirty="0" smtClean="0"/>
+              <a:rPr lang="fr-CH" dirty="0"/>
               <a:t>Altimétrie </a:t>
             </a:r>
             <a:r>
-              <a:rPr lang="fr-CH" dirty="0" smtClean="0">
+              <a:rPr lang="fr-CH" dirty="0">
                 <a:sym typeface="Wingdings" panose="05000000000000000000" pitchFamily="2" charset="2"/>
               </a:rPr>
               <a:t> HTRANS</a:t>
             </a:r>
-            <a:endParaRPr lang="fr-CH" dirty="0" smtClean="0"/>
+            <a:endParaRPr lang="fr-CH" dirty="0"/>
           </a:p>
           <a:p>
             <a:pPr marL="285750" indent="-285750">
@@ -4253,7 +4186,7 @@
               <a:buChar char="•"/>
             </a:pPr>
             <a:r>
-              <a:rPr lang="fr-CH" dirty="0" smtClean="0"/>
+              <a:rPr lang="fr-CH" dirty="0"/>
               <a:t>Déviation de la verticale</a:t>
             </a:r>
           </a:p>
@@ -4263,10 +4196,9 @@
               <a:buChar char="•"/>
             </a:pPr>
             <a:r>
-              <a:rPr lang="fr-CH" dirty="0" smtClean="0"/>
+              <a:rPr lang="fr-CH" dirty="0"/>
               <a:t>Cote du géoïde</a:t>
             </a:r>
-            <a:endParaRPr lang="fr-CH" dirty="0"/>
           </a:p>
         </p:txBody>
       </p:sp>
@@ -4304,13 +4236,6 @@
   <p:clrMapOvr>
     <a:masterClrMapping/>
   </p:clrMapOvr>
-  <p:timing>
-    <p:tnLst>
-      <p:par>
-        <p:cTn id="1" dur="indefinite" restart="never" nodeType="tmRoot"/>
-      </p:par>
-    </p:tnLst>
-  </p:timing>
 </p:sld>
 </file>
 
@@ -4348,13 +4273,8 @@
           <a:p>
             <a:r>
               <a:rPr lang="fr-CH" sz="3200" dirty="0"/>
-              <a:t>Validations des </a:t>
+              <a:t>Validations des transformations</a:t>
             </a:r>
-            <a:r>
-              <a:rPr lang="fr-CH" sz="3200" dirty="0" smtClean="0"/>
-              <a:t>transformations</a:t>
-            </a:r>
-            <a:endParaRPr lang="fr-CH" sz="3200" dirty="0"/>
           </a:p>
         </p:txBody>
       </p:sp>
@@ -4374,7 +4294,7 @@
           <a:lstStyle/>
           <a:p>
             <a:r>
-              <a:rPr lang="fr-CH" dirty="0" smtClean="0">
+              <a:rPr lang="fr-CH" dirty="0">
                 <a:sym typeface="Wingdings" panose="05000000000000000000" pitchFamily="2" charset="2"/>
               </a:rPr>
               <a:t>Mesure statique</a:t>
@@ -5036,16 +4956,6 @@
                     <a:p>
                       <a:pPr algn="l" fontAlgn="b"/>
                       <a:r>
-                        <a:rPr lang="fr-CH" sz="1200" b="0" i="0" u="none" strike="noStrike" dirty="0" smtClean="0">
-                          <a:solidFill>
-                            <a:srgbClr val="000000"/>
-                          </a:solidFill>
-                          <a:effectLst/>
-                          <a:latin typeface="Calibri" panose="020F0502020204030204" pitchFamily="34" charset="0"/>
-                        </a:rPr>
-                        <a:t>Cartésienne </a:t>
-                      </a:r>
-                      <a:r>
                         <a:rPr lang="fr-CH" sz="1200" b="0" i="0" u="none" strike="noStrike" dirty="0">
                           <a:solidFill>
                             <a:srgbClr val="000000"/>
@@ -5053,7 +4963,7 @@
                           <a:effectLst/>
                           <a:latin typeface="Calibri" panose="020F0502020204030204" pitchFamily="34" charset="0"/>
                         </a:rPr>
-                        <a:t>ETRS89 mesuré</a:t>
+                        <a:t>Cartésienne ETRS89 mesuré</a:t>
                       </a:r>
                     </a:p>
                   </a:txBody>
@@ -5293,16 +5203,6 @@
                     <a:p>
                       <a:pPr algn="l" fontAlgn="b"/>
                       <a:r>
-                        <a:rPr lang="fr-CH" sz="1200" b="0" i="0" u="none" strike="noStrike" dirty="0" smtClean="0">
-                          <a:solidFill>
-                            <a:srgbClr val="000000"/>
-                          </a:solidFill>
-                          <a:effectLst/>
-                          <a:latin typeface="Calibri" panose="020F0502020204030204" pitchFamily="34" charset="0"/>
-                        </a:rPr>
-                        <a:t>Cartésienne </a:t>
-                      </a:r>
-                      <a:r>
                         <a:rPr lang="fr-CH" sz="1200" b="0" i="0" u="none" strike="noStrike" dirty="0">
                           <a:solidFill>
                             <a:srgbClr val="000000"/>
@@ -5310,7 +5210,7 @@
                           <a:effectLst/>
                           <a:latin typeface="Calibri" panose="020F0502020204030204" pitchFamily="34" charset="0"/>
                         </a:rPr>
-                        <a:t>ETRS89 mesuré</a:t>
+                        <a:t>Cartésienne ETRS89 mesuré</a:t>
                       </a:r>
                     </a:p>
                   </a:txBody>
@@ -5526,16 +5426,6 @@
                     <a:p>
                       <a:pPr algn="l" fontAlgn="b"/>
                       <a:r>
-                        <a:rPr lang="fr-CH" sz="1200" b="0" i="0" u="none" strike="noStrike" dirty="0" smtClean="0">
-                          <a:solidFill>
-                            <a:srgbClr val="000000"/>
-                          </a:solidFill>
-                          <a:effectLst/>
-                          <a:latin typeface="Calibri" panose="020F0502020204030204" pitchFamily="34" charset="0"/>
-                        </a:rPr>
-                        <a:t>Cartésienne </a:t>
-                      </a:r>
-                      <a:r>
                         <a:rPr lang="fr-CH" sz="1200" b="0" i="0" u="none" strike="noStrike" dirty="0">
                           <a:solidFill>
                             <a:srgbClr val="000000"/>
@@ -5543,7 +5433,7 @@
                           <a:effectLst/>
                           <a:latin typeface="Calibri" panose="020F0502020204030204" pitchFamily="34" charset="0"/>
                         </a:rPr>
-                        <a:t>ETRS89 mesuré</a:t>
+                        <a:t>Cartésienne ETRS89 mesuré</a:t>
                       </a:r>
                     </a:p>
                   </a:txBody>
@@ -5750,13 +5640,6 @@
   <p:clrMapOvr>
     <a:masterClrMapping/>
   </p:clrMapOvr>
-  <p:timing>
-    <p:tnLst>
-      <p:par>
-        <p:cTn id="1" dur="indefinite" restart="never" nodeType="tmRoot"/>
-      </p:par>
-    </p:tnLst>
-  </p:timing>
 </p:sld>
 </file>
 
@@ -5794,13 +5677,8 @@
           <a:p>
             <a:r>
               <a:rPr lang="fr-CH" sz="3200" dirty="0"/>
-              <a:t>Validations des </a:t>
+              <a:t>Validations des transformations</a:t>
             </a:r>
-            <a:r>
-              <a:rPr lang="fr-CH" sz="3200" dirty="0" smtClean="0"/>
-              <a:t>transformations</a:t>
-            </a:r>
-            <a:endParaRPr lang="fr-CH" sz="3200" dirty="0"/>
           </a:p>
         </p:txBody>
       </p:sp>
@@ -5820,16 +5698,10 @@
           <a:lstStyle/>
           <a:p>
             <a:r>
-              <a:rPr lang="fr-CH" dirty="0" smtClean="0">
-                <a:sym typeface="Wingdings" panose="05000000000000000000" pitchFamily="2" charset="2"/>
-              </a:rPr>
-              <a:t>Station </a:t>
-            </a:r>
-            <a:r>
               <a:rPr lang="fr-CH" dirty="0">
                 <a:sym typeface="Wingdings" panose="05000000000000000000" pitchFamily="2" charset="2"/>
               </a:rPr>
-              <a:t>AGNES</a:t>
+              <a:t>Station AGNES</a:t>
             </a:r>
             <a:endParaRPr lang="fr-CH" dirty="0"/>
           </a:p>
@@ -6488,16 +6360,6 @@
                     <a:p>
                       <a:pPr algn="l" fontAlgn="b"/>
                       <a:r>
-                        <a:rPr lang="fr-CH" sz="1300" b="0" i="0" u="none" strike="noStrike" dirty="0" smtClean="0">
-                          <a:solidFill>
-                            <a:srgbClr val="000000"/>
-                          </a:solidFill>
-                          <a:effectLst/>
-                          <a:latin typeface="Calibri" panose="020F0502020204030204" pitchFamily="34" charset="0"/>
-                        </a:rPr>
-                        <a:t>Cartésienne </a:t>
-                      </a:r>
-                      <a:r>
                         <a:rPr lang="fr-CH" sz="1300" b="0" i="0" u="none" strike="noStrike" dirty="0">
                           <a:solidFill>
                             <a:srgbClr val="000000"/>
@@ -6505,7 +6367,7 @@
                           <a:effectLst/>
                           <a:latin typeface="Calibri" panose="020F0502020204030204" pitchFamily="34" charset="0"/>
                         </a:rPr>
-                        <a:t>CHTRF95</a:t>
+                        <a:t>Cartésienne CHTRF95</a:t>
                       </a:r>
                     </a:p>
                   </a:txBody>
@@ -6745,16 +6607,6 @@
                     <a:p>
                       <a:pPr algn="l" fontAlgn="b"/>
                       <a:r>
-                        <a:rPr lang="fr-CH" sz="1300" b="0" i="0" u="none" strike="noStrike" dirty="0" smtClean="0">
-                          <a:solidFill>
-                            <a:srgbClr val="000000"/>
-                          </a:solidFill>
-                          <a:effectLst/>
-                          <a:latin typeface="Calibri" panose="020F0502020204030204" pitchFamily="34" charset="0"/>
-                        </a:rPr>
-                        <a:t>Cartésienne </a:t>
-                      </a:r>
-                      <a:r>
                         <a:rPr lang="fr-CH" sz="1300" b="0" i="0" u="none" strike="noStrike" dirty="0">
                           <a:solidFill>
                             <a:srgbClr val="000000"/>
@@ -6762,7 +6614,7 @@
                           <a:effectLst/>
                           <a:latin typeface="Calibri" panose="020F0502020204030204" pitchFamily="34" charset="0"/>
                         </a:rPr>
-                        <a:t>CHTRF95</a:t>
+                        <a:t>Cartésienne CHTRF95</a:t>
                       </a:r>
                     </a:p>
                   </a:txBody>
@@ -6972,16 +6824,6 @@
                     <a:p>
                       <a:pPr algn="l" fontAlgn="b"/>
                       <a:r>
-                        <a:rPr lang="fr-CH" sz="1300" b="0" i="0" u="none" strike="noStrike" dirty="0" smtClean="0">
-                          <a:solidFill>
-                            <a:srgbClr val="000000"/>
-                          </a:solidFill>
-                          <a:effectLst/>
-                          <a:latin typeface="Calibri" panose="020F0502020204030204" pitchFamily="34" charset="0"/>
-                        </a:rPr>
-                        <a:t>Cartésienne </a:t>
-                      </a:r>
-                      <a:r>
                         <a:rPr lang="fr-CH" sz="1300" b="0" i="0" u="none" strike="noStrike" dirty="0">
                           <a:solidFill>
                             <a:srgbClr val="000000"/>
@@ -6989,7 +6831,7 @@
                           <a:effectLst/>
                           <a:latin typeface="Calibri" panose="020F0502020204030204" pitchFamily="34" charset="0"/>
                         </a:rPr>
-                        <a:t>CHTRF95</a:t>
+                        <a:t>Cartésienne CHTRF95</a:t>
                       </a:r>
                     </a:p>
                   </a:txBody>
@@ -7449,16 +7291,6 @@
                     <a:p>
                       <a:pPr algn="l" fontAlgn="b"/>
                       <a:r>
-                        <a:rPr lang="fr-CH" sz="1300" b="0" i="0" u="none" strike="noStrike" dirty="0" smtClean="0">
-                          <a:solidFill>
-                            <a:srgbClr val="000000"/>
-                          </a:solidFill>
-                          <a:effectLst/>
-                          <a:latin typeface="Calibri" panose="020F0502020204030204" pitchFamily="34" charset="0"/>
-                        </a:rPr>
-                        <a:t>Cartésienne </a:t>
-                      </a:r>
-                      <a:r>
                         <a:rPr lang="fr-CH" sz="1300" b="0" i="0" u="none" strike="noStrike" dirty="0">
                           <a:solidFill>
                             <a:srgbClr val="000000"/>
@@ -7466,7 +7298,7 @@
                           <a:effectLst/>
                           <a:latin typeface="Calibri" panose="020F0502020204030204" pitchFamily="34" charset="0"/>
                         </a:rPr>
-                        <a:t>CHTRF95</a:t>
+                        <a:t>Cartésienne CHTRF95</a:t>
                       </a:r>
                     </a:p>
                   </a:txBody>
@@ -7676,16 +7508,6 @@
                     <a:p>
                       <a:pPr algn="l" fontAlgn="b"/>
                       <a:r>
-                        <a:rPr lang="fr-CH" sz="1300" b="0" i="0" u="none" strike="noStrike" dirty="0" smtClean="0">
-                          <a:solidFill>
-                            <a:srgbClr val="000000"/>
-                          </a:solidFill>
-                          <a:effectLst/>
-                          <a:latin typeface="Calibri" panose="020F0502020204030204" pitchFamily="34" charset="0"/>
-                        </a:rPr>
-                        <a:t>Cartésienne </a:t>
-                      </a:r>
-                      <a:r>
                         <a:rPr lang="fr-CH" sz="1300" b="0" i="0" u="none" strike="noStrike" dirty="0">
                           <a:solidFill>
                             <a:srgbClr val="000000"/>
@@ -7693,7 +7515,7 @@
                           <a:effectLst/>
                           <a:latin typeface="Calibri" panose="020F0502020204030204" pitchFamily="34" charset="0"/>
                         </a:rPr>
-                        <a:t>CHTRF95</a:t>
+                        <a:t>Cartésienne CHTRF95</a:t>
                       </a:r>
                     </a:p>
                   </a:txBody>
@@ -8090,13 +7912,6 @@
   <p:clrMapOvr>
     <a:masterClrMapping/>
   </p:clrMapOvr>
-  <p:timing>
-    <p:tnLst>
-      <p:par>
-        <p:cTn id="1" dur="indefinite" restart="never" nodeType="tmRoot"/>
-      </p:par>
-    </p:tnLst>
-  </p:timing>
 </p:sld>
 </file>
 
@@ -8134,13 +7949,8 @@
           <a:p>
             <a:r>
               <a:rPr lang="fr-CH" sz="3200" dirty="0"/>
-              <a:t>Validations des </a:t>
+              <a:t>Validations des transformations</a:t>
             </a:r>
-            <a:r>
-              <a:rPr lang="fr-CH" sz="3200" dirty="0" smtClean="0"/>
-              <a:t>transformations</a:t>
-            </a:r>
-            <a:endParaRPr lang="fr-CH" sz="3200" dirty="0"/>
           </a:p>
         </p:txBody>
       </p:sp>
@@ -8160,7 +7970,7 @@
           <a:lstStyle/>
           <a:p>
             <a:r>
-              <a:rPr lang="fr-CH" dirty="0" smtClean="0">
+              <a:rPr lang="fr-CH" dirty="0">
                 <a:sym typeface="Wingdings" panose="05000000000000000000" pitchFamily="2" charset="2"/>
               </a:rPr>
               <a:t>HTRANS</a:t>
@@ -8645,13 +8455,6 @@
   <p:clrMapOvr>
     <a:masterClrMapping/>
   </p:clrMapOvr>
-  <p:timing>
-    <p:tnLst>
-      <p:par>
-        <p:cTn id="1" dur="indefinite" restart="never" nodeType="tmRoot"/>
-      </p:par>
-    </p:tnLst>
-  </p:timing>
 </p:sld>
 </file>
 
@@ -8689,13 +8492,8 @@
           <a:p>
             <a:r>
               <a:rPr lang="fr-CH" sz="3200" dirty="0"/>
-              <a:t>Validations des </a:t>
+              <a:t>Validations des transformations</a:t>
             </a:r>
-            <a:r>
-              <a:rPr lang="fr-CH" sz="3200" dirty="0" smtClean="0"/>
-              <a:t>transformations</a:t>
-            </a:r>
-            <a:endParaRPr lang="fr-CH" sz="3200" dirty="0"/>
           </a:p>
         </p:txBody>
       </p:sp>
@@ -10825,7 +10623,7 @@
                         <a:defRPr/>
                       </a:pPr>
                       <a:r>
-                        <a:rPr lang="fr-CH" sz="1400" b="0" i="1" u="none" strike="noStrike" kern="1200" dirty="0" smtClean="0">
+                        <a:rPr lang="fr-CH" sz="1400" b="0" i="1" u="none" strike="noStrike" kern="1200" dirty="0">
                           <a:solidFill>
                             <a:srgbClr val="000000"/>
                           </a:solidFill>
@@ -10837,7 +10635,7 @@
                         <a:t>[</a:t>
                       </a:r>
                       <a:r>
-                        <a:rPr lang="fr-CH" sz="1400" b="0" i="1" u="none" strike="noStrike" kern="1200" dirty="0" err="1" smtClean="0">
+                        <a:rPr lang="fr-CH" sz="1400" b="0" i="1" u="none" strike="noStrike" kern="1200" dirty="0" err="1">
                           <a:solidFill>
                             <a:srgbClr val="000000"/>
                           </a:solidFill>
@@ -10849,7 +10647,7 @@
                         <a:t>zéta</a:t>
                       </a:r>
                       <a:r>
-                        <a:rPr lang="fr-CH" sz="1400" b="0" i="1" u="none" strike="noStrike" kern="1200" dirty="0" smtClean="0">
+                        <a:rPr lang="fr-CH" sz="1400" b="0" i="1" u="none" strike="noStrike" kern="1200" dirty="0">
                           <a:solidFill>
                             <a:srgbClr val="000000"/>
                           </a:solidFill>
@@ -11143,11 +10941,11 @@
           <a:lstStyle/>
           <a:p>
             <a:r>
-              <a:rPr lang="fr-CH" dirty="0" smtClean="0"/>
+              <a:rPr lang="fr-CH" dirty="0"/>
               <a:t>CH</a:t>
             </a:r>
             <a:r>
-              <a:rPr lang="fr-CH" dirty="0" smtClean="0">
+              <a:rPr lang="fr-CH" dirty="0">
                 <a:sym typeface="Wingdings" panose="05000000000000000000" pitchFamily="2" charset="2"/>
               </a:rPr>
               <a:t>FR</a:t>
@@ -11314,7 +11112,7 @@
           </a:lstStyle>
           <a:p>
             <a:r>
-              <a:rPr lang="fr-CH" dirty="0" smtClean="0">
+              <a:rPr lang="fr-CH" dirty="0">
                 <a:sym typeface="Wingdings" panose="05000000000000000000" pitchFamily="2" charset="2"/>
               </a:rPr>
               <a:t>FRCH</a:t>
@@ -11481,7 +11279,7 @@
           </a:lstStyle>
           <a:p>
             <a:r>
-              <a:rPr lang="fr-CH" dirty="0" smtClean="0">
+              <a:rPr lang="fr-CH" dirty="0">
                 <a:sym typeface="Wingdings" panose="05000000000000000000" pitchFamily="2" charset="2"/>
               </a:rPr>
               <a:t>CHFR</a:t>
@@ -11500,13 +11298,6 @@
   <p:clrMapOvr>
     <a:masterClrMapping/>
   </p:clrMapOvr>
-  <p:timing>
-    <p:tnLst>
-      <p:par>
-        <p:cTn id="1" dur="indefinite" restart="never" nodeType="tmRoot"/>
-      </p:par>
-    </p:tnLst>
-  </p:timing>
 </p:sld>
 </file>
 
@@ -11544,13 +11335,8 @@
           <a:p>
             <a:r>
               <a:rPr lang="fr-CH" sz="3200" dirty="0"/>
-              <a:t>Validations des </a:t>
+              <a:t>Validations des transformations</a:t>
             </a:r>
-            <a:r>
-              <a:rPr lang="fr-CH" sz="3200" dirty="0" smtClean="0"/>
-              <a:t>transformations</a:t>
-            </a:r>
-            <a:endParaRPr lang="fr-CH" sz="3200" dirty="0"/>
           </a:p>
         </p:txBody>
       </p:sp>
@@ -12596,7 +12382,7 @@
               <a:buChar char="•"/>
             </a:pPr>
             <a:r>
-              <a:rPr lang="fr-CH" dirty="0" smtClean="0"/>
+              <a:rPr lang="fr-CH" dirty="0"/>
               <a:t>Cote de référence connue au dm</a:t>
             </a:r>
           </a:p>
@@ -12606,10 +12392,9 @@
               <a:buChar char="•"/>
             </a:pPr>
             <a:r>
-              <a:rPr lang="fr-CH" dirty="0" smtClean="0"/>
+              <a:rPr lang="fr-CH" dirty="0"/>
               <a:t>Point pas exactement sur une «cote ronde»</a:t>
             </a:r>
-            <a:endParaRPr lang="fr-CH" dirty="0"/>
           </a:p>
         </p:txBody>
       </p:sp>
@@ -12623,13 +12408,6 @@
   <p:clrMapOvr>
     <a:masterClrMapping/>
   </p:clrMapOvr>
-  <p:timing>
-    <p:tnLst>
-      <p:par>
-        <p:cTn id="1" dur="indefinite" restart="never" nodeType="tmRoot"/>
-      </p:par>
-    </p:tnLst>
-  </p:timing>
 </p:sld>
 </file>
 
@@ -12666,10 +12444,9 @@
           <a:lstStyle/>
           <a:p>
             <a:r>
-              <a:rPr lang="fr-CH" sz="3200" dirty="0" smtClean="0"/>
+              <a:rPr lang="fr-CH" sz="3200" dirty="0"/>
               <a:t>Démonstration</a:t>
             </a:r>
-            <a:endParaRPr lang="fr-CH" sz="3200" dirty="0"/>
           </a:p>
         </p:txBody>
       </p:sp>
@@ -12745,13 +12522,6 @@
   <p:clrMapOvr>
     <a:masterClrMapping/>
   </p:clrMapOvr>
-  <p:timing>
-    <p:tnLst>
-      <p:par>
-        <p:cTn id="1" dur="indefinite" restart="never" nodeType="tmRoot"/>
-      </p:par>
-    </p:tnLst>
-  </p:timing>
 </p:sld>
 </file>
 
@@ -12815,7 +12585,7 @@
               <a:buAutoNum type="arabicPeriod"/>
             </a:pPr>
             <a:r>
-              <a:rPr lang="fr-CH" sz="2000" dirty="0" smtClean="0"/>
+              <a:rPr lang="fr-CH" sz="2000" dirty="0"/>
               <a:t>Introduction</a:t>
             </a:r>
           </a:p>
@@ -12825,7 +12595,7 @@
               <a:buAutoNum type="arabicPeriod"/>
             </a:pPr>
             <a:r>
-              <a:rPr lang="fr-CH" sz="2000" dirty="0" smtClean="0"/>
+              <a:rPr lang="fr-CH" sz="2000" dirty="0"/>
               <a:t>Transformations</a:t>
             </a:r>
           </a:p>
@@ -12835,7 +12605,7 @@
               <a:buAutoNum type="arabicPeriod"/>
             </a:pPr>
             <a:r>
-              <a:rPr lang="fr-CH" sz="2000" dirty="0" smtClean="0"/>
+              <a:rPr lang="fr-CH" sz="2000" dirty="0"/>
               <a:t>Programmations</a:t>
             </a:r>
           </a:p>
@@ -12845,7 +12615,7 @@
               <a:buAutoNum type="arabicPeriod"/>
             </a:pPr>
             <a:r>
-              <a:rPr lang="fr-CH" sz="2000" dirty="0" smtClean="0"/>
+              <a:rPr lang="fr-CH" sz="2000" dirty="0"/>
               <a:t>Gestions d’erreur</a:t>
             </a:r>
           </a:p>
@@ -12855,7 +12625,7 @@
               <a:buAutoNum type="arabicPeriod"/>
             </a:pPr>
             <a:r>
-              <a:rPr lang="fr-CH" sz="2000" dirty="0" smtClean="0"/>
+              <a:rPr lang="fr-CH" sz="2000" dirty="0"/>
               <a:t>Validations des transformations</a:t>
             </a:r>
           </a:p>
@@ -12865,7 +12635,7 @@
               <a:buAutoNum type="arabicPeriod"/>
             </a:pPr>
             <a:r>
-              <a:rPr lang="fr-CH" sz="2000" dirty="0" smtClean="0"/>
+              <a:rPr lang="fr-CH" sz="2000" dirty="0"/>
               <a:t>Démonstration</a:t>
             </a:r>
           </a:p>
@@ -12875,7 +12645,7 @@
               <a:buAutoNum type="arabicPeriod"/>
             </a:pPr>
             <a:r>
-              <a:rPr lang="fr-CH" sz="2000" dirty="0" smtClean="0"/>
+              <a:rPr lang="fr-CH" sz="2000" dirty="0"/>
               <a:t>Conclusion</a:t>
             </a:r>
           </a:p>
@@ -12884,7 +12654,7 @@
               <a:buFont typeface="+mj-lt"/>
               <a:buAutoNum type="arabicPeriod"/>
             </a:pPr>
-            <a:endParaRPr lang="fr-CH" sz="2000" dirty="0" smtClean="0"/>
+            <a:endParaRPr lang="fr-CH" sz="2000" dirty="0"/>
           </a:p>
           <a:p>
             <a:pPr marL="342900" indent="-342900">
@@ -12949,13 +12719,6 @@
   <p:clrMapOvr>
     <a:masterClrMapping/>
   </p:clrMapOvr>
-  <p:timing>
-    <p:tnLst>
-      <p:par>
-        <p:cTn id="1" dur="indefinite" restart="never" nodeType="tmRoot"/>
-      </p:par>
-    </p:tnLst>
-  </p:timing>
 </p:sld>
 </file>
 
@@ -12998,10 +12761,9 @@
           <a:lstStyle/>
           <a:p>
             <a:r>
-              <a:rPr lang="fr-CH" dirty="0" smtClean="0"/>
+              <a:rPr lang="fr-CH" dirty="0"/>
               <a:t>Conclusion</a:t>
             </a:r>
-            <a:endParaRPr lang="fr-CH" dirty="0"/>
           </a:p>
         </p:txBody>
       </p:sp>
@@ -13250,7 +13012,7 @@
               <a:buChar char="•"/>
             </a:pPr>
             <a:r>
-              <a:rPr lang="fr-CH" dirty="0" smtClean="0"/>
+              <a:rPr lang="fr-CH" dirty="0"/>
               <a:t>Toutes les transformations ont été codées</a:t>
             </a:r>
           </a:p>
@@ -13260,7 +13022,7 @@
               <a:buChar char="•"/>
             </a:pPr>
             <a:r>
-              <a:rPr lang="fr-CH" dirty="0" smtClean="0"/>
+              <a:rPr lang="fr-CH" dirty="0"/>
               <a:t>Gestion d’erreur des emprises</a:t>
             </a:r>
           </a:p>
@@ -13270,9 +13032,18 @@
               <a:buChar char="•"/>
             </a:pPr>
             <a:r>
-              <a:rPr lang="fr-CH" dirty="0" smtClean="0"/>
-              <a:t>Transformations validées</a:t>
+              <a:rPr lang="fr-CH" dirty="0">
+                <a:sym typeface="Wingdings" panose="05000000000000000000" pitchFamily="2" charset="2"/>
+              </a:rPr>
+              <a:t>Problème découvert avec l’API </a:t>
             </a:r>
+            <a:r>
+              <a:rPr lang="fr-CH" dirty="0" err="1">
+                <a:sym typeface="Wingdings" panose="05000000000000000000" pitchFamily="2" charset="2"/>
+              </a:rPr>
+              <a:t>Reframe</a:t>
+            </a:r>
+            <a:endParaRPr lang="fr-CH" dirty="0"/>
           </a:p>
           <a:p>
             <a:pPr marL="285750" indent="-285750">
@@ -13280,8 +13051,8 @@
               <a:buChar char="•"/>
             </a:pPr>
             <a:r>
-              <a:rPr lang="fr-CH" dirty="0" smtClean="0"/>
-              <a:t>Interface web intuitif</a:t>
+              <a:rPr lang="fr-CH" dirty="0"/>
+              <a:t>Transformations validées</a:t>
             </a:r>
           </a:p>
           <a:p>
@@ -13290,10 +13061,19 @@
               <a:buChar char="•"/>
             </a:pPr>
             <a:r>
-              <a:rPr lang="fr-CH" dirty="0" smtClean="0"/>
+              <a:rPr lang="fr-CH" dirty="0"/>
+              <a:t>Interface web intuitif</a:t>
+            </a:r>
+          </a:p>
+          <a:p>
+            <a:pPr marL="285750" indent="-285750">
+              <a:buFont typeface="Arial" panose="020B0604020202020204" pitchFamily="34" charset="0"/>
+              <a:buChar char="•"/>
+            </a:pPr>
+            <a:r>
+              <a:rPr lang="fr-CH" dirty="0"/>
               <a:t>Objectifs remplis</a:t>
             </a:r>
-            <a:endParaRPr lang="fr-CH" dirty="0"/>
           </a:p>
         </p:txBody>
       </p:sp>
@@ -13307,13 +13087,6 @@
   <p:clrMapOvr>
     <a:masterClrMapping/>
   </p:clrMapOvr>
-  <p:timing>
-    <p:tnLst>
-      <p:par>
-        <p:cTn id="1" dur="indefinite" restart="never" nodeType="tmRoot"/>
-      </p:par>
-    </p:tnLst>
-  </p:timing>
 </p:sld>
 </file>
 
@@ -13476,13 +13249,6 @@
   <p:clrMapOvr>
     <a:masterClrMapping/>
   </p:clrMapOvr>
-  <p:timing>
-    <p:tnLst>
-      <p:par>
-        <p:cTn id="1" dur="indefinite" restart="never" nodeType="tmRoot"/>
-      </p:par>
-    </p:tnLst>
-  </p:timing>
 </p:sld>
 </file>
 
@@ -13541,10 +13307,9 @@
           <a:lstStyle/>
           <a:p>
             <a:r>
-              <a:rPr lang="fr-CH" dirty="0" smtClean="0"/>
+              <a:rPr lang="fr-CH" dirty="0"/>
               <a:t>Déviation de la verticale</a:t>
             </a:r>
-            <a:endParaRPr lang="fr-CH" dirty="0"/>
           </a:p>
         </p:txBody>
       </p:sp>
@@ -13677,13 +13442,13 @@
                   <a:buChar char="•"/>
                 </a:pPr>
                 <a:r>
-                  <a:rPr lang="fr-CH" dirty="0" smtClean="0"/>
+                  <a:rPr lang="fr-CH" dirty="0"/>
                   <a:t>Déviation de la verticale en Suisse :</a:t>
                 </a:r>
               </a:p>
               <a:p>
                 <a:r>
-                  <a:rPr lang="fr-CH" dirty="0" smtClean="0"/>
+                  <a:rPr lang="fr-CH" dirty="0"/>
                   <a:t> </a:t>
                 </a:r>
                 <a14:m>
@@ -14358,7 +14123,7 @@
                     </m:r>
                   </m:oMath>
                 </a14:m>
-                <a:endParaRPr lang="fr-CH" dirty="0" smtClean="0"/>
+                <a:endParaRPr lang="fr-CH" dirty="0"/>
               </a:p>
               <a:p>
                 <a:pPr marL="285750" indent="-285750">
@@ -14367,11 +14132,7 @@
                 </a:pPr>
                 <a:r>
                   <a:rPr lang="fr-CH" dirty="0"/>
-                  <a:t>Déviation de la verticale en </a:t>
-                </a:r>
-                <a:r>
-                  <a:rPr lang="fr-CH" dirty="0" smtClean="0"/>
-                  <a:t>France :</a:t>
+                  <a:t>Déviation de la verticale en France :</a:t>
                 </a:r>
               </a:p>
               <a:p>
@@ -14788,7 +14549,7 @@
                     </m:oMath>
                   </m:oMathPara>
                 </a14:m>
-                <a:endParaRPr lang="fr-CH" dirty="0" smtClean="0"/>
+                <a:endParaRPr lang="fr-CH" dirty="0"/>
               </a:p>
               <a:p>
                 <a:pPr marL="285750" indent="-285750">
@@ -14796,15 +14557,15 @@
                   <a:buChar char="•"/>
                 </a:pPr>
                 <a:r>
-                  <a:rPr lang="fr-CH" dirty="0" smtClean="0"/>
+                  <a:rPr lang="fr-CH" dirty="0"/>
                   <a:t>Paramètre </a:t>
                 </a:r>
                 <a:r>
-                  <a:rPr lang="fr-CH" dirty="0" err="1" smtClean="0"/>
+                  <a:rPr lang="fr-CH" dirty="0" err="1"/>
                   <a:t>zéta</a:t>
                 </a:r>
                 <a:r>
-                  <a:rPr lang="fr-CH" dirty="0" smtClean="0"/>
+                  <a:rPr lang="fr-CH" dirty="0"/>
                   <a:t> (rigoureux) : </a:t>
                 </a:r>
               </a:p>
@@ -14936,10 +14697,9 @@
                   </m:oMath>
                 </a14:m>
                 <a:r>
-                  <a:rPr lang="fr-CH" dirty="0" smtClean="0"/>
+                  <a:rPr lang="fr-CH" dirty="0"/>
                   <a:t> = 1</a:t>
                 </a:r>
-                <a:endParaRPr lang="fr-CH" dirty="0"/>
               </a:p>
               <a:p>
                 <a:endParaRPr lang="fr-CH" dirty="0"/>
@@ -14995,13 +14755,6 @@
   <p:clrMapOvr>
     <a:masterClrMapping/>
   </p:clrMapOvr>
-  <p:timing>
-    <p:tnLst>
-      <p:par>
-        <p:cTn id="1" dur="indefinite" restart="never" nodeType="tmRoot"/>
-      </p:par>
-    </p:tnLst>
-  </p:timing>
 </p:sld>
 </file>
 
@@ -15038,10 +14791,9 @@
           <a:lstStyle/>
           <a:p>
             <a:r>
-              <a:rPr lang="en-US" dirty="0" smtClean="0"/>
+              <a:rPr lang="en-US" dirty="0"/>
               <a:t>Introduction</a:t>
             </a:r>
-            <a:endParaRPr lang="en-US" dirty="0"/>
           </a:p>
         </p:txBody>
       </p:sp>
@@ -15065,16 +14817,8 @@
               <a:buChar char="•"/>
             </a:pPr>
             <a:r>
-              <a:rPr lang="fr-FR" sz="2000" dirty="0" smtClean="0"/>
-              <a:t>Développement </a:t>
-            </a:r>
-            <a:r>
               <a:rPr lang="fr-FR" sz="2000" dirty="0"/>
-              <a:t>d’un outil en ligne de transformation de </a:t>
-            </a:r>
-            <a:r>
-              <a:rPr lang="fr-FR" sz="2000" dirty="0" smtClean="0"/>
-              <a:t>coordonnées géodésiques franco-suisses</a:t>
+              <a:t>Développement d’un outil en ligne de transformation de coordonnées géodésiques franco-suisses</a:t>
             </a:r>
           </a:p>
           <a:p>
@@ -15083,7 +14827,7 @@
               <a:buChar char="•"/>
             </a:pPr>
             <a:r>
-              <a:rPr lang="fr-FR" sz="2000" dirty="0" smtClean="0"/>
+              <a:rPr lang="fr-FR" sz="2000" dirty="0"/>
               <a:t>Géodésie et SIG</a:t>
             </a:r>
           </a:p>
@@ -15093,7 +14837,7 @@
               <a:buChar char="•"/>
             </a:pPr>
             <a:r>
-              <a:rPr lang="fr-FR" sz="2000" dirty="0" smtClean="0"/>
+              <a:rPr lang="fr-FR" sz="2000" dirty="0"/>
               <a:t>ENSG de Paris</a:t>
             </a:r>
           </a:p>
@@ -15103,7 +14847,7 @@
               <a:buChar char="•"/>
             </a:pPr>
             <a:r>
-              <a:rPr lang="fr-FR" sz="2000" dirty="0" smtClean="0"/>
+              <a:rPr lang="fr-FR" sz="2000" dirty="0"/>
               <a:t>4 étudiants</a:t>
             </a:r>
             <a:endParaRPr lang="fr-CH" sz="2000" dirty="0"/>
@@ -15169,13 +14913,6 @@
   <p:clrMapOvr>
     <a:masterClrMapping/>
   </p:clrMapOvr>
-  <p:timing>
-    <p:tnLst>
-      <p:par>
-        <p:cTn id="1" dur="indefinite" restart="never" nodeType="tmRoot"/>
-      </p:par>
-    </p:tnLst>
-  </p:timing>
 </p:sld>
 </file>
 
@@ -15212,10 +14949,9 @@
           <a:lstStyle/>
           <a:p>
             <a:r>
-              <a:rPr lang="fr-CH" sz="3200" dirty="0" smtClean="0"/>
+              <a:rPr lang="fr-CH" sz="3200" dirty="0"/>
               <a:t>Transformations</a:t>
             </a:r>
-            <a:endParaRPr lang="fr-CH" sz="3200" dirty="0"/>
           </a:p>
         </p:txBody>
       </p:sp>
@@ -15235,10 +14971,9 @@
           <a:lstStyle/>
           <a:p>
             <a:r>
-              <a:rPr lang="fr-CH" dirty="0" smtClean="0"/>
+              <a:rPr lang="fr-CH" dirty="0"/>
               <a:t>Systèmes</a:t>
             </a:r>
-            <a:endParaRPr lang="fr-CH" dirty="0"/>
           </a:p>
         </p:txBody>
       </p:sp>
@@ -15294,13 +15029,8 @@
           <a:p>
             <a:r>
               <a:rPr lang="fr-FR" dirty="0"/>
-              <a:t>•	CH1903+ et </a:t>
+              <a:t>•	CH1903+ et RAN95</a:t>
             </a:r>
-            <a:r>
-              <a:rPr lang="fr-FR" dirty="0" smtClean="0"/>
-              <a:t>RAN95</a:t>
-            </a:r>
-            <a:endParaRPr lang="fr-FR" dirty="0" smtClean="0"/>
           </a:p>
           <a:p>
             <a:endParaRPr lang="fr-CH" dirty="0">
@@ -15316,13 +15046,7 @@
               <a:rPr lang="fr-FR" dirty="0">
                 <a:sym typeface="Wingdings" panose="05000000000000000000" pitchFamily="2" charset="2"/>
               </a:rPr>
-              <a:t>ETRS89 sera notre </a:t>
-            </a:r>
-            <a:r>
-              <a:rPr lang="fr-FR" dirty="0" smtClean="0">
-                <a:sym typeface="Wingdings" panose="05000000000000000000" pitchFamily="2" charset="2"/>
-              </a:rPr>
-              <a:t>système commun </a:t>
+              <a:t>ETRS89 sera notre système commun </a:t>
             </a:r>
           </a:p>
           <a:p>
@@ -15331,16 +15055,10 @@
               <a:buChar char="à"/>
             </a:pPr>
             <a:r>
-              <a:rPr lang="fr-CH" dirty="0" smtClean="0">
-                <a:sym typeface="Wingdings" panose="05000000000000000000" pitchFamily="2" charset="2"/>
-              </a:rPr>
-              <a:t>WGS84 </a:t>
-            </a:r>
-            <a:r>
               <a:rPr lang="fr-CH" dirty="0">
                 <a:sym typeface="Wingdings" panose="05000000000000000000" pitchFamily="2" charset="2"/>
               </a:rPr>
-              <a:t>~ </a:t>
+              <a:t>WGS84 ~ </a:t>
             </a:r>
             <a:r>
               <a:rPr lang="fr-CH" dirty="0"/>
@@ -15358,7 +15076,7 @@
             <a:endParaRPr lang="fr-CH" dirty="0"/>
           </a:p>
           <a:p>
-            <a:endParaRPr lang="fr-FR" dirty="0" smtClean="0"/>
+            <a:endParaRPr lang="fr-FR" dirty="0"/>
           </a:p>
         </p:txBody>
       </p:sp>
@@ -15548,7 +15266,7 @@
               <a:buChar char="•"/>
             </a:pPr>
             <a:r>
-              <a:rPr lang="fr-CH" dirty="0" smtClean="0"/>
+              <a:rPr lang="fr-CH" dirty="0"/>
               <a:t>Déviation de la verticale</a:t>
             </a:r>
           </a:p>
@@ -15558,26 +15276,26 @@
               <a:buChar char="•"/>
             </a:pPr>
             <a:r>
-              <a:rPr lang="fr-CH" dirty="0" err="1" smtClean="0"/>
+              <a:rPr lang="fr-CH" dirty="0" err="1"/>
               <a:t>php</a:t>
             </a:r>
-            <a:endParaRPr lang="fr-CH" dirty="0" smtClean="0"/>
+            <a:endParaRPr lang="fr-CH" dirty="0"/>
           </a:p>
           <a:p>
             <a:r>
-              <a:rPr lang="fr-CH" dirty="0" smtClean="0"/>
+              <a:rPr lang="fr-CH" dirty="0"/>
               <a:t>Documents géodésique / </a:t>
             </a:r>
             <a:r>
-              <a:rPr lang="fr-CH" dirty="0" err="1" smtClean="0"/>
+              <a:rPr lang="fr-CH" dirty="0" err="1"/>
               <a:t>Swisstopo</a:t>
             </a:r>
             <a:r>
-              <a:rPr lang="fr-CH" dirty="0" smtClean="0"/>
+              <a:rPr lang="fr-CH" dirty="0"/>
               <a:t> / API </a:t>
             </a:r>
             <a:r>
-              <a:rPr lang="fr-CH" dirty="0" err="1" smtClean="0"/>
+              <a:rPr lang="fr-CH" dirty="0" err="1"/>
               <a:t>Reframe</a:t>
             </a:r>
             <a:endParaRPr lang="fr-CH" dirty="0"/>
@@ -15594,13 +15312,6 @@
   <p:clrMapOvr>
     <a:masterClrMapping/>
   </p:clrMapOvr>
-  <p:timing>
-    <p:tnLst>
-      <p:par>
-        <p:cTn id="1" dur="indefinite" restart="never" nodeType="tmRoot"/>
-      </p:par>
-    </p:tnLst>
-  </p:timing>
 </p:sld>
 </file>
 
@@ -15670,10 +15381,9 @@
           <a:lstStyle/>
           <a:p>
             <a:r>
-              <a:rPr lang="fr-CH" sz="3200" dirty="0" smtClean="0"/>
+              <a:rPr lang="fr-CH" sz="3200" dirty="0"/>
               <a:t>Transformations</a:t>
             </a:r>
-            <a:endParaRPr lang="fr-CH" sz="3200" dirty="0"/>
           </a:p>
         </p:txBody>
       </p:sp>
@@ -15693,10 +15403,9 @@
           <a:lstStyle/>
           <a:p>
             <a:r>
-              <a:rPr lang="fr-CH" sz="2400" dirty="0" smtClean="0"/>
+              <a:rPr lang="fr-CH" sz="2400" dirty="0"/>
               <a:t>Systèmes</a:t>
             </a:r>
-            <a:endParaRPr lang="fr-CH" sz="2400" dirty="0"/>
           </a:p>
         </p:txBody>
       </p:sp>
@@ -15774,13 +15483,6 @@
   <p:clrMapOvr>
     <a:masterClrMapping/>
   </p:clrMapOvr>
-  <p:timing>
-    <p:tnLst>
-      <p:par>
-        <p:cTn id="1" dur="indefinite" restart="never" nodeType="tmRoot"/>
-      </p:par>
-    </p:tnLst>
-  </p:timing>
 </p:sld>
 </file>
 
@@ -15839,10 +15541,9 @@
           <a:lstStyle/>
           <a:p>
             <a:r>
-              <a:rPr lang="fr-CH" dirty="0" smtClean="0"/>
+              <a:rPr lang="fr-CH" dirty="0"/>
               <a:t>Systèmes suisse planimétriques</a:t>
             </a:r>
-            <a:endParaRPr lang="fr-CH" dirty="0"/>
           </a:p>
         </p:txBody>
       </p:sp>
@@ -15908,13 +15609,6 @@
   <p:clrMapOvr>
     <a:masterClrMapping/>
   </p:clrMapOvr>
-  <p:timing>
-    <p:tnLst>
-      <p:par>
-        <p:cTn id="1" dur="indefinite" restart="never" nodeType="tmRoot"/>
-      </p:par>
-    </p:tnLst>
-  </p:timing>
 </p:sld>
 </file>
 
@@ -15973,10 +15667,9 @@
           <a:lstStyle/>
           <a:p>
             <a:r>
-              <a:rPr lang="fr-CH" dirty="0" smtClean="0"/>
+              <a:rPr lang="fr-CH" dirty="0"/>
               <a:t>Systèmes suisses altimétriques</a:t>
             </a:r>
-            <a:endParaRPr lang="fr-CH" dirty="0"/>
           </a:p>
         </p:txBody>
       </p:sp>
@@ -16042,13 +15735,6 @@
   <p:clrMapOvr>
     <a:masterClrMapping/>
   </p:clrMapOvr>
-  <p:timing>
-    <p:tnLst>
-      <p:par>
-        <p:cTn id="1" dur="indefinite" restart="never" nodeType="tmRoot"/>
-      </p:par>
-    </p:tnLst>
-  </p:timing>
 </p:sld>
 </file>
 
@@ -16107,10 +15793,9 @@
           <a:lstStyle/>
           <a:p>
             <a:r>
-              <a:rPr lang="fr-CH" dirty="0" smtClean="0"/>
+              <a:rPr lang="fr-CH" dirty="0"/>
               <a:t>Déviation de la verticale</a:t>
             </a:r>
-            <a:endParaRPr lang="fr-CH" dirty="0"/>
           </a:p>
         </p:txBody>
       </p:sp>
@@ -16173,8 +15858,8 @@
           </a:extLst>
         </p:spPr>
       </p:pic>
-      <mc:AlternateContent xmlns:mc="http://schemas.openxmlformats.org/markup-compatibility/2006">
-        <mc:Choice xmlns:a14="http://schemas.microsoft.com/office/drawing/2010/main" Requires="a14">
+      <mc:AlternateContent xmlns:mc="http://schemas.openxmlformats.org/markup-compatibility/2006" xmlns:a14="http://schemas.microsoft.com/office/drawing/2010/main">
+        <mc:Choice Requires="a14">
           <p:sp>
             <p:nvSpPr>
               <p:cNvPr id="9" name="Espace réservé du texte 3"/>
@@ -16200,7 +15885,7 @@
                   <a:buChar char="•"/>
                 </a:pPr>
                 <a:r>
-                  <a:rPr lang="fr-CH" dirty="0" smtClean="0"/>
+                  <a:rPr lang="fr-CH" dirty="0"/>
                   <a:t>Vecteur suisse ou français</a:t>
                 </a:r>
               </a:p>
@@ -16210,11 +15895,11 @@
                   <a:buChar char="•"/>
                 </a:pPr>
                 <a:r>
-                  <a:rPr lang="fr-CH" dirty="0" err="1" smtClean="0"/>
+                  <a:rPr lang="fr-CH" dirty="0" err="1"/>
                   <a:t>Coord</a:t>
                 </a:r>
                 <a:r>
-                  <a:rPr lang="fr-CH" dirty="0" smtClean="0"/>
+                  <a:rPr lang="fr-CH" dirty="0"/>
                   <a:t>. géogr. ETRS89 / </a:t>
                 </a:r>
                 <a:r>
@@ -16223,15 +15908,7 @@
                 </a:r>
                 <a:r>
                   <a:rPr lang="fr-CH" dirty="0"/>
-                  <a:t>. géogr. </a:t>
-                </a:r>
-                <a:r>
-                  <a:rPr lang="fr-CH" dirty="0" smtClean="0"/>
-                  <a:t>CH1903+ </a:t>
-                </a:r>
-                <a:r>
-                  <a:rPr lang="fr-CH" dirty="0" smtClean="0"/>
-                  <a:t>/ vecteur </a:t>
+                  <a:t>. géogr. CH1903+ / vecteur </a:t>
                 </a:r>
                 <a14:m>
                   <m:oMath xmlns:m="http://schemas.openxmlformats.org/officeDocument/2006/math">
@@ -16296,11 +15973,11 @@
                   </m:oMath>
                 </a14:m>
                 <a:r>
-                  <a:rPr lang="fr-CH" dirty="0" smtClean="0"/>
+                  <a:rPr lang="fr-CH" dirty="0"/>
                   <a:t> </a:t>
                 </a:r>
                 <a:r>
-                  <a:rPr lang="fr-CH" i="1" dirty="0" smtClean="0"/>
+                  <a:rPr lang="fr-CH" i="1" dirty="0"/>
                   <a:t>[radians]</a:t>
                 </a:r>
               </a:p>
@@ -16310,7 +15987,7 @@
                   <a:buChar char="•"/>
                 </a:pPr>
                 <a:r>
-                  <a:rPr lang="fr-CH" dirty="0" smtClean="0"/>
+                  <a:rPr lang="fr-CH" dirty="0"/>
                   <a:t>Matrice de rotation : </a:t>
                 </a:r>
                 <a14:m>
@@ -16609,7 +16286,7 @@
             </p:txBody>
           </p:sp>
         </mc:Choice>
-        <mc:Fallback>
+        <mc:Fallback xmlns="">
           <p:sp>
             <p:nvSpPr>
               <p:cNvPr id="9" name="Espace réservé du texte 3"/>
@@ -16698,13 +16375,6 @@
   <p:clrMapOvr>
     <a:masterClrMapping/>
   </p:clrMapOvr>
-  <p:timing>
-    <p:tnLst>
-      <p:par>
-        <p:cTn id="1" dur="indefinite" restart="never" nodeType="tmRoot"/>
-      </p:par>
-    </p:tnLst>
-  </p:timing>
 </p:sld>
 </file>
 
@@ -16742,13 +16412,8 @@
           <a:p>
             <a:r>
               <a:rPr lang="fr-CH" sz="3200" dirty="0"/>
-              <a:t>Gestions </a:t>
+              <a:t>Gestions d’erreur</a:t>
             </a:r>
-            <a:r>
-              <a:rPr lang="fr-CH" sz="3200" dirty="0" smtClean="0"/>
-              <a:t>d’erreur</a:t>
-            </a:r>
-            <a:endParaRPr lang="fr-CH" sz="3200" dirty="0"/>
           </a:p>
         </p:txBody>
       </p:sp>
@@ -16791,7 +16456,7 @@
               <a:buChar char="•"/>
             </a:pPr>
             <a:r>
-              <a:rPr lang="fr-CH" dirty="0" smtClean="0"/>
+              <a:rPr lang="fr-CH" dirty="0"/>
               <a:t>Emprise géoïde</a:t>
             </a:r>
           </a:p>
@@ -16801,7 +16466,7 @@
               <a:buChar char="•"/>
             </a:pPr>
             <a:r>
-              <a:rPr lang="fr-CH" dirty="0" smtClean="0"/>
+              <a:rPr lang="fr-CH" dirty="0"/>
               <a:t>Grille des triangles CHENyx06</a:t>
             </a:r>
           </a:p>
@@ -16811,11 +16476,11 @@
               <a:buChar char="•"/>
             </a:pPr>
             <a:r>
-              <a:rPr lang="fr-CH" dirty="0" smtClean="0"/>
+              <a:rPr lang="fr-CH" dirty="0"/>
               <a:t>API </a:t>
             </a:r>
             <a:r>
-              <a:rPr lang="fr-CH" dirty="0" err="1" smtClean="0"/>
+              <a:rPr lang="fr-CH" dirty="0" err="1"/>
               <a:t>Reframe</a:t>
             </a:r>
             <a:endParaRPr lang="fr-CH" dirty="0"/>
@@ -16856,13 +16521,6 @@
   <p:clrMapOvr>
     <a:masterClrMapping/>
   </p:clrMapOvr>
-  <p:timing>
-    <p:tnLst>
-      <p:par>
-        <p:cTn id="1" dur="indefinite" restart="never" nodeType="tmRoot"/>
-      </p:par>
-    </p:tnLst>
-  </p:timing>
 </p:sld>
 </file>
 
@@ -17426,21 +17084,6 @@
 </file>
 
 <file path=customXml/item1.xml><?xml version="1.0" encoding="utf-8"?>
-<p:properties xmlns:p="http://schemas.microsoft.com/office/2006/metadata/properties" xmlns:xsi="http://www.w3.org/2001/XMLSchema-instance">
-  <documentManagement/>
-</p:properties>
-</file>
-
-<file path=customXml/item2.xml><?xml version="1.0" encoding="utf-8"?>
-<?mso-contentType ?>
-<FormTemplates xmlns="http://schemas.microsoft.com/sharepoint/v3/contenttype/forms">
-  <Display>DocumentLibraryForm</Display>
-  <Edit>DocumentLibraryForm</Edit>
-  <New>DocumentLibraryForm</New>
-</FormTemplates>
-</file>
-
-<file path=customXml/item3.xml><?xml version="1.0" encoding="utf-8"?>
 <ct:contentTypeSchema xmlns:ct="http://schemas.microsoft.com/office/2006/metadata/contentType" xmlns:ma="http://schemas.microsoft.com/office/2006/metadata/properties/metaAttributes" ct:_="" ma:_="" ma:contentTypeName="Document" ma:contentTypeID="0x010100B6123DD21B5CBB45824EDD5C2CB91D56" ma:contentTypeVersion="0" ma:contentTypeDescription="Crée un document." ma:contentTypeScope="" ma:versionID="d55aa097934844bd69722fdd4b4728a7">
   <xsd:schema xmlns:xsd="http://www.w3.org/2001/XMLSchema" xmlns:p="http://schemas.microsoft.com/office/2006/metadata/properties" targetNamespace="http://schemas.microsoft.com/office/2006/metadata/properties" ma:root="true" ma:fieldsID="75019ab185b48580fc336df4da24a70b">
     <xsd:element name="properties">
@@ -17489,16 +17132,32 @@
 </ct:contentTypeSchema>
 </file>
 
+<file path=customXml/item2.xml><?xml version="1.0" encoding="utf-8"?>
+<?mso-contentType ?>
+<FormTemplates xmlns="http://schemas.microsoft.com/sharepoint/v3/contenttype/forms">
+  <Display>DocumentLibraryForm</Display>
+  <Edit>DocumentLibraryForm</Edit>
+  <New>DocumentLibraryForm</New>
+</FormTemplates>
+</file>
+
+<file path=customXml/item3.xml><?xml version="1.0" encoding="utf-8"?>
+<p:properties xmlns:p="http://schemas.microsoft.com/office/2006/metadata/properties" xmlns:xsi="http://www.w3.org/2001/XMLSchema-instance">
+  <documentManagement/>
+</p:properties>
+</file>
+
 <file path=customXml/itemProps1.xml><?xml version="1.0" encoding="utf-8"?>
-<ds:datastoreItem xmlns:ds="http://schemas.openxmlformats.org/officeDocument/2006/customXml" ds:itemID="{4537683C-9F63-4C56-9D37-817B591CCD63}">
+<ds:datastoreItem xmlns:ds="http://schemas.openxmlformats.org/officeDocument/2006/customXml" ds:itemID="{6DD729BB-9CDF-404F-9D88-9DB6E57D6563}">
   <ds:schemaRefs>
-    <ds:schemaRef ds:uri="http://purl.org/dc/dcmitype/"/>
+    <ds:schemaRef ds:uri="http://schemas.microsoft.com/office/2006/metadata/contentType"/>
+    <ds:schemaRef ds:uri="http://schemas.microsoft.com/office/2006/metadata/properties/metaAttributes"/>
+    <ds:schemaRef ds:uri="http://www.w3.org/2001/XMLSchema"/>
+    <ds:schemaRef ds:uri="http://schemas.microsoft.com/office/2006/metadata/properties"/>
+    <ds:schemaRef ds:uri="http://schemas.openxmlformats.org/package/2006/metadata/core-properties"/>
     <ds:schemaRef ds:uri="http://purl.org/dc/elements/1.1/"/>
-    <ds:schemaRef ds:uri="http://schemas.microsoft.com/office/2006/metadata/properties"/>
     <ds:schemaRef ds:uri="http://purl.org/dc/terms/"/>
-    <ds:schemaRef ds:uri="http://schemas.openxmlformats.org/package/2006/metadata/core-properties"/>
-    <ds:schemaRef ds:uri="http://schemas.microsoft.com/office/2006/documentManagement/types"/>
-    <ds:schemaRef ds:uri="http://www.w3.org/XML/1998/namespace"/>
+    <ds:schemaRef ds:uri="http://schemas.microsoft.com/office/internal/2005/internalDocumentation"/>
   </ds:schemaRefs>
 </ds:datastoreItem>
 </file>
@@ -17512,16 +17171,15 @@
 </file>
 
 <file path=customXml/itemProps3.xml><?xml version="1.0" encoding="utf-8"?>
-<ds:datastoreItem xmlns:ds="http://schemas.openxmlformats.org/officeDocument/2006/customXml" ds:itemID="{6DD729BB-9CDF-404F-9D88-9DB6E57D6563}">
+<ds:datastoreItem xmlns:ds="http://schemas.openxmlformats.org/officeDocument/2006/customXml" ds:itemID="{4537683C-9F63-4C56-9D37-817B591CCD63}">
   <ds:schemaRefs>
-    <ds:schemaRef ds:uri="http://schemas.microsoft.com/office/2006/metadata/contentType"/>
-    <ds:schemaRef ds:uri="http://schemas.microsoft.com/office/2006/metadata/properties/metaAttributes"/>
-    <ds:schemaRef ds:uri="http://www.w3.org/2001/XMLSchema"/>
+    <ds:schemaRef ds:uri="http://purl.org/dc/dcmitype/"/>
+    <ds:schemaRef ds:uri="http://purl.org/dc/elements/1.1/"/>
     <ds:schemaRef ds:uri="http://schemas.microsoft.com/office/2006/metadata/properties"/>
+    <ds:schemaRef ds:uri="http://purl.org/dc/terms/"/>
     <ds:schemaRef ds:uri="http://schemas.openxmlformats.org/package/2006/metadata/core-properties"/>
-    <ds:schemaRef ds:uri="http://purl.org/dc/elements/1.1/"/>
-    <ds:schemaRef ds:uri="http://purl.org/dc/terms/"/>
-    <ds:schemaRef ds:uri="http://schemas.microsoft.com/office/internal/2005/internalDocumentation"/>
+    <ds:schemaRef ds:uri="http://schemas.microsoft.com/office/2006/documentManagement/types"/>
+    <ds:schemaRef ds:uri="http://www.w3.org/XML/1998/namespace"/>
   </ds:schemaRefs>
 </ds:datastoreItem>
 </file>